--- a/Documentos/Power Point/Sprint 3 - FINAL.pptx
+++ b/Documentos/Power Point/Sprint 3 - FINAL.pptx
@@ -5,7 +5,7 @@
     <p:sldMasterId id="2147483683" r:id="rId1"/>
   </p:sldMasterIdLst>
   <p:notesMasterIdLst>
-    <p:notesMasterId r:id="rId25"/>
+    <p:notesMasterId r:id="rId27"/>
   </p:notesMasterIdLst>
   <p:sldIdLst>
     <p:sldId id="256" r:id="rId2"/>
@@ -21,16 +21,18 @@
     <p:sldId id="330" r:id="rId12"/>
     <p:sldId id="326" r:id="rId13"/>
     <p:sldId id="336" r:id="rId14"/>
-    <p:sldId id="333" r:id="rId15"/>
-    <p:sldId id="334" r:id="rId16"/>
-    <p:sldId id="335" r:id="rId17"/>
-    <p:sldId id="322" r:id="rId18"/>
+    <p:sldId id="322" r:id="rId15"/>
+    <p:sldId id="333" r:id="rId16"/>
+    <p:sldId id="334" r:id="rId17"/>
+    <p:sldId id="335" r:id="rId18"/>
     <p:sldId id="327" r:id="rId19"/>
     <p:sldId id="340" r:id="rId20"/>
     <p:sldId id="341" r:id="rId21"/>
     <p:sldId id="342" r:id="rId22"/>
-    <p:sldId id="343" r:id="rId23"/>
-    <p:sldId id="316" r:id="rId24"/>
+    <p:sldId id="344" r:id="rId23"/>
+    <p:sldId id="345" r:id="rId24"/>
+    <p:sldId id="343" r:id="rId25"/>
+    <p:sldId id="316" r:id="rId26"/>
   </p:sldIdLst>
   <p:sldSz cx="9144000" cy="5143500" type="screen16x9"/>
   <p:notesSz cx="6858000" cy="9144000"/>
@@ -349,6 +351,7 @@
           </a:p>
         </c:rich>
       </c:tx>
+      <c:layout/>
       <c:overlay val="0"/>
       <c:spPr>
         <a:noFill/>
@@ -913,6 +916,7 @@
     </c:plotArea>
     <c:legend>
       <c:legendPos val="b"/>
+      <c:layout/>
       <c:overlay val="0"/>
       <c:spPr>
         <a:noFill/>
@@ -1014,6 +1018,7 @@
           </a:p>
         </c:rich>
       </c:tx>
+      <c:layout/>
       <c:overlay val="0"/>
       <c:spPr>
         <a:noFill/>
@@ -1578,6 +1583,7 @@
     </c:plotArea>
     <c:legend>
       <c:legendPos val="b"/>
+      <c:layout/>
       <c:overlay val="0"/>
       <c:spPr>
         <a:noFill/>
@@ -1679,6 +1685,7 @@
           </a:p>
         </c:rich>
       </c:tx>
+      <c:layout/>
       <c:overlay val="0"/>
       <c:spPr>
         <a:noFill/>
@@ -2243,6 +2250,7 @@
     </c:plotArea>
     <c:legend>
       <c:legendPos val="b"/>
+      <c:layout/>
       <c:overlay val="0"/>
       <c:spPr>
         <a:noFill/>
@@ -13168,28 +13176,28 @@
       </p:grpSpPr>
       <p:pic>
         <p:nvPicPr>
-          <p:cNvPr id="4" name="Imagem 3" descr="Linha do tempo&#10;&#10;Descrição gerada automaticamente">
-            <a:extLst>
-              <a:ext uri="{FF2B5EF4-FFF2-40B4-BE49-F238E27FC236}">
-                <a16:creationId xmlns:a16="http://schemas.microsoft.com/office/drawing/2014/main" id="{8B4F9978-535F-4A4F-9398-50AB82AB7704}"/>
-              </a:ext>
-            </a:extLst>
-          </p:cNvPr>
+          <p:cNvPr id="2" name="Imagem 1"/>
           <p:cNvPicPr>
             <a:picLocks noChangeAspect="1"/>
           </p:cNvPicPr>
           <p:nvPr/>
         </p:nvPicPr>
         <p:blipFill>
-          <a:blip r:embed="rId3"/>
+          <a:blip r:embed="rId3">
+            <a:extLst>
+              <a:ext uri="{28A0092B-C50C-407E-A947-70E740481C1C}">
+                <a14:useLocalDpi xmlns:a14="http://schemas.microsoft.com/office/drawing/2010/main" val="0"/>
+              </a:ext>
+            </a:extLst>
+          </a:blip>
           <a:stretch>
             <a:fillRect/>
           </a:stretch>
         </p:blipFill>
         <p:spPr>
           <a:xfrm>
-            <a:off x="994787" y="212370"/>
-            <a:ext cx="6953460" cy="4718760"/>
+            <a:off x="1332235" y="216310"/>
+            <a:ext cx="6435249" cy="4695126"/>
           </a:xfrm>
           <a:prstGeom prst="rect">
             <a:avLst/>
@@ -13581,7 +13589,7 @@
   <p:cSld>
     <p:spTree>
       <p:nvGrpSpPr>
-        <p:cNvPr id="1" name="Shape 520"/>
+        <p:cNvPr id="1" name=""/>
         <p:cNvGrpSpPr/>
         <p:nvPr/>
       </p:nvGrpSpPr>
@@ -13593,247 +13601,198 @@
           <a:chExt cx="0" cy="0"/>
         </a:xfrm>
       </p:grpSpPr>
-      <p:sp>
-        <p:nvSpPr>
-          <p:cNvPr id="521" name="Google Shape;521;p58"/>
-          <p:cNvSpPr txBox="1">
-            <a:spLocks noGrp="1"/>
-          </p:cNvSpPr>
-          <p:nvPr>
-            <p:ph type="title"/>
-          </p:nvPr>
-        </p:nvSpPr>
+      <p:pic>
+        <p:nvPicPr>
+          <p:cNvPr id="3" name="Picture 1562675041">
+            <a:extLst>
+              <a:ext uri="{FF2B5EF4-FFF2-40B4-BE49-F238E27FC236}">
+                <a16:creationId xmlns:a16="http://schemas.microsoft.com/office/drawing/2014/main" id="{18CE8369-97B8-47BC-8C74-599BB3DD9255}"/>
+              </a:ext>
+            </a:extLst>
+          </p:cNvPr>
+          <p:cNvPicPr/>
+          <p:nvPr/>
+        </p:nvPicPr>
+        <p:blipFill>
+          <a:blip r:embed="rId2"/>
+          <a:stretch>
+            <a:fillRect/>
+          </a:stretch>
+        </p:blipFill>
         <p:spPr>
           <a:xfrm>
-            <a:off x="723900" y="24917"/>
-            <a:ext cx="7696200" cy="572700"/>
+            <a:off x="897286" y="1457011"/>
+            <a:ext cx="6143625" cy="3314700"/>
           </a:xfrm>
           <a:prstGeom prst="rect">
             <a:avLst/>
           </a:prstGeom>
+          <a:noFill/>
+          <a:ln>
+            <a:noFill/>
+            <a:prstDash/>
+          </a:ln>
+        </p:spPr>
+      </p:pic>
+      <p:sp>
+        <p:nvSpPr>
+          <p:cNvPr id="5" name="CaixaDeTexto 4">
+            <a:extLst>
+              <a:ext uri="{FF2B5EF4-FFF2-40B4-BE49-F238E27FC236}">
+                <a16:creationId xmlns:a16="http://schemas.microsoft.com/office/drawing/2014/main" id="{FA7E217D-7B26-470E-99AB-860C541522D0}"/>
+              </a:ext>
+            </a:extLst>
+          </p:cNvPr>
+          <p:cNvSpPr txBox="1"/>
+          <p:nvPr/>
+        </p:nvSpPr>
+        <p:spPr>
+          <a:xfrm>
+            <a:off x="321547" y="915694"/>
+            <a:ext cx="8239648" cy="340734"/>
+          </a:xfrm>
+          <a:prstGeom prst="rect">
+            <a:avLst/>
+          </a:prstGeom>
+          <a:noFill/>
         </p:spPr>
         <p:txBody>
-          <a:bodyPr spcFirstLastPara="1" wrap="square" lIns="91425" tIns="91425" rIns="91425" bIns="91425" anchor="t" anchorCtr="0">
-            <a:noAutofit/>
+          <a:bodyPr wrap="square">
+            <a:spAutoFit/>
           </a:bodyPr>
           <a:lstStyle/>
           <a:p>
-            <a:pPr marL="0" lvl="0" indent="0" algn="ctr" rtl="0">
-              <a:spcBef>
-                <a:spcPts val="0"/>
-              </a:spcBef>
-              <a:spcAft>
-                <a:spcPts val="0"/>
-              </a:spcAft>
-              <a:buNone/>
+            <a:pPr indent="457200">
+              <a:lnSpc>
+                <a:spcPct val="150000"/>
+              </a:lnSpc>
+              <a:spcAft>
+                <a:spcPts val="800"/>
+              </a:spcAft>
             </a:pPr>
             <a:r>
-              <a:rPr lang="pt-BR" sz="3600" dirty="0">
-                <a:latin typeface="+mj-lt"/>
+              <a:rPr lang="pt-BR" sz="1200" dirty="0">
+                <a:solidFill>
+                  <a:srgbClr val="000000"/>
+                </a:solidFill>
+                <a:effectLst/>
+                <a:latin typeface="Playfair Display"/>
+                <a:ea typeface="Arial" panose="020B0604020202020204" pitchFamily="34" charset="0"/>
+                <a:cs typeface="Arial" panose="020B0604020202020204" pitchFamily="34" charset="0"/>
               </a:rPr>
-              <a:t>Soja</a:t>
+              <a:t>Os teores ideais de umidade para cada fase de desenvolvimento podem ser observados abaixo:</a:t>
             </a:r>
-            <a:endParaRPr sz="3600" dirty="0">
-              <a:latin typeface="+mj-lt"/>
+            <a:endParaRPr lang="pt-BR" sz="1200" dirty="0">
+              <a:effectLst/>
+              <a:latin typeface="Playfair Display"/>
+              <a:ea typeface="Calibri" panose="020F0502020204030204" pitchFamily="34" charset="0"/>
+              <a:cs typeface="Arial" panose="020B0604020202020204" pitchFamily="34" charset="0"/>
             </a:endParaRPr>
           </a:p>
         </p:txBody>
       </p:sp>
       <p:sp>
         <p:nvSpPr>
-          <p:cNvPr id="2" name="AutoShape 1" descr="data:image/png;base64,iVBORw0KGgoAAAANSUhEUgAAAeIAAAEiCAYAAAAlAdEXAAAgAElEQVR4Xu3daYwc553f8X/P1XNxrqYoUpQoiRQPiVQsUwdlyyvL3pUlA7vCIovAAO3FJnGAvF3rXd7si7xJkBfaV1kggB3kRTywESCr0GtbPlfWYVsri5IlkiKHpERSBw/NxeHcZ/Cvnpqprqnqqq5+uuv6FjCYme6qp57n81T3r5+q6qqCMCGAAAIIIIBAbAIFXfNHH320Njs7G1slWDECCCCAAAJ5FCgUCi9bQXzu3Lm1AwcO5NGANiOAAAIIIBCbwMjIiBDEsfGzYgQQQACBvAsQxHnfAmg/AggggECsAgRxrPysHAEEEEAg7wIEcd63ANqPAAIIIBCrAEEcKz8rRwABBBDIuwBBnPctgPYjgAACCMQqQBDHys/KEUAAAQTyLlBzEB8/ftwyGx4errCzH3c/5/d43uFpPwIIIIAAAipQUxBrqGoA279tQr//g+ajCxBAAAEEEMi7QE1BHBS87ucJ4rxvXrQfAQQQQCBIgCAOEuJ5BBBAAAEEGihAEDcQl6IRQAABBBAIEiCIg4R4HgEEEEAAgQYKJD6I5xZW5KPr3J6xgdsARSOAAAII1ClQ6u+QUn8xUik1BbHzq0j22uyvMfH1pUj+LIQAAgggkHOBmoI451Y0HwEEEEAAAeMCBLFxUgpEAAEEEEAgvABBHN6KORFAAAEEEDAuQBAbJ6VABBBAAAEEwgsQxOGtmBMBBBBAAAHjAgSxcVIKRAABBBBAILwAQRzeijkRQAABBBAwLkAQGyelQAQQQAABBMILEMThrZgTAQQQQAAB4wIEsXFSCkQAAQQQQCC8AEEc3oo5EUAAAQQQMC5AEBsnpUAEEEAAgXoEXj43KSfeGZUbtxZlx7YOee6h7fLUwYF6ikz0sgRxoruHyiGAAAL5EtAQ/v4b12RucXWj4V0dLfLNYzszG8bGgpi7L+XrxUJrEUAAgUYIPP/DC9ZI2D3pyPiFb9zXiFXGXqaRINYQtm+HqC2y//d7PPZWUwEEEEAAgUQKfOu7Zzzr9a+P3ib6k8WJIM5ir9ImBBBAIKUCf/uD8zI6vcSIuNb+Y0RcqxjzI4AAAgi4BX59dkL+78nPZHJ2ueKp9taC/M0Xd3GMOGiTcR4j1nl1VzW7poPUeB4BBBBA4K3Lt+SlU+Py/tWZLRiD3W3yVw/vyGwIa4ON7Jp2y3GMmBcWAggggECQwIUbc/LSqTH5/QdTFbMeuL1bnj0yJI/d2xdURCaeNx7EzlGwqRHxyJVbmcCmEQgggAACIpNzy/LG5Wl5w/XePtTdJsf2bJNH9/SmjqnU3yGl/mKkehsJYr+vLmmNqj0XqcYshAACCCCQSoHF5VV56fS4tRt6am7zOHBne4s1An7mcEm2dbamsm31VNpIENdTAZZFAAEEEMi+wG9GJuVnp8blyvh8RWO/cmhQnjk8JHcORhtNZkGOIM5CL9IGBBBAIKEC73w0LT87NSbvfVJ5ItbRPdusUfADd/QktObNqxZB3Dxr1oQAAgjkRuDD0XkrgF+7cLOizftu67IC+Av7+nNjEdRQgjhIiOcRQAABBEILjM8sWbugf/zeWMUy23vby8eBj5SkELq0fMxIEOejn2klAggg0FCBldU1+dnpcfnJe2MVF+TQi3E8e6RkHQce6G5raB3SWjhBnNaeo94IIIBAQgRev3BTfnpqTC6NVp6I9eSBASuA7y51JqSmyawGQZzMfqFWCCCAQOIFTn0yY12QQ0/Ick6fu6tXnj08JA/emb7vA8eBThDHoc46EUAAgRQLfDQ+b30XWL+S5Jzu2d4pzx4uyZf2cyJWLd1LENeixbwIIIBAjgX0Ihx6QY4f/XFU1tY2IfR60NZx4CND0tbCqVi1biIEca1izI8AAgjkUEBPxPqnd0dlYmbzilgtBT0RS8+EHpJST3sOVcw0mSA240gpCCCAQCYF9IYMeib0B5/NVbTvifv6rQDeu70rk+1uZqMI4mZqsy4EEEAgJQJ6S8KfnhqXk5crb7pzZHePdRz4oRTemCGp9ARxUnuGeiGAAAIxCHw6uWCdiPXrsxMVa79rqGgF8JcPDsRQq2yvkiDOdv/SOgQQQCCUwMzCinUi1ol3RkUvzmFPfV1t1leRdDd0sa0lVFnMVJuAsSD2u90ht0GsrUOYGwEEEGi2wC/fn7DOhB6bXqpYtV6MQwN4x7aOZlcpV+szEsQatsPDwxtw9v9+j+dKmMYigAACCRV489It60zoizcqT8R6fG+fdU3o/Ts4EasZXUcQN0OZdSCAAAIJEhi5PmudCf2HS5UnYt2/q8f6OtLDd29LUG2zXxUjQaxMXrugGRFnfwOihQggkB6B61OL1jWhf3mm8kSsOwaKVgB/9dBgehqToZoaCWJ2TWdoi6ApCCCQOYH5pVXrRKwX3/5Mllc2T8TqKbaun4hVku4OTsSKq+NTEcQjVyp3n8SFxXoRQACBtAm8/cmMvPrBlEzObV4RS9vwyF29cuzubVLi1oRGurTU3yGl/mKkslIRxJFaxkIIIIBAjgXevnJLTvxxVM5frzwR69F79ESsITm0szvHOslqupEg9jtGXO3xZDFQGwQQQCAbAnopyh+9OyZvfjhV0aADt3dbx4Efu7cvGw3NUCuMBXGGTGgKAgggkDoB/Q7wj98bk5+fHq+o++19HVYAP/3AUOralJcKE8R56WnaiQACmRTQk69+cmpMXnx7VBaXVzfa2NneUr4z0uGSbOtszWTbs9IogjgrPUk7EEAgdwKvnp+Uf3x7VG5MLVa0/SuHBkWvinXnYLSTh3IHGXODCeKYO4DVI4AAArUKvPvxtPy/d0bl3LXZikWP7tlmjYIfuKOn1iKZP0YBgjhGfFaNAAII1CJweWzeOhP6jQ8qT8Tad1uXFcBf2NdfS3HMmxABgjghHUE1EEAAAT+Bydll+dG7o/KzU5UnYm3vbS8fBz5SkgJ8qRUgiFPbdVQcAQSyLrC2JvLj90atE7H06lj21N5akGePlKzjwANckCP1mwFBnPoupAEIIJBFgdcu3LQuSXntZuWJWE8eGLAC+O5SZxabncs2EcS57HYajQACSRU4/emM/OPbn8nZq5UnYn3url7rutAP3tmb1KpTr4gCBHFEOBZDAAEETAp8PLFgnQn9u4s3K4q9Z3unPHu4JF/az4lYJr2TVBZBnKTeoC4IIJA7gVvzK9aZ0D99b6yi7YPdbeXjwEeGpK2FU7GyvGEQxFnuXdqGAAKJFvjJe2PWbui5xc0TsVoKeiKWngk9JKWe9kTXn8qZESCIzThSCgIIIBBa4LcX9USsUfl0cqFimSfu67cCeO/2rtBlMWP6BYwE8fHjx7dIDA8PW485n7MfSz8bLUAAAQRqFzhzdcYK4DOfzlQsfGR3j3Uc+KE9nIhVu2r6lzASxG4GDV8NXfu3/bz7//Tz0QIEEEAgWODqzQXrmtC/vVB5ItZdQ0UrgL98cCC4EObIrIDxIHaGLUGc2e2m4Q17+dyknHhnVG7cWpQd2zrkuYe2y1O8WTXcnRWYFdBjvy++85n8+N3KE7H6utqsryLpbuhiW4vZlVJa6gQI4tR1WfYrrCH8/TeuVZzA0tXRIt88tpMwzn73Z6aFP12/NeHMwkpFm/RiHBrA+gGTCQEVMBrEQSNgdk2z0YUReP6HF6yRsHvq72qT//pX+7i3ahhE5mmagHvvjR7vPXd9Vj6ZqDwR6/G9fdY1offv4ESspnVOSlaUiiAeuXIrJZxUsx6BWwsr8uaVaXntw8o7y7jLvK2nXfYMFeXuwfLPtiI3Pa/HnWWjC7z9yYz8/NykLCxvfv3IXdo9Q0V5bM82OUQAR4dOwZKl/g4p9Ue7/7OxIPYa7QaNkFNgSxWbIKBnkP7izIS8eal6APtV5fa+Drl/V7cc2tkjh3Z1i96RhgmBRgt8ODov/+2ly6IX5PCa7hgoWt8H/uqhwUZXhfJTLtDQIFYbvr6U8i2kgdX/1fsT8vMz41t24Xmtsq21YB1T09vBzS56v/HZy2kQayBrMGtAa1AzIVCPwNT8sly8MS8XP5uzfj64MSczVbZD3e6+8/Qe6e7gRKx63POyrLEgzgsY7axP4NrUovzi9Lj8+uyELK2sbSls92BRHr+3TwoFkVdGbm45a/rG1KJ8ODYvl0b1Z04ujc37jkjswvVSgYd29cihnd1WQO8eiLb7qL6Ws3SaBD4a19Cdl4s3ysF7ZXy+purrh8YXvnFfTcswc34FCOL89n1TW/72lVvW7ud3P572XO9Dd/XKsb19cmxvv3S0hr+u7uj0khXKH66Hsv59c265atu2dbbK/Y5g3jPE7eSaujEkbGW6h8Ua6doj3huzMuWzu9lZdb0PcF9nm+h3hJ0fKjnDP2EdnILqEMQp6KS0VlHfnHTX86/OTHieBd1bbJXH9/XJ4/f2WyNVE9PE7LJ8+Fl5pKzH8C6NzcnETPVg7u5oXd+V3W3tyr6Xywua6IrElqGXlSzvYi6PePVDXJhJ74Kk28a91u/y3zrxnfcwesxTTYAgZvswLnB5bF5+cWZcfjMyKWtb9z5bb2D6VQ4dATf6xKrphRW5cGOuvCt7rPxbR9HVJr3AQvkYs+7K7uHrJsa3kOYVuLi8uj7aLQfv+Ruz1nkGQZNecGNvRfB2yWBPW9BiPI9AJAGCOBIbC3kJ/P6DKfn56XEZuV55Q3N73sfuLYfvsXv7YgPUr5mMXJt1HGee9xytOyvY2lJYPyu7HMwa0EzJFNDvn9vHdfUDmP6Eme4ubY5y7dGunqfAhEAzBAjiZihneB361Q0d/eruufGZrSNNPY72xX391gh4723Ju5DB6tqanL06a+3Gto8zX7u59WIi7i60R8v6W3dna1gzNVdgZXVt4yxmDd/zN+ZkLGBvh9awp9gq9+2wdzGXfw9xu8Hmdh5rqxAgiNkgIgnoqFdPvvrdxcqL2NuFaUCVT77qs05oSdN0/vpseXf2+nFm963qvNqiV0tynpnN9YPN97h+0CufVFUO3fPX50Q/SAVNdw4WZZ8VvJvHd/Wev0wIJEWAIE5KT6SkHr85N2l99UjfEL2mL+3vl2P39svnM3Q7Nz2urJcstI8zfzReeelCLwd90y9fZKT8lSk9IYypNoEP1r+zqx+KNHj1q2tBU2d7i+zf0S17b9s8sarEBV6C2Hg+ZgGCOOYOSMPq9eQm3f386vmbMuXx1SA94epP9g9Yo18dfWR9+nhiQc7qcWb9ytTovOjJaUGTfkXKPgFMvzqlX6Fi2hTQr5xVjnZnPb9n7jbb1d8h+2/XM903g5fDBGxZaRMgiNPWY02s73sfT8sv35+Qty57X+v7wd291teP9OQrHYnkdbo+tWgFc/mrMOWzs4P2mOpFRZxnZutFR/I06QUyNncxz8rVEMfl21sLVug6j+82+qz7PPUJbY1PgCCOzz6Ra9YA0e/+vjIy6TvS02vn6slXD9zRk8g2xF0pPZapwaxnZ9vHmfXEompTlq+XrbcB1NGutYv5uu5mnpX5Jf+bJNhOO/o6rK+OOY/vtnFSXNybN+tvgABB3ADUNBb5yeSCtfv5dxenxH3/VG2P7gJ88kB59zP3Ua2th/XM8rPXZjbOztYR8+Jy9WBO8/WydVtyjnZ1V37QpCdP7b+9ywpePbtej7Hfto2bdwS58Xw2BAjibPRj5Fb84dItefnchLzzkfelJz+/Z5t8Ua9+tbffuv4zU/0Cc0urcu7arJy9OiMX9Cpgo/OBI8SkXi9bv5dtf19XzzbXk6q8Psi51fQEKg1d5/Fd3fXMhEAeBYwGsdedlrj7UvI2Kw0CvfHCby/eFK/Rit7p6M/uH7J2P+vxOKbGCiyvlr/LrOGsXwvT48xBd5iK63rZejxcw/bCeuiGOVFN9XQ7ch7fZa9KY7cpSk+XgLEg5n7Eye94/TrIP5+dtALY60bmdw0V5amDg9bJV3ohDqb4BKwR87VyOOvZ2X73vLVr2IjrZesHBGu0ux66GsBeZ827lXTb0a8Q6a5m+/huLTfyiE+dNSMQj4CRIPYKYW2O+3G/+eJpen7W+tqFm/La+Uk59cmMZ6P10pNP3NcvD9+9LT8oKWupfojSYLbPzg66w5TX9bKDbk6gX1PTk6ku3CjvYtZ1hpn0eK7z+C73fw6jxjwIbAoYC2In6vDwsPUvQRzfpqYXtv/V2fKVr7wu2djV3iJPHy7vfuY2gPH1U9Q160VFrBPA1ndnB91hyrqSVEFk1XH2tob1Q3t6ra9a6fFdvXNV0NTX2Sr33d69cXxXb4zQ0Zbfr64FefE8AmEEjAWxHb7OACaIw3SB2Xnevzojr4zctAJYdy26Jx29fPXQgHXyld43lSkbAvphqzxiLp+dHXSHqbCt3lPqLIfu+q5mRrth5ZgPgfACqQjikSveF5QI38zsz/nWx9Ny6uqsXPb5qsiDu7rlc3f0yN5SZ/YxaKHcnF+xtoUrE/PW77GAezIrmV6U5c7+DrlroCh3DnTI7v6icGyXjQmBcAKl/g4p9Ue7smAqgjgcQ/7m0jNY9drPevKV1whIz6z92gND8oV9/bKzvyN/QLR4Q+Bvf3DecxvR8P3rL+y0Rr13DER7E4EZAQTqEzASxPbuaLsq7t3UXo/XV+18L/32lWkrfP3ufHTg9m750/vLV7/iurv53lbs1uuJWt9/45rMLW5e0UoPTXzz2E556uAASAggEKOAsSCOsQ25WPXSypp14Y3fXpyyTqzxmvTKV/qmqkHMhIBbIOisacQQQCAeAYI4HvfQa9WL4792vjz69TqrdbCnzdr9rF8/4ubmoVmZEQEEEEiMAEGcmK6orMibl25Z4fsvH0551lBvuKAB/Mg9fPc3oV1ItRBAAIFQAgRxKKbmzDS9sCKvjkxaN174YNT7Ygp67PcrhwblHs5+bk6nsBYEEECgwQIEcYOBwxSvlxHU0a+egOV1KUO9Lu/Thwflyf0D0lPkhvJhTJkHAQQQSIsAQRxjT/3+gykrfE9e9v6e9L+6s1e+dnhIHrqrN8ZasmoEEEAAgUYKEMSN1PUoe2x6af2rR1OiJ2K5J70SoR771V3QfK+zyZ3D6hBAAIEYBAjiJqHr5Qd197P+zDq+y2mvXkNXA/jLBweE+7I2qVNYDQIIIJAAAYK4gZ2gF9N/XcP3wk3548fTnmvSOx49/cCQHNnd08CaUDQCCCCAQFIFCOI6e8brIgn37+peP/lqSj6dXNiyho62ghW++rO9t73OGrA4AggggECaBQjiOnrP67KBbS0Fq0SvOx/pnWx09zOXFKwDnUURQACBjAkQxHV06PM/vCA3bi0GlnBsb58VwAd3cunJQCxmQAABBHImQBDX0eHf+u4Z36W7O1rla4cHrd3P/V1tdayFRRFAAAEEsixgJIiPHz++xci+A5PzOeddmbKA6jci7utsk3/41oEsNJE2IIAAAgg0WMBYEHuFrIaw+5aIWQpjbi3X4K2T4hFAAIEcCBDEdXYyt5arE5DFEUAAgZwLGAtip6Nzt3SWR8Q533ZoPgIIIICAAQEjQeyuh71LOuu7pg34UwQCCCCAQM4FCOKcbwA0HwEEEEAgXgEjQew38jU1Ih654n13onjpWDsCCCCAAAJlgVJ/h5T6i5E4jASxrtnva0pZ/vpSJHEWQgABBBBAwCFgLIhRRQABBBBAAIHaBQji2s1YAgEEEEAAAWMCBLExSgpCAAEEEECgdgGCuHYzlkAAAQQQQMCYAEFsjJKCEEAAAQQQqF2AIK7djCUQQAABBBAwJkAQG6OkIAQQQAABBGoXIIhrN2MJBBBAAAEEjAkQxMYoKQgBBBBAAIHaBQji2s1YAgEEEEAAAWMCBLExSgpCAAEEEECgdgGCuHYzlkAAAQQQQMCYAEFsjJKCEEAAAQQQqF3AaBDbd1oaHh7eqAl3X6q9U1gCAQQQQCA/Ag0NYlP3I85Pd9BSBBBAAIG8CRgLYjt0neFLEOdtc6K9CCCAAAK1ChDEtYoxPwIIIIAAAgYFjASx3yiYEbHBnqIoBBBAAIFMChgLYreOnrBFEGdym6FRCCCAAAIGBYwEsbM+jThGPHLllsEmUxQCCCCAAAJmBUr9HVLqL0YqtKFBrDXi60uR+oWFEEAAAQRyImA8iHPiRjMRQAABBBAwIkAQG2GkEAQQQAABBKIJEMTR3FgKAQQQQAABIwIEsRFGCkEAAQQQQCCaAEEczY2lEEAAAQQQMCJAEBthpBAEEEAAAQSiCRDE0dxYCgEEEEAAASMCBLERRgpBAAEEEEAgmgBBHM2NpRBAAAEEEDAiQBAbYaQQBBBAAAEEogkQxNHcWAoBBBBAAAEjAgSxEUYKQQABBBBAIJoAQRzNjaUQQAABBBAwIkAQG2GkEAQQQAABBKIJGAtiv9sdchvEaB3DUggggAAC+RAwEsQatsPDwxti9v9+j+eDllYigAACCCAQLGAkiN2rIYiD4ZkDAQQQQAABFTAWxF67oBkRs5EhgAACCCBQXcBYEDtXw4iYzQ4BBBBAAIFwAqkI4pErt8K1hrkQQAABBBCIQaDU3yGl/mKkNRsJYk7WimTPQggggAACCDT2GLH68vUltjIEEEAAAQT8BYyMiAFGAAEEEEAAgWgCBHE0N5ZCAAEEEEDAiABBbISRQhBAAAEEEIgmQBBHc2MpBBBAAAEEjAgQxEYYKQQBBBBAAIFoAgRxNDeWQgABBBBAwIgAQWyEkUIQQAABBBCIJkAQR3NjKQQQQAABBIwIEMRGGCkEAQQQQACBaAIEcTQ3lkIAAQQQQMCIAEFshJFCEEAAAQQQiCZAEEdzYykEEEAAAQSMCBDERhgpBAEEEEAAgWgCxoLY7y5L3H0pWsewFAIIIIBAPgSMBDH3I87HxkIrEUAAAQTMCxgJYne17GD2C2jzzaBEBBBAAAEE0ilAEKez36g1AggggEBGBIwHsXMUzIg4I1sJzUAAAQQQaJiA0SAOCl7382FbNXLlVthZmQ8BBBBAAIGmC5T6O6TUX4y0XmNB7BWyQcEcqcYshAACCCCAQIYEjASx8ytKts3w8LD1J19fytDWQlMQQAABBIwLGAli47WiQAQQQAABBHIiQBDnpKNpJgIIIIBAMgUI4mT2C7VCAAEEEMiJAEGck46mmQgggAACyRQgiJPZL9QKAQQQQCAnAgRxTjqaZiKAAAIIJFOAIE5mv1ArBBBAAIGcCBDEOelomokAAgggkEwBgjiZ/UKtEEAAAQRyIkAQ56SjaSYCCCCAQDIFCOJk9gu1QgABBBDIiQBBnJOOppkIIIAAAskUIIiT2S/UCgEEEEAgJwLGgti+y5J91yXbj7sv5WRLopkIIIAAApEEjASxfd/hoPsPe92zOFKtWQgBBBBAAIGMCBgJYufo1zkiDgrmLBhevHhRTp8+LdPT09Lb2yuHDx+Wffv2ZaFptAEBBBBAoAkCBHEdyBrCJ0+elKWlpY1S2tvb5ejRo4RxHa4sigACCORJgCCuo7dPnDhhjYTdU0tLi/T19YmGsv50dHQE/u2cr44qsSgCCCCAQMoEUhHEI1duJZL1D6/9qCH1am1rl9bWNvH73RbwvC7HhAACCCDQPIFSf4eU+ouRVpiKII7UsiYs5DcibsKqA1fhHomnbWTOsffALmYGBDIrkLfXv5Egdn5Fyd4y7JO2svz1Jb9jxHrC1q5du6xjx86fxcXFLY/ZzzufW1tbS8QLLK4w59h7IrqfSiAQi0AeX/9GgjiW3krISk1/ctMQ1nD2Cm2/IPd6PM1h/vrrr8vs7OyWHtaz0p977rmE9DzVQKAsYPo9IO+ufnsas/z6J4gzuNXbYe4V6O7QrjZKT0qY212kJ7319PRIW1tbxY+O3Gt9TE+oY0KgXoE0j95WV1fF/bOysrLlMa/59LGw84adzy7T60O49tODDz5o/WRxIoiz2KsG2uQM86BArzZ6N1CVhhShQWyHd5Qgdwa/c/mGVNZQoYzcDEE6ivEbvekHxmeeecYKtVqDyC/4nI+bKNO8RmNLZETcWF9Kz7BA0Ajc+bz998zMjMzNzUnSRuRhuqlauOtzUULfxOg9zSM33Q5qDaGgoAp6PkyAahnz8/NhNgvmqVOgtbVVHnnkkcxen4ERcZ0bCIs3RsA5etPRxcGDB2X37t2yvLy85UdH7O7Hgx7TN9q0TCZG737H3dX261//eqiRm6nwChrxudeTxg9kadi2dLty/2jgeT1ez7xRyrx8+bKcPXtW9EN5Hq5YSBCn4RVDHY0LaBjY4R0U2tXm0+ecyxuvKAWmUsDeM6IBFiWIgsLQRJmphM1opQnijHYszYpHoJbQDvtBIE2j90aoFwqFilFamBAKmifo+TABapeho7f333+f6803ovNzUiZBnJOOTlszF956UeZe+Z6sTnwiLYO7pevJb0vx4b9MWzOM1NfE6N3vuLu927uW4Kk2WgsKuKDnveqhQcyEQJYFCOIs925K26YhPPvSC7K2sHkd70KxV7qffT63YWyiKzlr2oQiZTRDIG8fxAniZmxVrKMmgcm//wtrJOyedGQ88J3GXN+7pgqmdOa8vbmltJtyX+08fhAniHO/2RsEWF2RtcVZWVucW/89K6J/L+hjlY/rPGI95njcmm9OVq6d865UW1FaOntFWtul0Npu/ZbWto2/y4+1VTxvP7Y5//qybZvLbZbnLitC+QY5TRaVxzc3k37VysrdB5yVJVlbWpC15QUR6/e89b8sL1T81sfLz68/vj5vxWPWc/OOshZk5bNLIqvLufogThDX+WpN64twbXlxPQg3Q9MOUFkPxHJIegRrxWN2oM5ZL6jcTxsfEgyEul2WgQ8NU9/7tqxOXs3Vm1sztsXYP+CsrlpBGBRum8/PbwTmZnhWBqHnvI7QlZi++tf1lf8o+pPFiSCuo1eb9SLcCEjHSNM56twcXdqhuvm7POqsfNwapWoQMyHQ0lLeo1BoFdHLfp6HyQkAAArtSURBVK7/LhRaRFpaRdZ/V/5fnq+g82/M43jMUZY1T1BZLa3iXp8uU152s15Vy3KsJ3xZdtnldlSub/0xz7pv1uvmf/+G92GU/p2y7d/9j42ADAw3HS1GGWWuLOVmG87yoamGB3GW777keyxzYJds+5t/sALQKwj9HrcC0is4V7bupknkq0/f1Du6HT9dIhv/d5UfL+rz5b/Lz60/bs9XLC+zdPY3Mv/GD2R14lPrrOnOJ/5aig8+K2v6xqO7xtZ/y8qy67HliufL823Os7HsssdjW8qqXNYuy7n+LeUnsmOoFALmBAptHSJtRSm0F0XaOq3f5b/Lvwttm39vPK+P2c+t/7bms/92LL947lWZf+V/Wu+F9pT1kzUbGsQawvbtEBXU/b+5TSOeksb/7mg8KzaxVt3t6QzCqgG5HpzWPO7wdISqvpjyPm18SHB/QIgQ6nZZBj40rM1Py9rijEhCbrGZ983EWPt1JG+HYntnOQQrwm09KCuC0PGYMzzdQWmHo7vMljZj1fcrKK2H/KLCEMRR5UTEb0RcR5Gei1qfNt0jS0cgik9AVizjmsc60YkpVwJb3tz+5N9L8fN/Lmt6zG9tRaxjf+u/19ZWRVZXRNZ/V/5fns9abmMex2OOssplB5SlJ/m55tFl3PWqWpZjPeHLsttcrl/l+tYf86y7w2tlUdbce6wKBSl09kpL14BrFFgOwI2Ro2NEuTma7KwM0o0R5tZAtcridZyJ1zBBXEc3eh0jFilIodgjLT2D5fAsuna9drh217oD0mN3rXXsjgkBBBIpkLfRWyI7IeWVIojr7EBehHUCsjgCCCCQcwGCOOcbAM1HAAEEEIhXIPFBPDY2JvrDhAACCCCAQFIFSqWS6E+UqaFBrBXK8teXooCzDAIIIIAAAk6Bhgcx3AgggAACCCDgL0AQs3UggAACCCAQowBBHCM+q0YAAQQQQIAgZhtAAAEEEEAgRgGCOEZ8Vo0AAggggABBzDaAAAIIIIBAjAIEcYz4rBoBBBBAAAGCmG0AAQQQQACBGAUIYsdFR5y3bIyxTzYugpKU+kS1sC/mkpR2ZOHiMphG3RqrL5c0V61tEutUi36S6u987dttSMr7ktYn90HsvEdyEu6XbNchCXWp5UXnnjeprnY90+iLaT1bpP+ySXN1bqP6d5ICI2wPJM006a93gvj4cd8N3W8E5QxLrxdKteW8Po15zZ/0DSfoBVmt/nG6ZiWIvT74+G1b+kbuNzoxsa2m2dQeefqFXVzbato/kCft9Z/0DzS5D2K/F6J7Q3J/wnN2bJhPf0Hlud8I0h7ESXXNYmgEbVuN3Fb9girog1rSnvd6vcXtan+ASuOIOGmvf/eu6aSZEsTr7wheLzr3m4XdebW8QP3e+IPCOwtB7PVidL8g/ELCvWy1EZ3zRRXkGjQCSlpAeNUnadtq2j/cVHuNxvEeEGYbTsN2mtTXfxLfAwhixxYd9gVQLYidL+paQiaLI2KvN7igXVZ+oYpr5VtvkrbVrASx14e/arusG7WtVvuwmpYAdtaTbTW413IfxH4bSb2BEfSiDto40z4iTqIrpuUzcb3Cpdr2GLYv0+obtn1+4VJthBXFtdp6gt/SkzFH0kzDDJ7ilMt9ENsvIufo1T36sv+vZdd0UHnVdqf67Q6Lc0OJsu5qu5Od5eEaXjdJps7Xjtf2Hr5V8c+ZNNcs7GVImqlzTwPHiON/zVEDBBBAAAEEEiPAiDgxXUFFEEAAAQTyKEAQ57HXaTMCCCCAQGIECOLEdAUVQQABBBDIowBBnMdep80IIIAAAokRIIgT0xVUBAEEEEAgjwIEcR57nTYjgAACCCRGgCBOTFdQEQQQQACBPAoQxHnsddqMAAIIIJAYAYI4MV1BRRBAAAEE8ihAEOex12kzAggggEBiBAjixHQFFUEAAQQQyKMAQZzHXqfNCCCAAAKJESCIE9MVVAQBBBBAII8CBHEee502I4AAAggkRoAgTkxXUBEEEEAAgTwKEMR57HXajAACCCCQGAGCODFdQUWCBI4fP27NMjw8LPq3/mZCoNkCed0O89ruZmxfBHEzlGNeh/0CskOskdVpZEDaZTvfEBrZlkaX7WfVSMMobUpafaK0weQySdgOna/pZryudR1JaLfJfkxSWQRxknqjAXVxv4nyptoA5IhFNjOIa+n3WuaN2HQWq1PA2Uf0V52YCVicIE5AJzir8PK5STnxzqjcuLUoO7Z1yHMPbZenDg5EqmWYF6jfaNn9uNenYa+RqV/w+83rbJh7V7NXHWqZPxJaiIUW3npR5l75nqxOfCItg7ul68lvS/Hhvwyx5NZZqn1QqrYnw29E5LWM17xhlndbB/WtPX8zDxlcvHhRTp8+LdPT09Lb2yuHDx+Wffv2ReoLe9Tn1W5n24JGo2H7zc+p2vLuOnodpqnlNV3L66medkfukJwsSBAnqKM1hL//xjWZW1zdqFVXR4t889jOSGEcFMRBIeB8o3AHqd8ncq8ytTF2WdXqVOun/GrzB7U9ardrCM++9IKsLUxvFFEo9kr3s89HCuNq4eb29zIMaxDkEaacatuL0zNoXVHt3ctpCJ88eVKWlpY2nmpvb5ejR49GCuOw27S7HmHs7AAN+pASxdjU+tPw+jO17SStHII4QT3y/A8vWCNh96Qj4xe+cV/NNXW/sNwjFvcn3GqBGTa0g95I/ILaq25eb1rVRnJ+wVUzXJUFJv/+L6yRsHvSkfHAd34UaVW2iV9/VbOJsoxdXhRLr7q6R2nO7SgSSMiFTpw4YY2E3ZOOjJ977rmQpWzOVksQR7ULsqn2mvT7sFNPEIdtRz3bTM0dkcMFCOIGd/r/ev2q/PL9iQavZbP4P7t/UP7tE7usB7xGJmE/9dYSqGHfCNx1ChvuzjeBMKNEv7ZX64SZf/ovsvAv/6cp/VR87N9Iz5//p411+QVxtdGT/QYa9sNH1P7067Na+rwW1DfffFPOnz9fyyJ1zbt//3559NFHK/rCHZam7Nxh5vdBM2jUXO11VMtrqpZ5vV5TjdoG6urQlC5MEDe447713TMNXsPW4v/3f3hgy5u8V5h5BXWY0Iv6RpDkIB7/u6NN7aeh/3yyYn1Bb/bOmf36rRH9GfQGHOb5WmDDhFAt5YWZ1/5QE9a1lgALW6bf686v/mFH77WEZdCHdBPtDtMfeZyHIG5wr8c5InZ/And/0rffRJ0Efsdyw74IgwLF63mv9bvr5qxXLfOH7d44R8ReYVatb/xswi4TZOncXel3MlC1E+u8trOw/ZCUEbGzDX57lmrdDt2u1ULWr2yvwK72mgraY+Ksk7vfvOpb6/xh+z3v8xHECdsCTJ41nbCmRapOtVFepAINLGTyrOko1Qn6sBOlzLQuY/KsaVy3bgVJfP2ldVutVm+COIu9mpE22Z++49hdmWTCaqOSJNc76XXDtbKHeP01b4sliJtnzZoQQAABBBDYIkAQs1EggAACCCAQowBBHCM+q0YAAQQQQIAgZhtAAAEEEEAgRgGCOEZ8Vo0AAggggABBzDaAAAIIIIBAjAIEcYz4rBoBBBBAAAGCmG0AAQQQQACBGAUI4hjxWTUCCCCAAAIEMdsAAggggAACMQoQxDHis2oEEEAAAQQIYrYBBBBAAAEEYhQgiGPEZ9UIIIAAAggQxGwDCCCAAAIIxChAEMeIz6oRQAABBBDYCOKRkZF/XltbewoSBBBAAAEEEGieQKFQePn/AzysEmJ3HkxXAAAAAElFTkSuQmCC"/>
-          <p:cNvSpPr>
-            <a:spLocks noChangeAspect="1" noChangeArrowheads="1"/>
-          </p:cNvSpPr>
+          <p:cNvPr id="7" name="Retângulo 6">
+            <a:extLst>
+              <a:ext uri="{FF2B5EF4-FFF2-40B4-BE49-F238E27FC236}">
+                <a16:creationId xmlns:a16="http://schemas.microsoft.com/office/drawing/2014/main" id="{F189BD6E-2543-4E50-995B-EA8408B57909}"/>
+              </a:ext>
+            </a:extLst>
+          </p:cNvPr>
+          <p:cNvSpPr/>
           <p:nvPr/>
         </p:nvSpPr>
-        <p:spPr bwMode="auto">
+        <p:spPr>
           <a:xfrm>
-            <a:off x="0" y="0"/>
-            <a:ext cx="304800" cy="304800"/>
+            <a:off x="758581" y="142411"/>
+            <a:ext cx="2117195" cy="572700"/>
           </a:xfrm>
           <a:prstGeom prst="rect">
             <a:avLst/>
           </a:prstGeom>
-          <a:noFill/>
-          <a:extLst>
-            <a:ext uri="{909E8E84-426E-40DD-AFC4-6F175D3DCCD1}">
-              <a14:hiddenFill xmlns:a14="http://schemas.microsoft.com/office/drawing/2010/main">
-                <a:solidFill>
-                  <a:srgbClr val="FFFFFF"/>
-                </a:solidFill>
-              </a14:hiddenFill>
-            </a:ext>
-          </a:extLst>
+          <a:solidFill>
+            <a:srgbClr val="385819"/>
+          </a:solidFill>
+          <a:ln>
+            <a:noFill/>
+          </a:ln>
         </p:spPr>
+        <p:style>
+          <a:lnRef idx="2">
+            <a:schemeClr val="accent1">
+              <a:shade val="50000"/>
+            </a:schemeClr>
+          </a:lnRef>
+          <a:fillRef idx="1">
+            <a:schemeClr val="accent1"/>
+          </a:fillRef>
+          <a:effectRef idx="0">
+            <a:schemeClr val="accent1"/>
+          </a:effectRef>
+          <a:fontRef idx="minor">
+            <a:schemeClr val="lt1"/>
+          </a:fontRef>
+        </p:style>
         <p:txBody>
-          <a:bodyPr vert="horz" wrap="square" lIns="91440" tIns="45720" rIns="91440" bIns="45720" numCol="1" anchor="t" anchorCtr="0" compatLnSpc="1">
-            <a:prstTxWarp prst="textNoShape">
-              <a:avLst/>
-            </a:prstTxWarp>
-          </a:bodyPr>
+          <a:bodyPr rtlCol="0" anchor="ctr"/>
           <a:lstStyle/>
           <a:p>
+            <a:pPr algn="ctr"/>
             <a:endParaRPr lang="pt-BR"/>
           </a:p>
         </p:txBody>
       </p:sp>
       <p:sp>
         <p:nvSpPr>
-          <p:cNvPr id="3" name="AutoShape 2" descr="data:image/png;base64,iVBORw0KGgoAAAANSUhEUgAAAeIAAAEiCAYAAAAlAdEXAAAgAElEQVR4Xu3daYwc553f8X/P1XNxrqYoUpQoiRQPiVQsUwdlyyvL3pUlA7vCIovAAO3FJnGAvF3rXd7si7xJkBfaV1kggB3kRTywESCr0GtbPlfWYVsri5IlkiKHpERSBw/NxeHcZ/Cvnpqprqnqqq5+uuv6FjCYme6qp57n81T3r5+q6qqCMCGAAAIIIIBAbAIFXfNHH320Njs7G1slWDECCCCAAAJ5FCgUCi9bQXzu3Lm1AwcO5NGANiOAAAIIIBCbwMjIiBDEsfGzYgQQQACBvAsQxHnfAmg/AggggECsAgRxrPysHAEEEEAg7wIEcd63ANqPAAIIIBCrAEEcKz8rRwABBBDIuwBBnPctgPYjgAACCMQqQBDHys/KEUAAAQTyLlBzEB8/ftwyGx4errCzH3c/5/d43uFpPwIIIIAAAipQUxBrqGoA279tQr//g+ajCxBAAAEEEMi7QE1BHBS87ucJ4rxvXrQfAQQQQCBIgCAOEuJ5BBBAAAEEGihAEDcQl6IRQAABBBAIEiCIg4R4HgEEEEAAgQYKJD6I5xZW5KPr3J6xgdsARSOAAAII1ClQ6u+QUn8xUik1BbHzq0j22uyvMfH1pUj+LIQAAgggkHOBmoI451Y0HwEEEEAAAeMCBLFxUgpEAAEEEEAgvABBHN6KORFAAAEEEDAuQBAbJ6VABBBAAAEEwgsQxOGtmBMBBBBAAAHjAgSxcVIKRAABBBBAILwAQRzeijkRQAABBBAwLkAQGyelQAQQQAABBMILEMThrZgTAQQQQAAB4wIEsXFSCkQAAQQQQCC8AEEc3oo5EUAAAQQQMC5AEBsnpUAEEEAAgXoEXj43KSfeGZUbtxZlx7YOee6h7fLUwYF6ikz0sgRxoruHyiGAAAL5EtAQ/v4b12RucXWj4V0dLfLNYzszG8bGgpi7L+XrxUJrEUAAgUYIPP/DC9ZI2D3pyPiFb9zXiFXGXqaRINYQtm+HqC2y//d7PPZWUwEEEEAAgUQKfOu7Zzzr9a+P3ib6k8WJIM5ir9ImBBBAIKUCf/uD8zI6vcSIuNb+Y0RcqxjzI4AAAgi4BX59dkL+78nPZHJ2ueKp9taC/M0Xd3GMOGiTcR4j1nl1VzW7poPUeB4BBBBA4K3Lt+SlU+Py/tWZLRiD3W3yVw/vyGwIa4ON7Jp2y3GMmBcWAggggECQwIUbc/LSqTH5/QdTFbMeuL1bnj0yJI/d2xdURCaeNx7EzlGwqRHxyJVbmcCmEQgggAACIpNzy/LG5Wl5w/XePtTdJsf2bJNH9/SmjqnU3yGl/mKkehsJYr+vLmmNqj0XqcYshAACCCCQSoHF5VV56fS4tRt6am7zOHBne4s1An7mcEm2dbamsm31VNpIENdTAZZFAAEEEMi+wG9GJuVnp8blyvh8RWO/cmhQnjk8JHcORhtNZkGOIM5CL9IGBBBAIKEC73w0LT87NSbvfVJ5ItbRPdusUfADd/QktObNqxZB3Dxr1oQAAgjkRuDD0XkrgF+7cLOizftu67IC+Av7+nNjEdRQgjhIiOcRQAABBEILjM8sWbugf/zeWMUy23vby8eBj5SkELq0fMxIEOejn2klAggg0FCBldU1+dnpcfnJe2MVF+TQi3E8e6RkHQce6G5raB3SWjhBnNaeo94IIIBAQgRev3BTfnpqTC6NVp6I9eSBASuA7y51JqSmyawGQZzMfqFWCCCAQOIFTn0yY12QQ0/Ick6fu6tXnj08JA/emb7vA8eBThDHoc46EUAAgRQLfDQ+b30XWL+S5Jzu2d4pzx4uyZf2cyJWLd1LENeixbwIIIBAjgX0Ihx6QY4f/XFU1tY2IfR60NZx4CND0tbCqVi1biIEca1izI8AAgjkUEBPxPqnd0dlYmbzilgtBT0RS8+EHpJST3sOVcw0mSA240gpCCCAQCYF9IYMeib0B5/NVbTvifv6rQDeu70rk+1uZqMI4mZqsy4EEEAgJQJ6S8KfnhqXk5crb7pzZHePdRz4oRTemCGp9ARxUnuGeiGAAAIxCHw6uWCdiPXrsxMVa79rqGgF8JcPDsRQq2yvkiDOdv/SOgQQQCCUwMzCinUi1ol3RkUvzmFPfV1t1leRdDd0sa0lVFnMVJuAsSD2u90ht0GsrUOYGwEEEGi2wC/fn7DOhB6bXqpYtV6MQwN4x7aOZlcpV+szEsQatsPDwxtw9v9+j+dKmMYigAACCRV489It60zoizcqT8R6fG+fdU3o/Ts4EasZXUcQN0OZdSCAAAIJEhi5PmudCf2HS5UnYt2/q8f6OtLDd29LUG2zXxUjQaxMXrugGRFnfwOihQggkB6B61OL1jWhf3mm8kSsOwaKVgB/9dBgehqToZoaCWJ2TWdoi6ApCCCQOYH5pVXrRKwX3/5Mllc2T8TqKbaun4hVku4OTsSKq+NTEcQjVyp3n8SFxXoRQACBtAm8/cmMvPrBlEzObV4RS9vwyF29cuzubVLi1oRGurTU3yGl/mKkslIRxJFaxkIIIIBAjgXevnJLTvxxVM5frzwR69F79ESsITm0szvHOslqupEg9jtGXO3xZDFQGwQQQCAbAnopyh+9OyZvfjhV0aADt3dbx4Efu7cvGw3NUCuMBXGGTGgKAgggkDoB/Q7wj98bk5+fHq+o++19HVYAP/3AUOralJcKE8R56WnaiQACmRTQk69+cmpMXnx7VBaXVzfa2NneUr4z0uGSbOtszWTbs9IogjgrPUk7EEAgdwKvnp+Uf3x7VG5MLVa0/SuHBkWvinXnYLSTh3IHGXODCeKYO4DVI4AAArUKvPvxtPy/d0bl3LXZikWP7tlmjYIfuKOn1iKZP0YBgjhGfFaNAAII1CJweWzeOhP6jQ8qT8Tad1uXFcBf2NdfS3HMmxABgjghHUE1EEAAAT+Bydll+dG7o/KzU5UnYm3vbS8fBz5SkgJ8qRUgiFPbdVQcAQSyLrC2JvLj90atE7H06lj21N5akGePlKzjwANckCP1mwFBnPoupAEIIJBFgdcu3LQuSXntZuWJWE8eGLAC+O5SZxabncs2EcS57HYajQACSRU4/emM/OPbn8nZq5UnYn3url7rutAP3tmb1KpTr4gCBHFEOBZDAAEETAp8PLFgnQn9u4s3K4q9Z3unPHu4JF/az4lYJr2TVBZBnKTeoC4IIJA7gVvzK9aZ0D99b6yi7YPdbeXjwEeGpK2FU7GyvGEQxFnuXdqGAAKJFvjJe2PWbui5xc0TsVoKeiKWngk9JKWe9kTXn8qZESCIzThSCgIIIBBa4LcX9USsUfl0cqFimSfu67cCeO/2rtBlMWP6BYwE8fHjx7dIDA8PW485n7MfSz8bLUAAAQRqFzhzdcYK4DOfzlQsfGR3j3Uc+KE9nIhVu2r6lzASxG4GDV8NXfu3/bz7//Tz0QIEEEAgWODqzQXrmtC/vVB5ItZdQ0UrgL98cCC4EObIrIDxIHaGLUGc2e2m4Q17+dyknHhnVG7cWpQd2zrkuYe2y1O8WTXcnRWYFdBjvy++85n8+N3KE7H6utqsryLpbuhiW4vZlVJa6gQI4tR1WfYrrCH8/TeuVZzA0tXRIt88tpMwzn73Z6aFP12/NeHMwkpFm/RiHBrA+gGTCQEVMBrEQSNgdk2z0YUReP6HF6yRsHvq72qT//pX+7i3ahhE5mmagHvvjR7vPXd9Vj6ZqDwR6/G9fdY1offv4ESspnVOSlaUiiAeuXIrJZxUsx6BWwsr8uaVaXntw8o7y7jLvK2nXfYMFeXuwfLPtiI3Pa/HnWWjC7z9yYz8/NykLCxvfv3IXdo9Q0V5bM82OUQAR4dOwZKl/g4p9Ue7/7OxIPYa7QaNkFNgSxWbIKBnkP7izIS8eal6APtV5fa+Drl/V7cc2tkjh3Z1i96RhgmBRgt8ODov/+2ly6IX5PCa7hgoWt8H/uqhwUZXhfJTLtDQIFYbvr6U8i2kgdX/1fsT8vMz41t24Xmtsq21YB1T09vBzS56v/HZy2kQayBrMGtAa1AzIVCPwNT8sly8MS8XP5uzfj64MSczVbZD3e6+8/Qe6e7gRKx63POyrLEgzgsY7axP4NrUovzi9Lj8+uyELK2sbSls92BRHr+3TwoFkVdGbm45a/rG1KJ8ODYvl0b1Z04ujc37jkjswvVSgYd29cihnd1WQO8eiLb7qL6Ws3SaBD4a19Cdl4s3ysF7ZXy+purrh8YXvnFfTcswc34FCOL89n1TW/72lVvW7ud3P572XO9Dd/XKsb19cmxvv3S0hr+u7uj0khXKH66Hsv59c265atu2dbbK/Y5g3jPE7eSaujEkbGW6h8Ua6doj3huzMuWzu9lZdb0PcF9nm+h3hJ0fKjnDP2EdnILqEMQp6KS0VlHfnHTX86/OTHieBd1bbJXH9/XJ4/f2WyNVE9PE7LJ8+Fl5pKzH8C6NzcnETPVg7u5oXd+V3W3tyr6Xywua6IrElqGXlSzvYi6PePVDXJhJ74Kk28a91u/y3zrxnfcwesxTTYAgZvswLnB5bF5+cWZcfjMyKWtb9z5bb2D6VQ4dATf6xKrphRW5cGOuvCt7rPxbR9HVJr3AQvkYs+7K7uHrJsa3kOYVuLi8uj7aLQfv+Ruz1nkGQZNecGNvRfB2yWBPW9BiPI9AJAGCOBIbC3kJ/P6DKfn56XEZuV55Q3N73sfuLYfvsXv7YgPUr5mMXJt1HGee9xytOyvY2lJYPyu7HMwa0EzJFNDvn9vHdfUDmP6Eme4ubY5y7dGunqfAhEAzBAjiZihneB361Q0d/eruufGZrSNNPY72xX391gh4723Ju5DB6tqanL06a+3Gto8zX7u59WIi7i60R8v6W3dna1gzNVdgZXVt4yxmDd/zN+ZkLGBvh9awp9gq9+2wdzGXfw9xu8Hmdh5rqxAgiNkgIgnoqFdPvvrdxcqL2NuFaUCVT77qs05oSdN0/vpseXf2+nFm963qvNqiV0tynpnN9YPN97h+0CufVFUO3fPX50Q/SAVNdw4WZZ8VvJvHd/Wev0wIJEWAIE5KT6SkHr85N2l99UjfEL2mL+3vl2P39svnM3Q7Nz2urJcstI8zfzReeelCLwd90y9fZKT8lSk9IYypNoEP1r+zqx+KNHj1q2tBU2d7i+zf0S17b9s8sarEBV6C2Hg+ZgGCOOYOSMPq9eQm3f386vmbMuXx1SA94epP9g9Yo18dfWR9+nhiQc7qcWb9ytTovOjJaUGTfkXKPgFMvzqlX6Fi2hTQr5xVjnZnPb9n7jbb1d8h+2/XM903g5fDBGxZaRMgiNPWY02s73sfT8sv35+Qty57X+v7wd291teP9OQrHYnkdbo+tWgFc/mrMOWzs4P2mOpFRZxnZutFR/I06QUyNncxz8rVEMfl21sLVug6j+82+qz7PPUJbY1PgCCOzz6Ra9YA0e/+vjIy6TvS02vn6slXD9zRk8g2xF0pPZapwaxnZ9vHmfXEompTlq+XrbcB1NGutYv5uu5mnpX5Jf+bJNhOO/o6rK+OOY/vtnFSXNybN+tvgABB3ADUNBb5yeSCtfv5dxenxH3/VG2P7gJ88kB59zP3Ua2th/XM8rPXZjbOztYR8+Jy9WBO8/WydVtyjnZ1V37QpCdP7b+9ywpePbtej7Hfto2bdwS58Xw2BAjibPRj5Fb84dItefnchLzzkfelJz+/Z5t8Ua9+tbffuv4zU/0Cc0urcu7arJy9OiMX9Cpgo/OBI8SkXi9bv5dtf19XzzbXk6q8Psi51fQEKg1d5/Fd3fXMhEAeBYwGsdedlrj7UvI2Kw0CvfHCby/eFK/Rit7p6M/uH7J2P+vxOKbGCiyvlr/LrOGsXwvT48xBd5iK63rZejxcw/bCeuiGOVFN9XQ7ch7fZa9KY7cpSk+XgLEg5n7Eye94/TrIP5+dtALY60bmdw0V5amDg9bJV3ohDqb4BKwR87VyOOvZ2X73vLVr2IjrZesHBGu0ux66GsBeZ827lXTb0a8Q6a5m+/huLTfyiE+dNSMQj4CRIPYKYW2O+3G/+eJpen7W+tqFm/La+Uk59cmMZ6P10pNP3NcvD9+9LT8oKWupfojSYLbPzg66w5TX9bKDbk6gX1PTk6ku3CjvYtZ1hpn0eK7z+C73fw6jxjwIbAoYC2In6vDwsPUvQRzfpqYXtv/V2fKVr7wu2djV3iJPHy7vfuY2gPH1U9Q160VFrBPA1ndnB91hyrqSVEFk1XH2tob1Q3t6ra9a6fFdvXNV0NTX2Sr33d69cXxXb4zQ0Zbfr64FefE8AmEEjAWxHb7OACaIw3SB2Xnevzojr4zctAJYdy26Jx29fPXQgHXyld43lSkbAvphqzxiLp+dHXSHqbCt3lPqLIfu+q5mRrth5ZgPgfACqQjikSveF5QI38zsz/nWx9Ny6uqsXPb5qsiDu7rlc3f0yN5SZ/YxaKHcnF+xtoUrE/PW77GAezIrmV6U5c7+DrlroCh3DnTI7v6icGyXjQmBcAKl/g4p9Ue7smAqgjgcQ/7m0jNY9drPevKV1whIz6z92gND8oV9/bKzvyN/QLR4Q+Bvf3DecxvR8P3rL+y0Rr13DER7E4EZAQTqEzASxPbuaLsq7t3UXo/XV+18L/32lWkrfP3ufHTg9m750/vLV7/iurv53lbs1uuJWt9/45rMLW5e0UoPTXzz2E556uAASAggEKOAsSCOsQ25WPXSypp14Y3fXpyyTqzxmvTKV/qmqkHMhIBbIOisacQQQCAeAYI4HvfQa9WL4792vjz69TqrdbCnzdr9rF8/4ubmoVmZEQEEEEiMAEGcmK6orMibl25Z4fsvH0551lBvuKAB/Mg9fPc3oV1ItRBAAIFQAgRxKKbmzDS9sCKvjkxaN174YNT7Ygp67PcrhwblHs5+bk6nsBYEEECgwQIEcYOBwxSvlxHU0a+egOV1KUO9Lu/Thwflyf0D0lPkhvJhTJkHAQQQSIsAQRxjT/3+gykrfE9e9v6e9L+6s1e+dnhIHrqrN8ZasmoEEEAAgUYKEMSN1PUoe2x6af2rR1OiJ2K5J70SoR771V3QfK+zyZ3D6hBAAIEYBAjiJqHr5Qd197P+zDq+y2mvXkNXA/jLBweE+7I2qVNYDQIIIJAAAYK4gZ2gF9N/XcP3wk3548fTnmvSOx49/cCQHNnd08CaUDQCCCCAQFIFCOI6e8brIgn37+peP/lqSj6dXNiyho62ghW++rO9t73OGrA4AggggECaBQjiOnrP67KBbS0Fq0SvOx/pnWx09zOXFKwDnUURQACBjAkQxHV06PM/vCA3bi0GlnBsb58VwAd3cunJQCxmQAABBHImQBDX0eHf+u4Z36W7O1rla4cHrd3P/V1tdayFRRFAAAEEsixgJIiPHz++xci+A5PzOeddmbKA6jci7utsk3/41oEsNJE2IIAAAgg0WMBYEHuFrIaw+5aIWQpjbi3X4K2T4hFAAIEcCBDEdXYyt5arE5DFEUAAgZwLGAtip6Nzt3SWR8Q533ZoPgIIIICAAQEjQeyuh71LOuu7pg34UwQCCCCAQM4FCOKcbwA0HwEEEEAgXgEjQew38jU1Ih654n13onjpWDsCCCCAAAJlgVJ/h5T6i5E4jASxrtnva0pZ/vpSJHEWQgABBBBAwCFgLIhRRQABBBBAAIHaBQji2s1YAgEEEEAAAWMCBLExSgpCAAEEEECgdgGCuHYzlkAAAQQQQMCYAEFsjJKCEEAAAQQQqF2AIK7djCUQQAABBBAwJkAQG6OkIAQQQAABBGoXIIhrN2MJBBBAAAEEjAkQxMYoKQgBBBBAAIHaBQji2s1YAgEEEEAAAWMCBLExSgpCAAEEEECgdgGCuHYzlkAAAQQQQMCYAEFsjJKCEEAAAQQQqF3AaBDbd1oaHh7eqAl3X6q9U1gCAQQQQCA/Ag0NYlP3I85Pd9BSBBBAAIG8CRgLYjt0neFLEOdtc6K9CCCAAAK1ChDEtYoxPwIIIIAAAgYFjASx3yiYEbHBnqIoBBBAAIFMChgLYreOnrBFEGdym6FRCCCAAAIGBYwEsbM+jThGPHLllsEmUxQCCCCAAAJmBUr9HVLqL0YqtKFBrDXi60uR+oWFEEAAAQRyImA8iHPiRjMRQAABBBAwIkAQG2GkEAQQQAABBKIJEMTR3FgKAQQQQAABIwIEsRFGCkEAAQQQQCCaAEEczY2lEEAAAQQQMCJAEBthpBAEEEAAAQSiCRDE0dxYCgEEEEAAASMCBLERRgpBAAEEEEAgmgBBHM2NpRBAAAEEEDAiQBAbYaQQBBBAAAEEogkQxNHcWAoBBBBAAAEjAgSxEUYKQQABBBBAIJoAQRzNjaUQQAABBBAwIkAQG2GkEAQQQAABBKIJGAtiv9sdchvEaB3DUggggAAC+RAwEsQatsPDwxti9v9+j+eDllYigAACCCAQLGAkiN2rIYiD4ZkDAQQQQAABFTAWxF67oBkRs5EhgAACCCBQXcBYEDtXw4iYzQ4BBBBAAIFwAqkI4pErt8K1hrkQQAABBBCIQaDU3yGl/mKkNRsJYk7WimTPQggggAACCDT2GLH68vUltjIEEEAAAQT8BYyMiAFGAAEEEEAAgWgCBHE0N5ZCAAEEEEDAiABBbISRQhBAAAEEEIgmQBBHc2MpBBBAAAEEjAgQxEYYKQQBBBBAAIFoAgRxNDeWQgABBBBAwIgAQWyEkUIQQAABBBCIJkAQR3NjKQQQQAABBIwIEMRGGCkEAQQQQACBaAIEcTQ3lkIAAQQQQMCIAEFshJFCEEAAAQQQiCZAEEdzYykEEEAAAQSMCBDERhgpBAEEEEAAgWgCxoLY7y5L3H0pWsewFAIIIIBAPgSMBDH3I87HxkIrEUAAAQTMCxgJYne17GD2C2jzzaBEBBBAAAEE0ilAEKez36g1AggggEBGBIwHsXMUzIg4I1sJzUAAAQQQaJiA0SAOCl7382FbNXLlVthZmQ8BBBBAAIGmC5T6O6TUX4y0XmNB7BWyQcEcqcYshAACCCCAQIYEjASx8ytKts3w8LD1J19fytDWQlMQQAABBIwLGAli47WiQAQQQAABBHIiQBDnpKNpJgIIIIBAMgUI4mT2C7VCAAEEEMiJAEGck46mmQgggAACyRQgiJPZL9QKAQQQQCAnAgRxTjqaZiKAAAIIJFOAIE5mv1ArBBBAAIGcCBDEOelomokAAgggkEwBgjiZ/UKtEEAAAQRyIkAQ56SjaSYCCCCAQDIFCOJk9gu1QgABBBDIiQBBnJOOppkIIIAAAskUIIiT2S/UCgEEEEAgJwLGgti+y5J91yXbj7sv5WRLopkIIIAAApEEjASxfd/hoPsPe92zOFKtWQgBBBBAAIGMCBgJYufo1zkiDgrmLBhevHhRTp8+LdPT09Lb2yuHDx+Wffv2ZaFptAEBBBBAoAkCBHEdyBrCJ0+elKWlpY1S2tvb5ejRo4RxHa4sigACCORJgCCuo7dPnDhhjYTdU0tLi/T19YmGsv50dHQE/u2cr44qsSgCCCCAQMoEUhHEI1duJZL1D6/9qCH1am1rl9bWNvH73RbwvC7HhAACCCDQPIFSf4eU+ouRVpiKII7UsiYs5DcibsKqA1fhHomnbWTOsffALmYGBDIrkLfXv5Egdn5Fyd4y7JO2svz1Jb9jxHrC1q5du6xjx86fxcXFLY/ZzzufW1tbS8QLLK4w59h7IrqfSiAQi0AeX/9GgjiW3krISk1/ctMQ1nD2Cm2/IPd6PM1h/vrrr8vs7OyWHtaz0p977rmE9DzVQKAsYPo9IO+ufnsas/z6J4gzuNXbYe4V6O7QrjZKT0qY212kJ7319PRIW1tbxY+O3Gt9TE+oY0KgXoE0j95WV1fF/bOysrLlMa/59LGw84adzy7T60O49tODDz5o/WRxIoiz2KsG2uQM86BArzZ6N1CVhhShQWyHd5Qgdwa/c/mGVNZQoYzcDEE6ivEbvekHxmeeecYKtVqDyC/4nI+bKNO8RmNLZETcWF9Kz7BA0Ajc+bz998zMjMzNzUnSRuRhuqlauOtzUULfxOg9zSM33Q5qDaGgoAp6PkyAahnz8/NhNgvmqVOgtbVVHnnkkcxen4ERcZ0bCIs3RsA5etPRxcGDB2X37t2yvLy85UdH7O7Hgx7TN9q0TCZG737H3dX261//eqiRm6nwChrxudeTxg9kadi2dLty/2jgeT1ez7xRyrx8+bKcPXtW9EN5Hq5YSBCn4RVDHY0LaBjY4R0U2tXm0+ecyxuvKAWmUsDeM6IBFiWIgsLQRJmphM1opQnijHYszYpHoJbQDvtBIE2j90aoFwqFilFamBAKmifo+TABapeho7f333+f6803ovNzUiZBnJOOTlszF956UeZe+Z6sTnwiLYO7pevJb0vx4b9MWzOM1NfE6N3vuLu927uW4Kk2WgsKuKDnveqhQcyEQJYFCOIs925K26YhPPvSC7K2sHkd70KxV7qffT63YWyiKzlr2oQiZTRDIG8fxAniZmxVrKMmgcm//wtrJOyedGQ88J3GXN+7pgqmdOa8vbmltJtyX+08fhAniHO/2RsEWF2RtcVZWVucW/89K6J/L+hjlY/rPGI95njcmm9OVq6d865UW1FaOntFWtul0Npu/ZbWto2/y4+1VTxvP7Y5//qybZvLbZbnLitC+QY5TRaVxzc3k37VysrdB5yVJVlbWpC15QUR6/e89b8sL1T81sfLz68/vj5vxWPWc/OOshZk5bNLIqvLufogThDX+WpN64twbXlxPQg3Q9MOUFkPxHJIegRrxWN2oM5ZL6jcTxsfEgyEul2WgQ8NU9/7tqxOXs3Vm1sztsXYP+CsrlpBGBRum8/PbwTmZnhWBqHnvI7QlZi++tf1lf8o+pPFiSCuo1eb9SLcCEjHSNM56twcXdqhuvm7POqsfNwapWoQMyHQ0lLeo1BoFdHLfp6HyQkAAArtSURBVK7/LhRaRFpaRdZ/V/5fnq+g82/M43jMUZY1T1BZLa3iXp8uU152s15Vy3KsJ3xZdtnldlSub/0xz7pv1uvmf/+G92GU/p2y7d/9j42ADAw3HS1GGWWuLOVmG87yoamGB3GW777keyxzYJds+5t/sALQKwj9HrcC0is4V7bupknkq0/f1Du6HT9dIhv/d5UfL+rz5b/Lz60/bs9XLC+zdPY3Mv/GD2R14lPrrOnOJ/5aig8+K2v6xqO7xtZ/y8qy67HliufL823Os7HsssdjW8qqXNYuy7n+LeUnsmOoFALmBAptHSJtRSm0F0XaOq3f5b/Lvwttm39vPK+P2c+t/7bms/92LL947lWZf+V/Wu+F9pT1kzUbGsQawvbtEBXU/b+5TSOeksb/7mg8KzaxVt3t6QzCqgG5HpzWPO7wdISqvpjyPm18SHB/QIgQ6nZZBj40rM1Py9rijEhCbrGZ983EWPt1JG+HYntnOQQrwm09KCuC0PGYMzzdQWmHo7vMljZj1fcrKK2H/KLCEMRR5UTEb0RcR5Gei1qfNt0jS0cgik9AVizjmsc60YkpVwJb3tz+5N9L8fN/Lmt6zG9tRaxjf+u/19ZWRVZXRNZ/V/5fns9abmMex2OOssplB5SlJ/m55tFl3PWqWpZjPeHLsttcrl/l+tYf86y7w2tlUdbce6wKBSl09kpL14BrFFgOwI2Ro2NEuTma7KwM0o0R5tZAtcridZyJ1zBBXEc3eh0jFilIodgjLT2D5fAsuna9drh217oD0mN3rXXsjgkBBBIpkLfRWyI7IeWVIojr7EBehHUCsjgCCCCQcwGCOOcbAM1HAAEEEIhXIPFBPDY2JvrDhAACCCCAQFIFSqWS6E+UqaFBrBXK8teXooCzDAIIIIAAAk6Bhgcx3AgggAACCCDgL0AQs3UggAACCCAQowBBHCM+q0YAAQQQQIAgZhtAAAEEEEAgRgGCOEZ8Vo0AAggggABBzDaAAAIIIIBAjAIEcYz4rBoBBBBAAAGCmG0AAQQQQACBGAUIYsdFR5y3bIyxTzYugpKU+kS1sC/mkpR2ZOHiMphG3RqrL5c0V61tEutUi36S6u987dttSMr7ktYn90HsvEdyEu6XbNchCXWp5UXnnjeprnY90+iLaT1bpP+ySXN1bqP6d5ICI2wPJM006a93gvj4cd8N3W8E5QxLrxdKteW8Po15zZ/0DSfoBVmt/nG6ZiWIvT74+G1b+kbuNzoxsa2m2dQeefqFXVzbato/kCft9Z/0DzS5D2K/F6J7Q3J/wnN2bJhPf0Hlud8I0h7ESXXNYmgEbVuN3Fb9girog1rSnvd6vcXtan+ASuOIOGmvf/eu6aSZEsTr7wheLzr3m4XdebW8QP3e+IPCOwtB7PVidL8g/ELCvWy1EZ3zRRXkGjQCSlpAeNUnadtq2j/cVHuNxvEeEGYbTsN2mtTXfxLfAwhixxYd9gVQLYidL+paQiaLI2KvN7igXVZ+oYpr5VtvkrbVrASx14e/arusG7WtVvuwmpYAdtaTbTW413IfxH4bSb2BEfSiDto40z4iTqIrpuUzcb3Cpdr2GLYv0+obtn1+4VJthBXFtdp6gt/SkzFH0kzDDJ7ilMt9ENsvIufo1T36sv+vZdd0UHnVdqf67Q6Lc0OJsu5qu5Od5eEaXjdJps7Xjtf2Hr5V8c+ZNNcs7GVImqlzTwPHiON/zVEDBBBAAAEEEiPAiDgxXUFFEEAAAQTyKEAQ57HXaTMCCCCAQGIECOLEdAUVQQABBBDIowBBnMdep80IIIAAAokRIIgT0xVUBAEEEEAgjwIEcR57nTYjgAACCCRGgCBOTFdQEQQQQACBPAoQxHnsddqMAAIIIJAYAYI4MV1BRRBAAAEE8ihAEOex12kzAggggEBiBAjixHQFFUEAAQQQyKMAQZzHXqfNCCCAAAKJESCIE9MVVAQBBBBAII8CBHEee502I4AAAggkRoAgTkxXUBEEEEAAgTwKEMR57HXajAACCCCQGAGCODFdQUWCBI4fP27NMjw8LPq3/mZCoNkCed0O89ruZmxfBHEzlGNeh/0CskOskdVpZEDaZTvfEBrZlkaX7WfVSMMobUpafaK0weQySdgOna/pZryudR1JaLfJfkxSWQRxknqjAXVxv4nyptoA5IhFNjOIa+n3WuaN2HQWq1PA2Uf0V52YCVicIE5AJzir8PK5STnxzqjcuLUoO7Z1yHMPbZenDg5EqmWYF6jfaNn9uNenYa+RqV/w+83rbJh7V7NXHWqZPxJaiIUW3npR5l75nqxOfCItg7ul68lvS/Hhvwyx5NZZqn1QqrYnw29E5LWM17xhlndbB/WtPX8zDxlcvHhRTp8+LdPT09Lb2yuHDx+Wffv2ReoLe9Tn1W5n24JGo2H7zc+p2vLuOnodpqnlNV3L66medkfukJwsSBAnqKM1hL//xjWZW1zdqFVXR4t889jOSGEcFMRBIeB8o3AHqd8ncq8ytTF2WdXqVOun/GrzB7U9ardrCM++9IKsLUxvFFEo9kr3s89HCuNq4eb29zIMaxDkEaacatuL0zNoXVHt3ctpCJ88eVKWlpY2nmpvb5ejR49GCuOw27S7HmHs7AAN+pASxdjU+tPw+jO17SStHII4QT3y/A8vWCNh96Qj4xe+cV/NNXW/sNwjFvcn3GqBGTa0g95I/ILaq25eb1rVRnJ+wVUzXJUFJv/+L6yRsHvSkfHAd34UaVW2iV9/VbOJsoxdXhRLr7q6R2nO7SgSSMiFTpw4YY2E3ZOOjJ977rmQpWzOVksQR7ULsqn2mvT7sFNPEIdtRz3bTM0dkcMFCOIGd/r/ev2q/PL9iQavZbP4P7t/UP7tE7usB7xGJmE/9dYSqGHfCNx1ChvuzjeBMKNEv7ZX64SZf/ovsvAv/6cp/VR87N9Iz5//p411+QVxtdGT/QYa9sNH1P7067Na+rwW1DfffFPOnz9fyyJ1zbt//3559NFHK/rCHZam7Nxh5vdBM2jUXO11VMtrqpZ5vV5TjdoG6urQlC5MEDe447713TMNXsPW4v/3f3hgy5u8V5h5BXWY0Iv6RpDkIB7/u6NN7aeh/3yyYn1Bb/bOmf36rRH9GfQGHOb5WmDDhFAt5YWZ1/5QE9a1lgALW6bf686v/mFH77WEZdCHdBPtDtMfeZyHIG5wr8c5InZ/And/0rffRJ0Efsdyw74IgwLF63mv9bvr5qxXLfOH7d44R8ReYVatb/xswi4TZOncXel3MlC1E+u8trOw/ZCUEbGzDX57lmrdDt2u1ULWr2yvwK72mgraY+Ksk7vfvOpb6/xh+z3v8xHECdsCTJ41nbCmRapOtVFepAINLGTyrOko1Qn6sBOlzLQuY/KsaVy3bgVJfP2ldVutVm+COIu9mpE22Z++49hdmWTCaqOSJNc76XXDtbKHeP01b4sliJtnzZoQQAABBBDYIkAQs1EggAACCCAQowBBHCM+q0YAAQQQQIAgZhtAAAEEEEAgRgGCOEZ8Vo0AAggggABBzDaAAAIIIIBAjAIEcYz4rBoBBBBAAAGCmG0AAQQQQACBGAUI4hjxWTUCCCCAAAIEMdsAAggggAACMQoQxDHis2oEEEAAAQQIYrYBBBBAAAEEYhQgiGPEZ9UIIIAAAggQxGwDCCCAAAIIxChAEMeIz6oRQAABBBDYCOKRkZF/XltbewoSBBBAAAEEEGieQKFQePn/AzysEmJ3HkxXAAAAAElFTkSuQmCC"/>
-          <p:cNvSpPr>
-            <a:spLocks noChangeAspect="1" noChangeArrowheads="1"/>
-          </p:cNvSpPr>
+          <p:cNvPr id="8" name="CaixaDeTexto 7">
+            <a:extLst>
+              <a:ext uri="{FF2B5EF4-FFF2-40B4-BE49-F238E27FC236}">
+                <a16:creationId xmlns:a16="http://schemas.microsoft.com/office/drawing/2014/main" id="{F2973D04-B16D-4607-96D1-534BA3A2A2F0}"/>
+              </a:ext>
+            </a:extLst>
+          </p:cNvPr>
+          <p:cNvSpPr txBox="1"/>
           <p:nvPr/>
         </p:nvSpPr>
-        <p:spPr bwMode="auto">
+        <p:spPr>
           <a:xfrm>
-            <a:off x="152400" y="152400"/>
-            <a:ext cx="304800" cy="304800"/>
+            <a:off x="894134" y="197928"/>
+            <a:ext cx="2343385" cy="461665"/>
           </a:xfrm>
           <a:prstGeom prst="rect">
             <a:avLst/>
           </a:prstGeom>
           <a:noFill/>
-          <a:extLst>
-            <a:ext uri="{909E8E84-426E-40DD-AFC4-6F175D3DCCD1}">
-              <a14:hiddenFill xmlns:a14="http://schemas.microsoft.com/office/drawing/2010/main">
-                <a:solidFill>
-                  <a:srgbClr val="FFFFFF"/>
-                </a:solidFill>
-              </a14:hiddenFill>
-            </a:ext>
-          </a:extLst>
         </p:spPr>
         <p:txBody>
-          <a:bodyPr vert="horz" wrap="square" lIns="91440" tIns="45720" rIns="91440" bIns="45720" numCol="1" anchor="t" anchorCtr="0" compatLnSpc="1">
-            <a:prstTxWarp prst="textNoShape">
-              <a:avLst/>
-            </a:prstTxWarp>
+          <a:bodyPr wrap="square" rtlCol="0">
+            <a:spAutoFit/>
           </a:bodyPr>
           <a:lstStyle/>
           <a:p>
-            <a:endParaRPr lang="pt-BR"/>
+            <a:r>
+              <a:rPr lang="pt-BR" sz="2400" b="1" dirty="0">
+                <a:solidFill>
+                  <a:schemeClr val="bg1"/>
+                </a:solidFill>
+                <a:latin typeface="Playfair Display"/>
+              </a:rPr>
+              <a:t>ANALYTICS</a:t>
+            </a:r>
           </a:p>
         </p:txBody>
       </p:sp>
-      <p:graphicFrame>
-        <p:nvGraphicFramePr>
-          <p:cNvPr id="29" name="Gráfico 28"/>
-          <p:cNvGraphicFramePr>
-            <a:graphicFrameLocks/>
-          </p:cNvGraphicFramePr>
-          <p:nvPr/>
-        </p:nvGraphicFramePr>
-        <p:xfrm>
-          <a:off x="1940642" y="1072330"/>
-          <a:ext cx="5262716" cy="3332522"/>
-        </p:xfrm>
-        <a:graphic>
-          <a:graphicData uri="http://schemas.openxmlformats.org/drawingml/2006/chart">
-            <c:chart xmlns:c="http://schemas.openxmlformats.org/drawingml/2006/chart" xmlns:r="http://schemas.openxmlformats.org/officeDocument/2006/relationships" r:id="rId3"/>
-          </a:graphicData>
-        </a:graphic>
-      </p:graphicFrame>
     </p:spTree>
     <p:extLst>
       <p:ext uri="{BB962C8B-B14F-4D97-AF65-F5344CB8AC3E}">
-        <p14:creationId xmlns:p14="http://schemas.microsoft.com/office/powerpoint/2010/main" val="3145620549"/>
+        <p14:creationId xmlns:p14="http://schemas.microsoft.com/office/powerpoint/2010/main" val="275403506"/>
       </p:ext>
     </p:extLst>
   </p:cSld>
   <p:clrMapOvr>
     <a:masterClrMapping/>
   </p:clrMapOvr>
-  <p:timing>
-    <p:tnLst>
-      <p:par>
-        <p:cTn id="1" dur="indefinite" restart="never" nodeType="tmRoot">
-          <p:childTnLst>
-            <p:seq concurrent="1" nextAc="seek">
-              <p:cTn id="2" dur="indefinite" nodeType="mainSeq">
-                <p:childTnLst>
-                  <p:par>
-                    <p:cTn id="3" fill="hold">
-                      <p:stCondLst>
-                        <p:cond delay="indefinite"/>
-                        <p:cond evt="onBegin" delay="0">
-                          <p:tn val="2"/>
-                        </p:cond>
-                      </p:stCondLst>
-                      <p:childTnLst>
-                        <p:par>
-                          <p:cTn id="4" fill="hold">
-                            <p:stCondLst>
-                              <p:cond delay="0"/>
-                            </p:stCondLst>
-                            <p:childTnLst>
-                              <p:par>
-                                <p:cTn id="5" presetID="10" presetClass="entr" presetSubtype="0" fill="hold" grpId="0" nodeType="afterEffect">
-                                  <p:stCondLst>
-                                    <p:cond delay="250"/>
-                                  </p:stCondLst>
-                                  <p:childTnLst>
-                                    <p:set>
-                                      <p:cBhvr>
-                                        <p:cTn id="6" dur="1" fill="hold">
-                                          <p:stCondLst>
-                                            <p:cond delay="0"/>
-                                          </p:stCondLst>
-                                        </p:cTn>
-                                        <p:tgtEl>
-                                          <p:spTgt spid="521"/>
-                                        </p:tgtEl>
-                                        <p:attrNameLst>
-                                          <p:attrName>style.visibility</p:attrName>
-                                        </p:attrNameLst>
-                                      </p:cBhvr>
-                                      <p:to>
-                                        <p:strVal val="visible"/>
-                                      </p:to>
-                                    </p:set>
-                                    <p:animEffect transition="in" filter="fade">
-                                      <p:cBhvr>
-                                        <p:cTn id="7" dur="500"/>
-                                        <p:tgtEl>
-                                          <p:spTgt spid="521"/>
-                                        </p:tgtEl>
-                                      </p:cBhvr>
-                                    </p:animEffect>
-                                  </p:childTnLst>
-                                </p:cTn>
-                              </p:par>
-                            </p:childTnLst>
-                          </p:cTn>
-                        </p:par>
-                      </p:childTnLst>
-                    </p:cTn>
-                  </p:par>
-                </p:childTnLst>
-              </p:cTn>
-              <p:prevCondLst>
-                <p:cond evt="onPrev" delay="0">
-                  <p:tgtEl>
-                    <p:sldTgt/>
-                  </p:tgtEl>
-                </p:cond>
-              </p:prevCondLst>
-              <p:nextCondLst>
-                <p:cond evt="onNext" delay="0">
-                  <p:tgtEl>
-                    <p:sldTgt/>
-                  </p:tgtEl>
-                </p:cond>
-              </p:nextCondLst>
-            </p:seq>
-          </p:childTnLst>
-        </p:cTn>
-      </p:par>
-    </p:tnLst>
-    <p:bldLst>
-      <p:bldP spid="521" grpId="0"/>
-    </p:bldLst>
-  </p:timing>
 </p:sld>
 </file>
 
@@ -13939,17 +13898,56 @@
           </a:p>
         </p:txBody>
       </p:sp>
+      <p:sp>
+        <p:nvSpPr>
+          <p:cNvPr id="3" name="AutoShape 2" descr="data:image/png;base64,iVBORw0KGgoAAAANSUhEUgAAAeIAAAEiCAYAAAAlAdEXAAAgAElEQVR4Xu3daYwc553f8X/P1XNxrqYoUpQoiRQPiVQsUwdlyyvL3pUlA7vCIovAAO3FJnGAvF3rXd7si7xJkBfaV1kggB3kRTywESCr0GtbPlfWYVsri5IlkiKHpERSBw/NxeHcZ/Cvnpqprqnqqq5+uuv6FjCYme6qp57n81T3r5+q6qqCMCGAAAIIIIBAbAIFXfNHH320Njs7G1slWDECCCCAAAJ5FCgUCi9bQXzu3Lm1AwcO5NGANiOAAAIIIBCbwMjIiBDEsfGzYgQQQACBvAsQxHnfAmg/AggggECsAgRxrPysHAEEEEAg7wIEcd63ANqPAAIIIBCrAEEcKz8rRwABBBDIuwBBnPctgPYjgAACCMQqQBDHys/KEUAAAQTyLlBzEB8/ftwyGx4errCzH3c/5/d43uFpPwIIIIAAAipQUxBrqGoA279tQr//g+ajCxBAAAEEEMi7QE1BHBS87ucJ4rxvXrQfAQQQQCBIgCAOEuJ5BBBAAAEEGihAEDcQl6IRQAABBBAIEiCIg4R4HgEEEEAAgQYKJD6I5xZW5KPr3J6xgdsARSOAAAII1ClQ6u+QUn8xUik1BbHzq0j22uyvMfH1pUj+LIQAAgggkHOBmoI451Y0HwEEEEAAAeMCBLFxUgpEAAEEEEAgvABBHN6KORFAAAEEEDAuQBAbJ6VABBBAAAEEwgsQxOGtmBMBBBBAAAHjAgSxcVIKRAABBBBAILwAQRzeijkRQAABBBAwLkAQGyelQAQQQAABBMILEMThrZgTAQQQQAAB4wIEsXFSCkQAAQQQQCC8AEEc3oo5EUAAAQQQMC5AEBsnpUAEEEAAgXoEXj43KSfeGZUbtxZlx7YOee6h7fLUwYF6ikz0sgRxoruHyiGAAAL5EtAQ/v4b12RucXWj4V0dLfLNYzszG8bGgpi7L+XrxUJrEUAAgUYIPP/DC9ZI2D3pyPiFb9zXiFXGXqaRINYQtm+HqC2y//d7PPZWUwEEEEAAgUQKfOu7Zzzr9a+P3ib6k8WJIM5ir9ImBBBAIKUCf/uD8zI6vcSIuNb+Y0RcqxjzI4AAAgi4BX59dkL+78nPZHJ2ueKp9taC/M0Xd3GMOGiTcR4j1nl1VzW7poPUeB4BBBBA4K3Lt+SlU+Py/tWZLRiD3W3yVw/vyGwIa4ON7Jp2y3GMmBcWAggggECQwIUbc/LSqTH5/QdTFbMeuL1bnj0yJI/d2xdURCaeNx7EzlGwqRHxyJVbmcCmEQgggAACIpNzy/LG5Wl5w/XePtTdJsf2bJNH9/SmjqnU3yGl/mKkehsJYr+vLmmNqj0XqcYshAACCCCQSoHF5VV56fS4tRt6am7zOHBne4s1An7mcEm2dbamsm31VNpIENdTAZZFAAEEEMi+wG9GJuVnp8blyvh8RWO/cmhQnjk8JHcORhtNZkGOIM5CL9IGBBBAIKEC73w0LT87NSbvfVJ5ItbRPdusUfADd/QktObNqxZB3Dxr1oQAAgjkRuDD0XkrgF+7cLOizftu67IC+Av7+nNjEdRQgjhIiOcRQAABBEILjM8sWbugf/zeWMUy23vby8eBj5SkELq0fMxIEOejn2klAggg0FCBldU1+dnpcfnJe2MVF+TQi3E8e6RkHQce6G5raB3SWjhBnNaeo94IIIBAQgRev3BTfnpqTC6NVp6I9eSBASuA7y51JqSmyawGQZzMfqFWCCCAQOIFTn0yY12QQ0/Ick6fu6tXnj08JA/emb7vA8eBThDHoc46EUAAgRQLfDQ+b30XWL+S5Jzu2d4pzx4uyZf2cyJWLd1LENeixbwIIIBAjgX0Ihx6QY4f/XFU1tY2IfR60NZx4CND0tbCqVi1biIEca1izI8AAgjkUEBPxPqnd0dlYmbzilgtBT0RS8+EHpJST3sOVcw0mSA240gpCCCAQCYF9IYMeib0B5/NVbTvifv6rQDeu70rk+1uZqMI4mZqsy4EEEAgJQJ6S8KfnhqXk5crb7pzZHePdRz4oRTemCGp9ARxUnuGeiGAAAIxCHw6uWCdiPXrsxMVa79rqGgF8JcPDsRQq2yvkiDOdv/SOgQQQCCUwMzCinUi1ol3RkUvzmFPfV1t1leRdDd0sa0lVFnMVJuAsSD2u90ht0GsrUOYGwEEEGi2wC/fn7DOhB6bXqpYtV6MQwN4x7aOZlcpV+szEsQatsPDwxtw9v9+j+dKmMYigAACCRV489It60zoizcqT8R6fG+fdU3o/Ts4EasZXUcQN0OZdSCAAAIJEhi5PmudCf2HS5UnYt2/q8f6OtLDd29LUG2zXxUjQaxMXrugGRFnfwOihQggkB6B61OL1jWhf3mm8kSsOwaKVgB/9dBgehqToZoaCWJ2TWdoi6ApCCCQOYH5pVXrRKwX3/5Mllc2T8TqKbaun4hVku4OTsSKq+NTEcQjVyp3n8SFxXoRQACBtAm8/cmMvPrBlEzObV4RS9vwyF29cuzubVLi1oRGurTU3yGl/mKkslIRxJFaxkIIIIBAjgXevnJLTvxxVM5frzwR69F79ESsITm0szvHOslqupEg9jtGXO3xZDFQGwQQQCAbAnopyh+9OyZvfjhV0aADt3dbx4Efu7cvGw3NUCuMBXGGTGgKAgggkDoB/Q7wj98bk5+fHq+o++19HVYAP/3AUOralJcKE8R56WnaiQACmRTQk69+cmpMXnx7VBaXVzfa2NneUr4z0uGSbOtszWTbs9IogjgrPUk7EEAgdwKvnp+Uf3x7VG5MLVa0/SuHBkWvinXnYLSTh3IHGXODCeKYO4DVI4AAArUKvPvxtPy/d0bl3LXZikWP7tlmjYIfuKOn1iKZP0YBgjhGfFaNAAII1CJweWzeOhP6jQ8qT8Tad1uXFcBf2NdfS3HMmxABgjghHUE1EEAAAT+Bydll+dG7o/KzU5UnYm3vbS8fBz5SkgJ8qRUgiFPbdVQcAQSyLrC2JvLj90atE7H06lj21N5akGePlKzjwANckCP1mwFBnPoupAEIIJBFgdcu3LQuSXntZuWJWE8eGLAC+O5SZxabncs2EcS57HYajQACSRU4/emM/OPbn8nZq5UnYn3url7rutAP3tmb1KpTr4gCBHFEOBZDAAEETAp8PLFgnQn9u4s3K4q9Z3unPHu4JF/az4lYJr2TVBZBnKTeoC4IIJA7gVvzK9aZ0D99b6yi7YPdbeXjwEeGpK2FU7GyvGEQxFnuXdqGAAKJFvjJe2PWbui5xc0TsVoKeiKWngk9JKWe9kTXn8qZESCIzThSCgIIIBBa4LcX9USsUfl0cqFimSfu67cCeO/2rtBlMWP6BYwE8fHjx7dIDA8PW485n7MfSz8bLUAAAQRqFzhzdcYK4DOfzlQsfGR3j3Uc+KE9nIhVu2r6lzASxG4GDV8NXfu3/bz7//Tz0QIEEEAgWODqzQXrmtC/vVB5ItZdQ0UrgL98cCC4EObIrIDxIHaGLUGc2e2m4Q17+dyknHhnVG7cWpQd2zrkuYe2y1O8WTXcnRWYFdBjvy++85n8+N3KE7H6utqsryLpbuhiW4vZlVJa6gQI4tR1WfYrrCH8/TeuVZzA0tXRIt88tpMwzn73Z6aFP12/NeHMwkpFm/RiHBrA+gGTCQEVMBrEQSNgdk2z0YUReP6HF6yRsHvq72qT//pX+7i3ahhE5mmagHvvjR7vPXd9Vj6ZqDwR6/G9fdY1offv4ESspnVOSlaUiiAeuXIrJZxUsx6BWwsr8uaVaXntw8o7y7jLvK2nXfYMFeXuwfLPtiI3Pa/HnWWjC7z9yYz8/NykLCxvfv3IXdo9Q0V5bM82OUQAR4dOwZKl/g4p9Ue7/7OxIPYa7QaNkFNgSxWbIKBnkP7izIS8eal6APtV5fa+Drl/V7cc2tkjh3Z1i96RhgmBRgt8ODov/+2ly6IX5PCa7hgoWt8H/uqhwUZXhfJTLtDQIFYbvr6U8i2kgdX/1fsT8vMz41t24Xmtsq21YB1T09vBzS56v/HZy2kQayBrMGtAa1AzIVCPwNT8sly8MS8XP5uzfj64MSczVbZD3e6+8/Qe6e7gRKx63POyrLEgzgsY7axP4NrUovzi9Lj8+uyELK2sbSls92BRHr+3TwoFkVdGbm45a/rG1KJ8ODYvl0b1Z04ujc37jkjswvVSgYd29cihnd1WQO8eiLb7qL6Ws3SaBD4a19Cdl4s3ysF7ZXy+purrh8YXvnFfTcswc34FCOL89n1TW/72lVvW7ud3P572XO9Dd/XKsb19cmxvv3S0hr+u7uj0khXKH66Hsv59c265atu2dbbK/Y5g3jPE7eSaujEkbGW6h8Ua6doj3huzMuWzu9lZdb0PcF9nm+h3hJ0fKjnDP2EdnILqEMQp6KS0VlHfnHTX86/OTHieBd1bbJXH9/XJ4/f2WyNVE9PE7LJ8+Fl5pKzH8C6NzcnETPVg7u5oXd+V3W3tyr6Xywua6IrElqGXlSzvYi6PePVDXJhJ74Kk28a91u/y3zrxnfcwesxTTYAgZvswLnB5bF5+cWZcfjMyKWtb9z5bb2D6VQ4dATf6xKrphRW5cGOuvCt7rPxbR9HVJr3AQvkYs+7K7uHrJsa3kOYVuLi8uj7aLQfv+Ruz1nkGQZNecGNvRfB2yWBPW9BiPI9AJAGCOBIbC3kJ/P6DKfn56XEZuV55Q3N73sfuLYfvsXv7YgPUr5mMXJt1HGee9xytOyvY2lJYPyu7HMwa0EzJFNDvn9vHdfUDmP6Eme4ubY5y7dGunqfAhEAzBAjiZihneB361Q0d/eruufGZrSNNPY72xX391gh4723Ju5DB6tqanL06a+3Gto8zX7u59WIi7i60R8v6W3dna1gzNVdgZXVt4yxmDd/zN+ZkLGBvh9awp9gq9+2wdzGXfw9xu8Hmdh5rqxAgiNkgIgnoqFdPvvrdxcqL2NuFaUCVT77qs05oSdN0/vpseXf2+nFm963qvNqiV0tynpnN9YPN97h+0CufVFUO3fPX50Q/SAVNdw4WZZ8VvJvHd/Wev0wIJEWAIE5KT6SkHr85N2l99UjfEL2mL+3vl2P39svnM3Q7Nz2urJcstI8zfzReeelCLwd90y9fZKT8lSk9IYypNoEP1r+zqx+KNHj1q2tBU2d7i+zf0S17b9s8sarEBV6C2Hg+ZgGCOOYOSMPq9eQm3f386vmbMuXx1SA94epP9g9Yo18dfWR9+nhiQc7qcWb9ytTovOjJaUGTfkXKPgFMvzqlX6Fi2hTQr5xVjnZnPb9n7jbb1d8h+2/XM903g5fDBGxZaRMgiNPWY02s73sfT8sv35+Qty57X+v7wd291teP9OQrHYnkdbo+tWgFc/mrMOWzs4P2mOpFRZxnZutFR/I06QUyNncxz8rVEMfl21sLVug6j+82+qz7PPUJbY1PgCCOzz6Ra9YA0e/+vjIy6TvS02vn6slXD9zRk8g2xF0pPZapwaxnZ9vHmfXEompTlq+XrbcB1NGutYv5uu5mnpX5Jf+bJNhOO/o6rK+OOY/vtnFSXNybN+tvgABB3ADUNBb5yeSCtfv5dxenxH3/VG2P7gJ88kB59zP3Ua2th/XM8rPXZjbOztYR8+Jy9WBO8/WydVtyjnZ1V37QpCdP7b+9ywpePbtej7Hfto2bdwS58Xw2BAjibPRj5Fb84dItefnchLzzkfelJz+/Z5t8Ua9+tbffuv4zU/0Cc0urcu7arJy9OiMX9Cpgo/OBI8SkXi9bv5dtf19XzzbXk6q8Psi51fQEKg1d5/Fd3fXMhEAeBYwGsdedlrj7UvI2Kw0CvfHCby/eFK/Rit7p6M/uH7J2P+vxOKbGCiyvlr/LrOGsXwvT48xBd5iK63rZejxcw/bCeuiGOVFN9XQ7ch7fZa9KY7cpSk+XgLEg5n7Eye94/TrIP5+dtALY60bmdw0V5amDg9bJV3ohDqb4BKwR87VyOOvZ2X73vLVr2IjrZesHBGu0ux66GsBeZ827lXTb0a8Q6a5m+/huLTfyiE+dNSMQj4CRIPYKYW2O+3G/+eJpen7W+tqFm/La+Uk59cmMZ6P10pNP3NcvD9+9LT8oKWupfojSYLbPzg66w5TX9bKDbk6gX1PTk6ku3CjvYtZ1hpn0eK7z+C73fw6jxjwIbAoYC2In6vDwsPUvQRzfpqYXtv/V2fKVr7wu2djV3iJPHy7vfuY2gPH1U9Q160VFrBPA1ndnB91hyrqSVEFk1XH2tob1Q3t6ra9a6fFdvXNV0NTX2Sr33d69cXxXb4zQ0Zbfr64FefE8AmEEjAWxHb7OACaIw3SB2Xnevzojr4zctAJYdy26Jx29fPXQgHXyld43lSkbAvphqzxiLp+dHXSHqbCt3lPqLIfu+q5mRrth5ZgPgfACqQjikSveF5QI38zsz/nWx9Ny6uqsXPb5qsiDu7rlc3f0yN5SZ/YxaKHcnF+xtoUrE/PW77GAezIrmV6U5c7+DrlroCh3DnTI7v6icGyXjQmBcAKl/g4p9Ue7smAqgjgcQ/7m0jNY9drPevKV1whIz6z92gND8oV9/bKzvyN/QLR4Q+Bvf3DecxvR8P3rL+y0Rr13DER7E4EZAQTqEzASxPbuaLsq7t3UXo/XV+18L/32lWkrfP3ufHTg9m750/vLV7/iurv53lbs1uuJWt9/45rMLW5e0UoPTXzz2E556uAASAggEKOAsSCOsQ25WPXSypp14Y3fXpyyTqzxmvTKV/qmqkHMhIBbIOisacQQQCAeAYI4HvfQa9WL4792vjz69TqrdbCnzdr9rF8/4ubmoVmZEQEEEEiMAEGcmK6orMibl25Z4fsvH0551lBvuKAB/Mg9fPc3oV1ItRBAAIFQAgRxKKbmzDS9sCKvjkxaN174YNT7Ygp67PcrhwblHs5+bk6nsBYEEECgwQIEcYOBwxSvlxHU0a+egOV1KUO9Lu/Thwflyf0D0lPkhvJhTJkHAQQQSIsAQRxjT/3+gykrfE9e9v6e9L+6s1e+dnhIHrqrN8ZasmoEEEAAgUYKEMSN1PUoe2x6af2rR1OiJ2K5J70SoR771V3QfK+zyZ3D6hBAAIEYBAjiJqHr5Qd197P+zDq+y2mvXkNXA/jLBweE+7I2qVNYDQIIIJAAAYK4gZ2gF9N/XcP3wk3548fTnmvSOx49/cCQHNnd08CaUDQCCCCAQFIFCOI6e8brIgn37+peP/lqSj6dXNiyho62ghW++rO9t73OGrA4AggggECaBQjiOnrP67KBbS0Fq0SvOx/pnWx09zOXFKwDnUURQACBjAkQxHV06PM/vCA3bi0GlnBsb58VwAd3cunJQCxmQAABBHImQBDX0eHf+u4Z36W7O1rla4cHrd3P/V1tdayFRRFAAAEEsixgJIiPHz++xci+A5PzOeddmbKA6jci7utsk3/41oEsNJE2IIAAAgg0WMBYEHuFrIaw+5aIWQpjbi3X4K2T4hFAAIEcCBDEdXYyt5arE5DFEUAAgZwLGAtip6Nzt3SWR8Q533ZoPgIIIICAAQEjQeyuh71LOuu7pg34UwQCCCCAQM4FCOKcbwA0HwEEEEAgXgEjQew38jU1Ih654n13onjpWDsCCCCAAAJlgVJ/h5T6i5E4jASxrtnva0pZ/vpSJHEWQgABBBBAwCFgLIhRRQABBBBAAIHaBQji2s1YAgEEEEAAAWMCBLExSgpCAAEEEECgdgGCuHYzlkAAAQQQQMCYAEFsjJKCEEAAAQQQqF2AIK7djCUQQAABBBAwJkAQG6OkIAQQQAABBGoXIIhrN2MJBBBAAAEEjAkQxMYoKQgBBBBAAIHaBQji2s1YAgEEEEAAAWMCBLExSgpCAAEEEECgdgGCuHYzlkAAAQQQQMCYAEFsjJKCEEAAAQQQqF3AaBDbd1oaHh7eqAl3X6q9U1gCAQQQQCA/Ag0NYlP3I85Pd9BSBBBAAIG8CRgLYjt0neFLEOdtc6K9CCCAAAK1ChDEtYoxPwIIIIAAAgYFjASx3yiYEbHBnqIoBBBAAIFMChgLYreOnrBFEGdym6FRCCCAAAIGBYwEsbM+jThGPHLllsEmUxQCCCCAAAJmBUr9HVLqL0YqtKFBrDXi60uR+oWFEEAAAQRyImA8iHPiRjMRQAABBBAwIkAQG2GkEAQQQAABBKIJEMTR3FgKAQQQQAABIwIEsRFGCkEAAQQQQCCaAEEczY2lEEAAAQQQMCJAEBthpBAEEEAAAQSiCRDE0dxYCgEEEEAAASMCBLERRgpBAAEEEEAgmgBBHM2NpRBAAAEEEDAiQBAbYaQQBBBAAAEEogkQxNHcWAoBBBBAAAEjAgSxEUYKQQABBBBAIJoAQRzNjaUQQAABBBAwIkAQG2GkEAQQQAABBKIJGAtiv9sdchvEaB3DUggggAAC+RAwEsQatsPDwxti9v9+j+eDllYigAACCCAQLGAkiN2rIYiD4ZkDAQQQQAABFTAWxF67oBkRs5EhgAACCCBQXcBYEDtXw4iYzQ4BBBBAAIFwAqkI4pErt8K1hrkQQAABBBCIQaDU3yGl/mKkNRsJYk7WimTPQggggAACCDT2GLH68vUltjIEEEAAAQT8BYyMiAFGAAEEEEAAgWgCBHE0N5ZCAAEEEEDAiABBbISRQhBAAAEEEIgmQBBHc2MpBBBAAAEEjAgQxEYYKQQBBBBAAIFoAgRxNDeWQgABBBBAwIgAQWyEkUIQQAABBBCIJkAQR3NjKQQQQAABBIwIEMRGGCkEAQQQQACBaAIEcTQ3lkIAAQQQQMCIAEFshJFCEEAAAQQQiCZAEEdzYykEEEAAAQSMCBDERhgpBAEEEEAAgWgCxoLY7y5L3H0pWsewFAIIIIBAPgSMBDH3I87HxkIrEUAAAQTMCxgJYne17GD2C2jzzaBEBBBAAAEE0ilAEKez36g1AggggEBGBIwHsXMUzIg4I1sJzUAAAQQQaJiA0SAOCl7382FbNXLlVthZmQ8BBBBAAIGmC5T6O6TUX4y0XmNB7BWyQcEcqcYshAACCCCAQIYEjASx8ytKts3w8LD1J19fytDWQlMQQAABBIwLGAli47WiQAQQQAABBHIiQBDnpKNpJgIIIIBAMgUI4mT2C7VCAAEEEMiJAEGck46mmQgggAACyRQgiJPZL9QKAQQQQCAnAgRxTjqaZiKAAAIIJFOAIE5mv1ArBBBAAIGcCBDEOelomokAAgggkEwBgjiZ/UKtEEAAAQRyIkAQ56SjaSYCCCCAQDIFCOJk9gu1QgABBBDIiQBBnJOOppkIIIAAAskUIIiT2S/UCgEEEEAgJwLGgti+y5J91yXbj7sv5WRLopkIIIAAApEEjASxfd/hoPsPe92zOFKtWQgBBBBAAIGMCBgJYufo1zkiDgrmLBhevHhRTp8+LdPT09Lb2yuHDx+Wffv2ZaFptAEBBBBAoAkCBHEdyBrCJ0+elKWlpY1S2tvb5ejRo4RxHa4sigACCORJgCCuo7dPnDhhjYTdU0tLi/T19YmGsv50dHQE/u2cr44qsSgCCCCAQMoEUhHEI1duJZL1D6/9qCH1am1rl9bWNvH73RbwvC7HhAACCCDQPIFSf4eU+ouRVpiKII7UsiYs5DcibsKqA1fhHomnbWTOsffALmYGBDIrkLfXv5Egdn5Fyd4y7JO2svz1Jb9jxHrC1q5du6xjx86fxcXFLY/ZzzufW1tbS8QLLK4w59h7IrqfSiAQi0AeX/9GgjiW3krISk1/ctMQ1nD2Cm2/IPd6PM1h/vrrr8vs7OyWHtaz0p977rmE9DzVQKAsYPo9IO+ufnsas/z6J4gzuNXbYe4V6O7QrjZKT0qY212kJ7319PRIW1tbxY+O3Gt9TE+oY0KgXoE0j95WV1fF/bOysrLlMa/59LGw84adzy7T60O49tODDz5o/WRxIoiz2KsG2uQM86BArzZ6N1CVhhShQWyHd5Qgdwa/c/mGVNZQoYzcDEE6ivEbvekHxmeeecYKtVqDyC/4nI+bKNO8RmNLZETcWF9Kz7BA0Ajc+bz998zMjMzNzUnSRuRhuqlauOtzUULfxOg9zSM33Q5qDaGgoAp6PkyAahnz8/NhNgvmqVOgtbVVHnnkkcxen4ERcZ0bCIs3RsA5etPRxcGDB2X37t2yvLy85UdH7O7Hgx7TN9q0TCZG737H3dX261//eqiRm6nwChrxudeTxg9kadi2dLty/2jgeT1ez7xRyrx8+bKcPXtW9EN5Hq5YSBCn4RVDHY0LaBjY4R0U2tXm0+ecyxuvKAWmUsDeM6IBFiWIgsLQRJmphM1opQnijHYszYpHoJbQDvtBIE2j90aoFwqFilFamBAKmifo+TABapeho7f333+f6803ovNzUiZBnJOOTlszF956UeZe+Z6sTnwiLYO7pevJb0vx4b9MWzOM1NfE6N3vuLu927uW4Kk2WgsKuKDnveqhQcyEQJYFCOIs925K26YhPPvSC7K2sHkd70KxV7qffT63YWyiKzlr2oQiZTRDIG8fxAniZmxVrKMmgcm//wtrJOyedGQ88J3GXN+7pgqmdOa8vbmltJtyX+08fhAniHO/2RsEWF2RtcVZWVucW/89K6J/L+hjlY/rPGI95njcmm9OVq6d865UW1FaOntFWtul0Npu/ZbWto2/y4+1VTxvP7Y5//qybZvLbZbnLitC+QY5TRaVxzc3k37VysrdB5yVJVlbWpC15QUR6/e89b8sL1T81sfLz68/vj5vxWPWc/OOshZk5bNLIqvLufogThDX+WpN64twbXlxPQg3Q9MOUFkPxHJIegRrxWN2oM5ZL6jcTxsfEgyEul2WgQ8NU9/7tqxOXs3Vm1sztsXYP+CsrlpBGBRum8/PbwTmZnhWBqHnvI7QlZi++tf1lf8o+pPFiSCuo1eb9SLcCEjHSNM56twcXdqhuvm7POqsfNwapWoQMyHQ0lLeo1BoFdHLfp6HyQkAAArtSURBVK7/LhRaRFpaRdZ/V/5fnq+g82/M43jMUZY1T1BZLa3iXp8uU152s15Vy3KsJ3xZdtnldlSub/0xz7pv1uvmf/+G92GU/p2y7d/9j42ADAw3HS1GGWWuLOVmG87yoamGB3GW777keyxzYJds+5t/sALQKwj9HrcC0is4V7bupknkq0/f1Du6HT9dIhv/d5UfL+rz5b/Lz60/bs9XLC+zdPY3Mv/GD2R14lPrrOnOJ/5aig8+K2v6xqO7xtZ/y8qy67HliufL823Os7HsssdjW8qqXNYuy7n+LeUnsmOoFALmBAptHSJtRSm0F0XaOq3f5b/Lvwttm39vPK+P2c+t/7bms/92LL947lWZf+V/Wu+F9pT1kzUbGsQawvbtEBXU/b+5TSOeksb/7mg8KzaxVt3t6QzCqgG5HpzWPO7wdISqvpjyPm18SHB/QIgQ6nZZBj40rM1Py9rijEhCbrGZ983EWPt1JG+HYntnOQQrwm09KCuC0PGYMzzdQWmHo7vMljZj1fcrKK2H/KLCEMRR5UTEb0RcR5Gei1qfNt0jS0cgik9AVizjmsc60YkpVwJb3tz+5N9L8fN/Lmt6zG9tRaxjf+u/19ZWRVZXRNZ/V/5fns9abmMex2OOssplB5SlJ/m55tFl3PWqWpZjPeHLsttcrl/l+tYf86y7w2tlUdbce6wKBSl09kpL14BrFFgOwI2Ro2NEuTma7KwM0o0R5tZAtcridZyJ1zBBXEc3eh0jFilIodgjLT2D5fAsuna9drh217oD0mN3rXXsjgkBBBIpkLfRWyI7IeWVIojr7EBehHUCsjgCCCCQcwGCOOcbAM1HAAEEEIhXIPFBPDY2JvrDhAACCCCAQFIFSqWS6E+UqaFBrBXK8teXooCzDAIIIIAAAk6Bhgcx3AgggAACCCDgL0AQs3UggAACCCAQowBBHCM+q0YAAQQQQIAgZhtAAAEEEEAgRgGCOEZ8Vo0AAggggABBzDaAAAIIIIBAjAIEcYz4rBoBBBBAAAGCmG0AAQQQQACBGAUIYsdFR5y3bIyxTzYugpKU+kS1sC/mkpR2ZOHiMphG3RqrL5c0V61tEutUi36S6u987dttSMr7ktYn90HsvEdyEu6XbNchCXWp5UXnnjeprnY90+iLaT1bpP+ySXN1bqP6d5ICI2wPJM006a93gvj4cd8N3W8E5QxLrxdKteW8Po15zZ/0DSfoBVmt/nG6ZiWIvT74+G1b+kbuNzoxsa2m2dQeefqFXVzbato/kCft9Z/0DzS5D2K/F6J7Q3J/wnN2bJhPf0Hlud8I0h7ESXXNYmgEbVuN3Fb9girog1rSnvd6vcXtan+ASuOIOGmvf/eu6aSZEsTr7wheLzr3m4XdebW8QP3e+IPCOwtB7PVidL8g/ELCvWy1EZ3zRRXkGjQCSlpAeNUnadtq2j/cVHuNxvEeEGYbTsN2mtTXfxLfAwhixxYd9gVQLYidL+paQiaLI2KvN7igXVZ+oYpr5VtvkrbVrASx14e/arusG7WtVvuwmpYAdtaTbTW413IfxH4bSb2BEfSiDto40z4iTqIrpuUzcb3Cpdr2GLYv0+obtn1+4VJthBXFtdp6gt/SkzFH0kzDDJ7ilMt9ENsvIufo1T36sv+vZdd0UHnVdqf67Q6Lc0OJsu5qu5Od5eEaXjdJps7Xjtf2Hr5V8c+ZNNcs7GVImqlzTwPHiON/zVEDBBBAAAEEEiPAiDgxXUFFEEAAAQTyKEAQ57HXaTMCCCCAQGIECOLEdAUVQQABBBDIowBBnMdep80IIIAAAokRIIgT0xVUBAEEEEAgjwIEcR57nTYjgAACCCRGgCBOTFdQEQQQQACBPAoQxHnsddqMAAIIIJAYAYI4MV1BRRBAAAEE8ihAEOex12kzAggggEBiBAjixHQFFUEAAQQQyKMAQZzHXqfNCCCAAAKJESCIE9MVVAQBBBBAII8CBHEee502I4AAAggkRoAgTkxXUBEEEEAAgTwKEMR57HXajAACCCCQGAGCODFdQUWCBI4fP27NMjw8LPq3/mZCoNkCed0O89ruZmxfBHEzlGNeh/0CskOskdVpZEDaZTvfEBrZlkaX7WfVSMMobUpafaK0weQySdgOna/pZryudR1JaLfJfkxSWQRxknqjAXVxv4nyptoA5IhFNjOIa+n3WuaN2HQWq1PA2Uf0V52YCVicIE5AJzir8PK5STnxzqjcuLUoO7Z1yHMPbZenDg5EqmWYF6jfaNn9uNenYa+RqV/w+83rbJh7V7NXHWqZPxJaiIUW3npR5l75nqxOfCItg7ul68lvS/Hhvwyx5NZZqn1QqrYnw29E5LWM17xhlndbB/WtPX8zDxlcvHhRTp8+LdPT09Lb2yuHDx+Wffv2ReoLe9Tn1W5n24JGo2H7zc+p2vLuOnodpqnlNV3L66medkfukJwsSBAnqKM1hL//xjWZW1zdqFVXR4t889jOSGEcFMRBIeB8o3AHqd8ncq8ytTF2WdXqVOun/GrzB7U9ardrCM++9IKsLUxvFFEo9kr3s89HCuNq4eb29zIMaxDkEaacatuL0zNoXVHt3ctpCJ88eVKWlpY2nmpvb5ejR49GCuOw27S7HmHs7AAN+pASxdjU+tPw+jO17SStHII4QT3y/A8vWCNh96Qj4xe+cV/NNXW/sNwjFvcn3GqBGTa0g95I/ILaq25eb1rVRnJ+wVUzXJUFJv/+L6yRsHvSkfHAd34UaVW2iV9/VbOJsoxdXhRLr7q6R2nO7SgSSMiFTpw4YY2E3ZOOjJ977rmQpWzOVksQR7ULsqn2mvT7sFNPEIdtRz3bTM0dkcMFCOIGd/r/ev2q/PL9iQavZbP4P7t/UP7tE7usB7xGJmE/9dYSqGHfCNx1ChvuzjeBMKNEv7ZX64SZf/ovsvAv/6cp/VR87N9Iz5//p411+QVxtdGT/QYa9sNH1P7067Na+rwW1DfffFPOnz9fyyJ1zbt//3559NFHK/rCHZam7Nxh5vdBM2jUXO11VMtrqpZ5vV5TjdoG6urQlC5MEDe447713TMNXsPW4v/3f3hgy5u8V5h5BXWY0Iv6RpDkIB7/u6NN7aeh/3yyYn1Bb/bOmf36rRH9GfQGHOb5WmDDhFAt5YWZ1/5QE9a1lgALW6bf686v/mFH77WEZdCHdBPtDtMfeZyHIG5wr8c5InZ/And/0rffRJ0Efsdyw74IgwLF63mv9bvr5qxXLfOH7d44R8ReYVatb/xswi4TZOncXel3MlC1E+u8trOw/ZCUEbGzDX57lmrdDt2u1ULWr2yvwK72mgraY+Ksk7vfvOpb6/xh+z3v8xHECdsCTJ41nbCmRapOtVFepAINLGTyrOko1Qn6sBOlzLQuY/KsaVy3bgVJfP2ldVutVm+COIu9mpE22Z++49hdmWTCaqOSJNc76XXDtbKHeP01b4sliJtnzZoQQAABBBDYIkAQs1EggAACCCAQowBBHCM+q0YAAQQQQIAgZhtAAAEEEEAgRgGCOEZ8Vo0AAggggABBzDaAAAIIIIBAjAIEcYz4rBoBBBBAAAGCmG0AAQQQQACBGAUI4hjxWTUCCCCAAAIEMdsAAggggAACMQoQxDHis2oEEEAAAQQIYrYBBBBAAAEEYhQgiGPEZ9UIIIAAAggQxGwDCCCAAAIIxChAEMeIz6oRQAABBBDYCOKRkZF/XltbewoSBBBAAAEEEGieQKFQePn/AzysEmJ3HkxXAAAAAElFTkSuQmCC"/>
+          <p:cNvSpPr>
+            <a:spLocks noChangeAspect="1" noChangeArrowheads="1"/>
+          </p:cNvSpPr>
+          <p:nvPr/>
+        </p:nvSpPr>
+        <p:spPr bwMode="auto">
+          <a:xfrm>
+            <a:off x="152400" y="152400"/>
+            <a:ext cx="304800" cy="304800"/>
+          </a:xfrm>
+          <a:prstGeom prst="rect">
+            <a:avLst/>
+          </a:prstGeom>
+          <a:noFill/>
+          <a:extLst>
+            <a:ext uri="{909E8E84-426E-40DD-AFC4-6F175D3DCCD1}">
+              <a14:hiddenFill xmlns:a14="http://schemas.microsoft.com/office/drawing/2010/main">
+                <a:solidFill>
+                  <a:srgbClr val="FFFFFF"/>
+                </a:solidFill>
+              </a14:hiddenFill>
+            </a:ext>
+          </a:extLst>
+        </p:spPr>
+        <p:txBody>
+          <a:bodyPr vert="horz" wrap="square" lIns="91440" tIns="45720" rIns="91440" bIns="45720" numCol="1" anchor="t" anchorCtr="0" compatLnSpc="1">
+            <a:prstTxWarp prst="textNoShape">
+              <a:avLst/>
+            </a:prstTxWarp>
+          </a:bodyPr>
+          <a:lstStyle/>
+          <a:p>
+            <a:endParaRPr lang="pt-BR"/>
+          </a:p>
+        </p:txBody>
+      </p:sp>
       <p:graphicFrame>
         <p:nvGraphicFramePr>
-          <p:cNvPr id="7" name="Gráfico 6"/>
+          <p:cNvPr id="29" name="Gráfico 28"/>
           <p:cNvGraphicFramePr>
             <a:graphicFrameLocks/>
           </p:cNvGraphicFramePr>
           <p:nvPr/>
         </p:nvGraphicFramePr>
         <p:xfrm>
-          <a:off x="1917290" y="1042834"/>
-          <a:ext cx="5314335" cy="3538998"/>
+          <a:off x="1940642" y="1072330"/>
+          <a:ext cx="5262716" cy="3332522"/>
         </p:xfrm>
         <a:graphic>
           <a:graphicData uri="http://schemas.openxmlformats.org/drawingml/2006/chart">
@@ -13960,7 +13958,7 @@
     </p:spTree>
     <p:extLst>
       <p:ext uri="{BB962C8B-B14F-4D97-AF65-F5344CB8AC3E}">
-        <p14:creationId xmlns:p14="http://schemas.microsoft.com/office/powerpoint/2010/main" val="858933322"/>
+        <p14:creationId xmlns:p14="http://schemas.microsoft.com/office/powerpoint/2010/main" val="3145620549"/>
       </p:ext>
     </p:extLst>
   </p:cSld>
@@ -14161,6 +14159,228 @@
           </a:p>
         </p:txBody>
       </p:sp>
+      <p:graphicFrame>
+        <p:nvGraphicFramePr>
+          <p:cNvPr id="7" name="Gráfico 6"/>
+          <p:cNvGraphicFramePr>
+            <a:graphicFrameLocks/>
+          </p:cNvGraphicFramePr>
+          <p:nvPr/>
+        </p:nvGraphicFramePr>
+        <p:xfrm>
+          <a:off x="1917290" y="1042834"/>
+          <a:ext cx="5314335" cy="3538998"/>
+        </p:xfrm>
+        <a:graphic>
+          <a:graphicData uri="http://schemas.openxmlformats.org/drawingml/2006/chart">
+            <c:chart xmlns:c="http://schemas.openxmlformats.org/drawingml/2006/chart" xmlns:r="http://schemas.openxmlformats.org/officeDocument/2006/relationships" r:id="rId3"/>
+          </a:graphicData>
+        </a:graphic>
+      </p:graphicFrame>
+    </p:spTree>
+    <p:extLst>
+      <p:ext uri="{BB962C8B-B14F-4D97-AF65-F5344CB8AC3E}">
+        <p14:creationId xmlns:p14="http://schemas.microsoft.com/office/powerpoint/2010/main" val="858933322"/>
+      </p:ext>
+    </p:extLst>
+  </p:cSld>
+  <p:clrMapOvr>
+    <a:masterClrMapping/>
+  </p:clrMapOvr>
+  <p:timing>
+    <p:tnLst>
+      <p:par>
+        <p:cTn id="1" dur="indefinite" restart="never" nodeType="tmRoot">
+          <p:childTnLst>
+            <p:seq concurrent="1" nextAc="seek">
+              <p:cTn id="2" dur="indefinite" nodeType="mainSeq">
+                <p:childTnLst>
+                  <p:par>
+                    <p:cTn id="3" fill="hold">
+                      <p:stCondLst>
+                        <p:cond delay="indefinite"/>
+                        <p:cond evt="onBegin" delay="0">
+                          <p:tn val="2"/>
+                        </p:cond>
+                      </p:stCondLst>
+                      <p:childTnLst>
+                        <p:par>
+                          <p:cTn id="4" fill="hold">
+                            <p:stCondLst>
+                              <p:cond delay="0"/>
+                            </p:stCondLst>
+                            <p:childTnLst>
+                              <p:par>
+                                <p:cTn id="5" presetID="10" presetClass="entr" presetSubtype="0" fill="hold" grpId="0" nodeType="afterEffect">
+                                  <p:stCondLst>
+                                    <p:cond delay="250"/>
+                                  </p:stCondLst>
+                                  <p:childTnLst>
+                                    <p:set>
+                                      <p:cBhvr>
+                                        <p:cTn id="6" dur="1" fill="hold">
+                                          <p:stCondLst>
+                                            <p:cond delay="0"/>
+                                          </p:stCondLst>
+                                        </p:cTn>
+                                        <p:tgtEl>
+                                          <p:spTgt spid="521"/>
+                                        </p:tgtEl>
+                                        <p:attrNameLst>
+                                          <p:attrName>style.visibility</p:attrName>
+                                        </p:attrNameLst>
+                                      </p:cBhvr>
+                                      <p:to>
+                                        <p:strVal val="visible"/>
+                                      </p:to>
+                                    </p:set>
+                                    <p:animEffect transition="in" filter="fade">
+                                      <p:cBhvr>
+                                        <p:cTn id="7" dur="500"/>
+                                        <p:tgtEl>
+                                          <p:spTgt spid="521"/>
+                                        </p:tgtEl>
+                                      </p:cBhvr>
+                                    </p:animEffect>
+                                  </p:childTnLst>
+                                </p:cTn>
+                              </p:par>
+                            </p:childTnLst>
+                          </p:cTn>
+                        </p:par>
+                      </p:childTnLst>
+                    </p:cTn>
+                  </p:par>
+                </p:childTnLst>
+              </p:cTn>
+              <p:prevCondLst>
+                <p:cond evt="onPrev" delay="0">
+                  <p:tgtEl>
+                    <p:sldTgt/>
+                  </p:tgtEl>
+                </p:cond>
+              </p:prevCondLst>
+              <p:nextCondLst>
+                <p:cond evt="onNext" delay="0">
+                  <p:tgtEl>
+                    <p:sldTgt/>
+                  </p:tgtEl>
+                </p:cond>
+              </p:nextCondLst>
+            </p:seq>
+          </p:childTnLst>
+        </p:cTn>
+      </p:par>
+    </p:tnLst>
+    <p:bldLst>
+      <p:bldP spid="521" grpId="0"/>
+    </p:bldLst>
+  </p:timing>
+</p:sld>
+</file>
+
+<file path=ppt/slides/slide17.xml><?xml version="1.0" encoding="utf-8"?>
+<p:sld xmlns:a="http://schemas.openxmlformats.org/drawingml/2006/main" xmlns:r="http://schemas.openxmlformats.org/officeDocument/2006/relationships" xmlns:p="http://schemas.openxmlformats.org/presentationml/2006/main">
+  <p:cSld>
+    <p:spTree>
+      <p:nvGrpSpPr>
+        <p:cNvPr id="1" name="Shape 520"/>
+        <p:cNvGrpSpPr/>
+        <p:nvPr/>
+      </p:nvGrpSpPr>
+      <p:grpSpPr>
+        <a:xfrm>
+          <a:off x="0" y="0"/>
+          <a:ext cx="0" cy="0"/>
+          <a:chOff x="0" y="0"/>
+          <a:chExt cx="0" cy="0"/>
+        </a:xfrm>
+      </p:grpSpPr>
+      <p:sp>
+        <p:nvSpPr>
+          <p:cNvPr id="521" name="Google Shape;521;p58"/>
+          <p:cNvSpPr txBox="1">
+            <a:spLocks noGrp="1"/>
+          </p:cNvSpPr>
+          <p:nvPr>
+            <p:ph type="title"/>
+          </p:nvPr>
+        </p:nvSpPr>
+        <p:spPr>
+          <a:xfrm>
+            <a:off x="723900" y="24917"/>
+            <a:ext cx="7696200" cy="572700"/>
+          </a:xfrm>
+          <a:prstGeom prst="rect">
+            <a:avLst/>
+          </a:prstGeom>
+        </p:spPr>
+        <p:txBody>
+          <a:bodyPr spcFirstLastPara="1" wrap="square" lIns="91425" tIns="91425" rIns="91425" bIns="91425" anchor="t" anchorCtr="0">
+            <a:noAutofit/>
+          </a:bodyPr>
+          <a:lstStyle/>
+          <a:p>
+            <a:pPr marL="0" lvl="0" indent="0" algn="ctr" rtl="0">
+              <a:spcBef>
+                <a:spcPts val="0"/>
+              </a:spcBef>
+              <a:spcAft>
+                <a:spcPts val="0"/>
+              </a:spcAft>
+              <a:buNone/>
+            </a:pPr>
+            <a:r>
+              <a:rPr lang="pt-BR" sz="3600" dirty="0">
+                <a:latin typeface="+mj-lt"/>
+              </a:rPr>
+              <a:t>Soja</a:t>
+            </a:r>
+            <a:endParaRPr sz="3600" dirty="0">
+              <a:latin typeface="+mj-lt"/>
+            </a:endParaRPr>
+          </a:p>
+        </p:txBody>
+      </p:sp>
+      <p:sp>
+        <p:nvSpPr>
+          <p:cNvPr id="2" name="AutoShape 1" descr="data:image/png;base64,iVBORw0KGgoAAAANSUhEUgAAAeIAAAEiCAYAAAAlAdEXAAAgAElEQVR4Xu3daYwc553f8X/P1XNxrqYoUpQoiRQPiVQsUwdlyyvL3pUlA7vCIovAAO3FJnGAvF3rXd7si7xJkBfaV1kggB3kRTywESCr0GtbPlfWYVsri5IlkiKHpERSBw/NxeHcZ/Cvnpqprqnqqq5+uuv6FjCYme6qp57n81T3r5+q6qqCMCGAAAIIIIBAbAIFXfNHH320Njs7G1slWDECCCCAAAJ5FCgUCi9bQXzu3Lm1AwcO5NGANiOAAAIIIBCbwMjIiBDEsfGzYgQQQACBvAsQxHnfAmg/AggggECsAgRxrPysHAEEEEAg7wIEcd63ANqPAAIIIBCrAEEcKz8rRwABBBDIuwBBnPctgPYjgAACCMQqQBDHys/KEUAAAQTyLlBzEB8/ftwyGx4errCzH3c/5/d43uFpPwIIIIAAAipQUxBrqGoA279tQr//g+ajCxBAAAEEEMi7QE1BHBS87ucJ4rxvXrQfAQQQQCBIgCAOEuJ5BBBAAAEEGihAEDcQl6IRQAABBBAIEiCIg4R4HgEEEEAAgQYKJD6I5xZW5KPr3J6xgdsARSOAAAII1ClQ6u+QUn8xUik1BbHzq0j22uyvMfH1pUj+LIQAAgggkHOBmoI451Y0HwEEEEAAAeMCBLFxUgpEAAEEEEAgvABBHN6KORFAAAEEEDAuQBAbJ6VABBBAAAEEwgsQxOGtmBMBBBBAAAHjAgSxcVIKRAABBBBAILwAQRzeijkRQAABBBAwLkAQGyelQAQQQAABBMILEMThrZgTAQQQQAAB4wIEsXFSCkQAAQQQQCC8AEEc3oo5EUAAAQQQMC5AEBsnpUAEEEAAgXoEXj43KSfeGZUbtxZlx7YOee6h7fLUwYF6ikz0sgRxoruHyiGAAAL5EtAQ/v4b12RucXWj4V0dLfLNYzszG8bGgpi7L+XrxUJrEUAAgUYIPP/DC9ZI2D3pyPiFb9zXiFXGXqaRINYQtm+HqC2y//d7PPZWUwEEEEAAgUQKfOu7Zzzr9a+P3ib6k8WJIM5ir9ImBBBAIKUCf/uD8zI6vcSIuNb+Y0RcqxjzI4AAAgi4BX59dkL+78nPZHJ2ueKp9taC/M0Xd3GMOGiTcR4j1nl1VzW7poPUeB4BBBBA4K3Lt+SlU+Py/tWZLRiD3W3yVw/vyGwIa4ON7Jp2y3GMmBcWAggggECQwIUbc/LSqTH5/QdTFbMeuL1bnj0yJI/d2xdURCaeNx7EzlGwqRHxyJVbmcCmEQgggAACIpNzy/LG5Wl5w/XePtTdJsf2bJNH9/SmjqnU3yGl/mKkehsJYr+vLmmNqj0XqcYshAACCCCQSoHF5VV56fS4tRt6am7zOHBne4s1An7mcEm2dbamsm31VNpIENdTAZZFAAEEEMi+wG9GJuVnp8blyvh8RWO/cmhQnjk8JHcORhtNZkGOIM5CL9IGBBBAIKEC73w0LT87NSbvfVJ5ItbRPdusUfADd/QktObNqxZB3Dxr1oQAAgjkRuDD0XkrgF+7cLOizftu67IC+Av7+nNjEdRQgjhIiOcRQAABBEILjM8sWbugf/zeWMUy23vby8eBj5SkELq0fMxIEOejn2klAggg0FCBldU1+dnpcfnJe2MVF+TQi3E8e6RkHQce6G5raB3SWjhBnNaeo94IIIBAQgRev3BTfnpqTC6NVp6I9eSBASuA7y51JqSmyawGQZzMfqFWCCCAQOIFTn0yY12QQ0/Ick6fu6tXnj08JA/emb7vA8eBThDHoc46EUAAgRQLfDQ+b30XWL+S5Jzu2d4pzx4uyZf2cyJWLd1LENeixbwIIIBAjgX0Ihx6QY4f/XFU1tY2IfR60NZx4CND0tbCqVi1biIEca1izI8AAgjkUEBPxPqnd0dlYmbzilgtBT0RS8+EHpJST3sOVcw0mSA240gpCCCAQCYF9IYMeib0B5/NVbTvifv6rQDeu70rk+1uZqMI4mZqsy4EEEAgJQJ6S8KfnhqXk5crb7pzZHePdRz4oRTemCGp9ARxUnuGeiGAAAIxCHw6uWCdiPXrsxMVa79rqGgF8JcPDsRQq2yvkiDOdv/SOgQQQCCUwMzCinUi1ol3RkUvzmFPfV1t1leRdDd0sa0lVFnMVJuAsSD2u90ht0GsrUOYGwEEEGi2wC/fn7DOhB6bXqpYtV6MQwN4x7aOZlcpV+szEsQatsPDwxtw9v9+j+dKmMYigAACCRV489It60zoizcqT8R6fG+fdU3o/Ts4EasZXUcQN0OZdSCAAAIJEhi5PmudCf2HS5UnYt2/q8f6OtLDd29LUG2zXxUjQaxMXrugGRFnfwOihQggkB6B61OL1jWhf3mm8kSsOwaKVgB/9dBgehqToZoaCWJ2TWdoi6ApCCCQOYH5pVXrRKwX3/5Mllc2T8TqKbaun4hVku4OTsSKq+NTEcQjVyp3n8SFxXoRQACBtAm8/cmMvPrBlEzObV4RS9vwyF29cuzubVLi1oRGurTU3yGl/mKkslIRxJFaxkIIIIBAjgXevnJLTvxxVM5frzwR69F79ESsITm0szvHOslqupEg9jtGXO3xZDFQGwQQQCAbAnopyh+9OyZvfjhV0aADt3dbx4Efu7cvGw3NUCuMBXGGTGgKAgggkDoB/Q7wj98bk5+fHq+o++19HVYAP/3AUOralJcKE8R56WnaiQACmRTQk69+cmpMXnx7VBaXVzfa2NneUr4z0uGSbOtszWTbs9IogjgrPUk7EEAgdwKvnp+Uf3x7VG5MLVa0/SuHBkWvinXnYLSTh3IHGXODCeKYO4DVI4AAArUKvPvxtPy/d0bl3LXZikWP7tlmjYIfuKOn1iKZP0YBgjhGfFaNAAII1CJweWzeOhP6jQ8qT8Tad1uXFcBf2NdfS3HMmxABgjghHUE1EEAAAT+Bydll+dG7o/KzU5UnYm3vbS8fBz5SkgJ8qRUgiFPbdVQcAQSyLrC2JvLj90atE7H06lj21N5akGePlKzjwANckCP1mwFBnPoupAEIIJBFgdcu3LQuSXntZuWJWE8eGLAC+O5SZxabncs2EcS57HYajQACSRU4/emM/OPbn8nZq5UnYn3url7rutAP3tmb1KpTr4gCBHFEOBZDAAEETAp8PLFgnQn9u4s3K4q9Z3unPHu4JF/az4lYJr2TVBZBnKTeoC4IIJA7gVvzK9aZ0D99b6yi7YPdbeXjwEeGpK2FU7GyvGEQxFnuXdqGAAKJFvjJe2PWbui5xc0TsVoKeiKWngk9JKWe9kTXn8qZESCIzThSCgIIIBBa4LcX9USsUfl0cqFimSfu67cCeO/2rtBlMWP6BYwE8fHjx7dIDA8PW485n7MfSz8bLUAAAQRqFzhzdcYK4DOfzlQsfGR3j3Uc+KE9nIhVu2r6lzASxG4GDV8NXfu3/bz7//Tz0QIEEEAgWODqzQXrmtC/vVB5ItZdQ0UrgL98cCC4EObIrIDxIHaGLUGc2e2m4Q17+dyknHhnVG7cWpQd2zrkuYe2y1O8WTXcnRWYFdBjvy++85n8+N3KE7H6utqsryLpbuhiW4vZlVJa6gQI4tR1WfYrrCH8/TeuVZzA0tXRIt88tpMwzn73Z6aFP12/NeHMwkpFm/RiHBrA+gGTCQEVMBrEQSNgdk2z0YUReP6HF6yRsHvq72qT//pX+7i3ahhE5mmagHvvjR7vPXd9Vj6ZqDwR6/G9fdY1offv4ESspnVOSlaUiiAeuXIrJZxUsx6BWwsr8uaVaXntw8o7y7jLvK2nXfYMFeXuwfLPtiI3Pa/HnWWjC7z9yYz8/NykLCxvfv3IXdo9Q0V5bM82OUQAR4dOwZKl/g4p9Ue7/7OxIPYa7QaNkFNgSxWbIKBnkP7izIS8eal6APtV5fa+Drl/V7cc2tkjh3Z1i96RhgmBRgt8ODov/+2ly6IX5PCa7hgoWt8H/uqhwUZXhfJTLtDQIFYbvr6U8i2kgdX/1fsT8vMz41t24Xmtsq21YB1T09vBzS56v/HZy2kQayBrMGtAa1AzIVCPwNT8sly8MS8XP5uzfj64MSczVbZD3e6+8/Qe6e7gRKx63POyrLEgzgsY7axP4NrUovzi9Lj8+uyELK2sbSls92BRHr+3TwoFkVdGbm45a/rG1KJ8ODYvl0b1Z04ujc37jkjswvVSgYd29cihnd1WQO8eiLb7qL6Ws3SaBD4a19Cdl4s3ysF7ZXy+purrh8YXvnFfTcswc34FCOL89n1TW/72lVvW7ud3P572XO9Dd/XKsb19cmxvv3S0hr+u7uj0khXKH66Hsv59c265atu2dbbK/Y5g3jPE7eSaujEkbGW6h8Ua6doj3huzMuWzu9lZdb0PcF9nm+h3hJ0fKjnDP2EdnILqEMQp6KS0VlHfnHTX86/OTHieBd1bbJXH9/XJ4/f2WyNVE9PE7LJ8+Fl5pKzH8C6NzcnETPVg7u5oXd+V3W3tyr6Xywua6IrElqGXlSzvYi6PePVDXJhJ74Kk28a91u/y3zrxnfcwesxTTYAgZvswLnB5bF5+cWZcfjMyKWtb9z5bb2D6VQ4dATf6xKrphRW5cGOuvCt7rPxbR9HVJr3AQvkYs+7K7uHrJsa3kOYVuLi8uj7aLQfv+Ruz1nkGQZNecGNvRfB2yWBPW9BiPI9AJAGCOBIbC3kJ/P6DKfn56XEZuV55Q3N73sfuLYfvsXv7YgPUr5mMXJt1HGee9xytOyvY2lJYPyu7HMwa0EzJFNDvn9vHdfUDmP6Eme4ubY5y7dGunqfAhEAzBAjiZihneB361Q0d/eruufGZrSNNPY72xX391gh4723Ju5DB6tqanL06a+3Gto8zX7u59WIi7i60R8v6W3dna1gzNVdgZXVt4yxmDd/zN+ZkLGBvh9awp9gq9+2wdzGXfw9xu8Hmdh5rqxAgiNkgIgnoqFdPvvrdxcqL2NuFaUCVT77qs05oSdN0/vpseXf2+nFm963qvNqiV0tynpnN9YPN97h+0CufVFUO3fPX50Q/SAVNdw4WZZ8VvJvHd/Wev0wIJEWAIE5KT6SkHr85N2l99UjfEL2mL+3vl2P39svnM3Q7Nz2urJcstI8zfzReeelCLwd90y9fZKT8lSk9IYypNoEP1r+zqx+KNHj1q2tBU2d7i+zf0S17b9s8sarEBV6C2Hg+ZgGCOOYOSMPq9eQm3f386vmbMuXx1SA94epP9g9Yo18dfWR9+nhiQc7qcWb9ytTovOjJaUGTfkXKPgFMvzqlX6Fi2hTQr5xVjnZnPb9n7jbb1d8h+2/XM903g5fDBGxZaRMgiNPWY02s73sfT8sv35+Qty57X+v7wd291teP9OQrHYnkdbo+tWgFc/mrMOWzs4P2mOpFRZxnZutFR/I06QUyNncxz8rVEMfl21sLVug6j+82+qz7PPUJbY1PgCCOzz6Ra9YA0e/+vjIy6TvS02vn6slXD9zRk8g2xF0pPZapwaxnZ9vHmfXEompTlq+XrbcB1NGutYv5uu5mnpX5Jf+bJNhOO/o6rK+OOY/vtnFSXNybN+tvgABB3ADUNBb5yeSCtfv5dxenxH3/VG2P7gJ88kB59zP3Ua2th/XM8rPXZjbOztYR8+Jy9WBO8/WydVtyjnZ1V37QpCdP7b+9ywpePbtej7Hfto2bdwS58Xw2BAjibPRj5Fb84dItefnchLzzkfelJz+/Z5t8Ua9+tbffuv4zU/0Cc0urcu7arJy9OiMX9Cpgo/OBI8SkXi9bv5dtf19XzzbXk6q8Psi51fQEKg1d5/Fd3fXMhEAeBYwGsdedlrj7UvI2Kw0CvfHCby/eFK/Rit7p6M/uH7J2P+vxOKbGCiyvlr/LrOGsXwvT48xBd5iK63rZejxcw/bCeuiGOVFN9XQ7ch7fZa9KY7cpSk+XgLEg5n7Eye94/TrIP5+dtALY60bmdw0V5amDg9bJV3ohDqb4BKwR87VyOOvZ2X73vLVr2IjrZesHBGu0ux66GsBeZ827lXTb0a8Q6a5m+/huLTfyiE+dNSMQj4CRIPYKYW2O+3G/+eJpen7W+tqFm/La+Uk59cmMZ6P10pNP3NcvD9+9LT8oKWupfojSYLbPzg66w5TX9bKDbk6gX1PTk6ku3CjvYtZ1hpn0eK7z+C73fw6jxjwIbAoYC2In6vDwsPUvQRzfpqYXtv/V2fKVr7wu2djV3iJPHy7vfuY2gPH1U9Q160VFrBPA1ndnB91hyrqSVEFk1XH2tob1Q3t6ra9a6fFdvXNV0NTX2Sr33d69cXxXb4zQ0Zbfr64FefE8AmEEjAWxHb7OACaIw3SB2Xnevzojr4zctAJYdy26Jx29fPXQgHXyld43lSkbAvphqzxiLp+dHXSHqbCt3lPqLIfu+q5mRrth5ZgPgfACqQjikSveF5QI38zsz/nWx9Ny6uqsXPb5qsiDu7rlc3f0yN5SZ/YxaKHcnF+xtoUrE/PW77GAezIrmV6U5c7+DrlroCh3DnTI7v6icGyXjQmBcAKl/g4p9Ue7smAqgjgcQ/7m0jNY9drPevKV1whIz6z92gND8oV9/bKzvyN/QLR4Q+Bvf3DecxvR8P3rL+y0Rr13DER7E4EZAQTqEzASxPbuaLsq7t3UXo/XV+18L/32lWkrfP3ufHTg9m750/vLV7/iurv53lbs1uuJWt9/45rMLW5e0UoPTXzz2E556uAASAggEKOAsSCOsQ25WPXSypp14Y3fXpyyTqzxmvTKV/qmqkHMhIBbIOisacQQQCAeAYI4HvfQa9WL4792vjz69TqrdbCnzdr9rF8/4ubmoVmZEQEEEEiMAEGcmK6orMibl25Z4fsvH0551lBvuKAB/Mg9fPc3oV1ItRBAAIFQAgRxKKbmzDS9sCKvjkxaN174YNT7Ygp67PcrhwblHs5+bk6nsBYEEECgwQIEcYOBwxSvlxHU0a+egOV1KUO9Lu/Thwflyf0D0lPkhvJhTJkHAQQQSIsAQRxjT/3+gykrfE9e9v6e9L+6s1e+dnhIHrqrN8ZasmoEEEAAgUYKEMSN1PUoe2x6af2rR1OiJ2K5J70SoR771V3QfK+zyZ3D6hBAAIEYBAjiJqHr5Qd197P+zDq+y2mvXkNXA/jLBweE+7I2qVNYDQIIIJAAAYK4gZ2gF9N/XcP3wk3548fTnmvSOx49/cCQHNnd08CaUDQCCCCAQFIFCOI6e8brIgn37+peP/lqSj6dXNiyho62ghW++rO9t73OGrA4AggggECaBQjiOnrP67KBbS0Fq0SvOx/pnWx09zOXFKwDnUURQACBjAkQxHV06PM/vCA3bi0GlnBsb58VwAd3cunJQCxmQAABBHImQBDX0eHf+u4Z36W7O1rla4cHrd3P/V1tdayFRRFAAAEEsixgJIiPHz++xci+A5PzOeddmbKA6jci7utsk3/41oEsNJE2IIAAAgg0WMBYEHuFrIaw+5aIWQpjbi3X4K2T4hFAAIEcCBDEdXYyt5arE5DFEUAAgZwLGAtip6Nzt3SWR8Q533ZoPgIIIICAAQEjQeyuh71LOuu7pg34UwQCCCCAQM4FCOKcbwA0HwEEEEAgXgEjQew38jU1Ih654n13onjpWDsCCCCAAAJlgVJ/h5T6i5E4jASxrtnva0pZ/vpSJHEWQgABBBBAwCFgLIhRRQABBBBAAIHaBQji2s1YAgEEEEAAAWMCBLExSgpCAAEEEECgdgGCuHYzlkAAAQQQQMCYAEFsjJKCEEAAAQQQqF2AIK7djCUQQAABBBAwJkAQG6OkIAQQQAABBGoXIIhrN2MJBBBAAAEEjAkQxMYoKQgBBBBAAIHaBQji2s1YAgEEEEAAAWMCBLExSgpCAAEEEECgdgGCuHYzlkAAAQQQQMCYAEFsjJKCEEAAAQQQqF3AaBDbd1oaHh7eqAl3X6q9U1gCAQQQQCA/Ag0NYlP3I85Pd9BSBBBAAIG8CRgLYjt0neFLEOdtc6K9CCCAAAK1ChDEtYoxPwIIIIAAAgYFjASx3yiYEbHBnqIoBBBAAIFMChgLYreOnrBFEGdym6FRCCCAAAIGBYwEsbM+jThGPHLllsEmUxQCCCCAAAJmBUr9HVLqL0YqtKFBrDXi60uR+oWFEEAAAQRyImA8iHPiRjMRQAABBBAwIkAQG2GkEAQQQAABBKIJEMTR3FgKAQQQQAABIwIEsRFGCkEAAQQQQCCaAEEczY2lEEAAAQQQMCJAEBthpBAEEEAAAQSiCRDE0dxYCgEEEEAAASMCBLERRgpBAAEEEEAgmgBBHM2NpRBAAAEEEDAiQBAbYaQQBBBAAAEEogkQxNHcWAoBBBBAAAEjAgSxEUYKQQABBBBAIJoAQRzNjaUQQAABBBAwIkAQG2GkEAQQQAABBKIJGAtiv9sdchvEaB3DUggggAAC+RAwEsQatsPDwxti9v9+j+eDllYigAACCCAQLGAkiN2rIYiD4ZkDAQQQQAABFTAWxF67oBkRs5EhgAACCCBQXcBYEDtXw4iYzQ4BBBBAAIFwAqkI4pErt8K1hrkQQAABBBCIQaDU3yGl/mKkNRsJYk7WimTPQggggAACCDT2GLH68vUltjIEEEAAAQT8BYyMiAFGAAEEEEAAgWgCBHE0N5ZCAAEEEEDAiABBbISRQhBAAAEEEIgmQBBHc2MpBBBAAAEEjAgQxEYYKQQBBBBAAIFoAgRxNDeWQgABBBBAwIgAQWyEkUIQQAABBBCIJkAQR3NjKQQQQAABBIwIEMRGGCkEAQQQQACBaAIEcTQ3lkIAAQQQQMCIAEFshJFCEEAAAQQQiCZAEEdzYykEEEAAAQSMCBDERhgpBAEEEEAAgWgCxoLY7y5L3H0pWsewFAIIIIBAPgSMBDH3I87HxkIrEUAAAQTMCxgJYne17GD2C2jzzaBEBBBAAAEE0ilAEKez36g1AggggEBGBIwHsXMUzIg4I1sJzUAAAQQQaJiA0SAOCl7382FbNXLlVthZmQ8BBBBAAIGmC5T6O6TUX4y0XmNB7BWyQcEcqcYshAACCCCAQIYEjASx8ytKts3w8LD1J19fytDWQlMQQAABBIwLGAli47WiQAQQQAABBHIiQBDnpKNpJgIIIIBAMgUI4mT2C7VCAAEEEMiJAEGck46mmQgggAACyRQgiJPZL9QKAQQQQCAnAgRxTjqaZiKAAAIIJFOAIE5mv1ArBBBAAIGcCBDEOelomokAAgggkEwBgjiZ/UKtEEAAAQRyIkAQ56SjaSYCCCCAQDIFCOJk9gu1QgABBBDIiQBBnJOOppkIIIAAAskUIIiT2S/UCgEEEEAgJwLGgti+y5J91yXbj7sv5WRLopkIIIAAApEEjASxfd/hoPsPe92zOFKtWQgBBBBAAIGMCBgJYufo1zkiDgrmLBhevHhRTp8+LdPT09Lb2yuHDx+Wffv2ZaFptAEBBBBAoAkCBHEdyBrCJ0+elKWlpY1S2tvb5ejRo4RxHa4sigACCORJgCCuo7dPnDhhjYTdU0tLi/T19YmGsv50dHQE/u2cr44qsSgCCCCAQMoEUhHEI1duJZL1D6/9qCH1am1rl9bWNvH73RbwvC7HhAACCCDQPIFSf4eU+ouRVpiKII7UsiYs5DcibsKqA1fhHomnbWTOsffALmYGBDIrkLfXv5Egdn5Fyd4y7JO2svz1Jb9jxHrC1q5du6xjx86fxcXFLY/ZzzufW1tbS8QLLK4w59h7IrqfSiAQi0AeX/9GgjiW3krISk1/ctMQ1nD2Cm2/IPd6PM1h/vrrr8vs7OyWHtaz0p977rmE9DzVQKAsYPo9IO+ufnsas/z6J4gzuNXbYe4V6O7QrjZKT0qY212kJ7319PRIW1tbxY+O3Gt9TE+oY0KgXoE0j95WV1fF/bOysrLlMa/59LGw84adzy7T60O49tODDz5o/WRxIoiz2KsG2uQM86BArzZ6N1CVhhShQWyHd5Qgdwa/c/mGVNZQoYzcDEE6ivEbvekHxmeeecYKtVqDyC/4nI+bKNO8RmNLZETcWF9Kz7BA0Ajc+bz998zMjMzNzUnSRuRhuqlauOtzUULfxOg9zSM33Q5qDaGgoAp6PkyAahnz8/NhNgvmqVOgtbVVHnnkkcxen4ERcZ0bCIs3RsA5etPRxcGDB2X37t2yvLy85UdH7O7Hgx7TN9q0TCZG737H3dX261//eqiRm6nwChrxudeTxg9kadi2dLty/2jgeT1ez7xRyrx8+bKcPXtW9EN5Hq5YSBCn4RVDHY0LaBjY4R0U2tXm0+ecyxuvKAWmUsDeM6IBFiWIgsLQRJmphM1opQnijHYszYpHoJbQDvtBIE2j90aoFwqFilFamBAKmifo+TABapeho7f333+f6803ovNzUiZBnJOOTlszF956UeZe+Z6sTnwiLYO7pevJb0vx4b9MWzOM1NfE6N3vuLu927uW4Kk2WgsKuKDnveqhQcyEQJYFCOIs925K26YhPPvSC7K2sHkd70KxV7qffT63YWyiKzlr2oQiZTRDIG8fxAniZmxVrKMmgcm//wtrJOyedGQ88J3GXN+7pgqmdOa8vbmltJtyX+08fhAniHO/2RsEWF2RtcVZWVucW/89K6J/L+hjlY/rPGI95njcmm9OVq6d865UW1FaOntFWtul0Npu/ZbWto2/y4+1VTxvP7Y5//qybZvLbZbnLitC+QY5TRaVxzc3k37VysrdB5yVJVlbWpC15QUR6/e89b8sL1T81sfLz68/vj5vxWPWc/OOshZk5bNLIqvLufogThDX+WpN64twbXlxPQg3Q9MOUFkPxHJIegRrxWN2oM5ZL6jcTxsfEgyEul2WgQ8NU9/7tqxOXs3Vm1sztsXYP+CsrlpBGBRum8/PbwTmZnhWBqHnvI7QlZi++tf1lf8o+pPFiSCuo1eb9SLcCEjHSNM56twcXdqhuvm7POqsfNwapWoQMyHQ0lLeo1BoFdHLfp6HyQkAAArtSURBVK7/LhRaRFpaRdZ/V/5fnq+g82/M43jMUZY1T1BZLa3iXp8uU152s15Vy3KsJ3xZdtnldlSub/0xz7pv1uvmf/+G92GU/p2y7d/9j42ADAw3HS1GGWWuLOVmG87yoamGB3GW777keyxzYJds+5t/sALQKwj9HrcC0is4V7bupknkq0/f1Du6HT9dIhv/d5UfL+rz5b/Lz60/bs9XLC+zdPY3Mv/GD2R14lPrrOnOJ/5aig8+K2v6xqO7xtZ/y8qy67HliufL823Os7HsssdjW8qqXNYuy7n+LeUnsmOoFALmBAptHSJtRSm0F0XaOq3f5b/Lvwttm39vPK+P2c+t/7bms/92LL947lWZf+V/Wu+F9pT1kzUbGsQawvbtEBXU/b+5TSOeksb/7mg8KzaxVt3t6QzCqgG5HpzWPO7wdISqvpjyPm18SHB/QIgQ6nZZBj40rM1Py9rijEhCbrGZ983EWPt1JG+HYntnOQQrwm09KCuC0PGYMzzdQWmHo7vMljZj1fcrKK2H/KLCEMRR5UTEb0RcR5Gei1qfNt0jS0cgik9AVizjmsc60YkpVwJb3tz+5N9L8fN/Lmt6zG9tRaxjf+u/19ZWRVZXRNZ/V/5fns9abmMex2OOssplB5SlJ/m55tFl3PWqWpZjPeHLsttcrl/l+tYf86y7w2tlUdbce6wKBSl09kpL14BrFFgOwI2Ro2NEuTma7KwM0o0R5tZAtcridZyJ1zBBXEc3eh0jFilIodgjLT2D5fAsuna9drh217oD0mN3rXXsjgkBBBIpkLfRWyI7IeWVIojr7EBehHUCsjgCCCCQcwGCOOcbAM1HAAEEEIhXIPFBPDY2JvrDhAACCCCAQFIFSqWS6E+UqaFBrBXK8teXooCzDAIIIIAAAk6Bhgcx3AgggAACCCDgL0AQs3UggAACCCAQowBBHCM+q0YAAQQQQIAgZhtAAAEEEEAgRgGCOEZ8Vo0AAggggABBzDaAAAIIIIBAjAIEcYz4rBoBBBBAAAGCmG0AAQQQQACBGAUIYsdFR5y3bIyxTzYugpKU+kS1sC/mkpR2ZOHiMphG3RqrL5c0V61tEutUi36S6u987dttSMr7ktYn90HsvEdyEu6XbNchCXWp5UXnnjeprnY90+iLaT1bpP+ySXN1bqP6d5ICI2wPJM006a93gvj4cd8N3W8E5QxLrxdKteW8Po15zZ/0DSfoBVmt/nG6ZiWIvT74+G1b+kbuNzoxsa2m2dQeefqFXVzbato/kCft9Z/0DzS5D2K/F6J7Q3J/wnN2bJhPf0Hlud8I0h7ESXXNYmgEbVuN3Fb9girog1rSnvd6vcXtan+ASuOIOGmvf/eu6aSZEsTr7wheLzr3m4XdebW8QP3e+IPCOwtB7PVidL8g/ELCvWy1EZ3zRRXkGjQCSlpAeNUnadtq2j/cVHuNxvEeEGYbTsN2mtTXfxLfAwhixxYd9gVQLYidL+paQiaLI2KvN7igXVZ+oYpr5VtvkrbVrASx14e/arusG7WtVvuwmpYAdtaTbTW413IfxH4bSb2BEfSiDto40z4iTqIrpuUzcb3Cpdr2GLYv0+obtn1+4VJthBXFtdp6gt/SkzFH0kzDDJ7ilMt9ENsvIufo1T36sv+vZdd0UHnVdqf67Q6Lc0OJsu5qu5Od5eEaXjdJps7Xjtf2Hr5V8c+ZNNcs7GVImqlzTwPHiON/zVEDBBBAAAEEEiPAiDgxXUFFEEAAAQTyKEAQ57HXaTMCCCCAQGIECOLEdAUVQQABBBDIowBBnMdep80IIIAAAokRIIgT0xVUBAEEEEAgjwIEcR57nTYjgAACCCRGgCBOTFdQEQQQQACBPAoQxHnsddqMAAIIIJAYAYI4MV1BRRBAAAEE8ihAEOex12kzAggggEBiBAjixHQFFUEAAQQQyKMAQZzHXqfNCCCAAAKJESCIE9MVVAQBBBBAII8CBHEee502I4AAAggkRoAgTkxXUBEEEEAAgTwKEMR57HXajAACCCCQGAGCODFdQUWCBI4fP27NMjw8LPq3/mZCoNkCed0O89ruZmxfBHEzlGNeh/0CskOskdVpZEDaZTvfEBrZlkaX7WfVSMMobUpafaK0weQySdgOna/pZryudR1JaLfJfkxSWQRxknqjAXVxv4nyptoA5IhFNjOIa+n3WuaN2HQWq1PA2Uf0V52YCVicIE5AJzir8PK5STnxzqjcuLUoO7Z1yHMPbZenDg5EqmWYF6jfaNn9uNenYa+RqV/w+83rbJh7V7NXHWqZPxJaiIUW3npR5l75nqxOfCItg7ul68lvS/Hhvwyx5NZZqn1QqrYnw29E5LWM17xhlndbB/WtPX8zDxlcvHhRTp8+LdPT09Lb2yuHDx+Wffv2ReoLe9Tn1W5n24JGo2H7zc+p2vLuOnodpqnlNV3L66medkfukJwsSBAnqKM1hL//xjWZW1zdqFVXR4t889jOSGEcFMRBIeB8o3AHqd8ncq8ytTF2WdXqVOun/GrzB7U9ardrCM++9IKsLUxvFFEo9kr3s89HCuNq4eb29zIMaxDkEaacatuL0zNoXVHt3ctpCJ88eVKWlpY2nmpvb5ejR49GCuOw27S7HmHs7AAN+pASxdjU+tPw+jO17SStHII4QT3y/A8vWCNh96Qj4xe+cV/NNXW/sNwjFvcn3GqBGTa0g95I/ILaq25eb1rVRnJ+wVUzXJUFJv/+L6yRsHvSkfHAd34UaVW2iV9/VbOJsoxdXhRLr7q6R2nO7SgSSMiFTpw4YY2E3ZOOjJ977rmQpWzOVksQR7ULsqn2mvT7sFNPEIdtRz3bTM0dkcMFCOIGd/r/ev2q/PL9iQavZbP4P7t/UP7tE7usB7xGJmE/9dYSqGHfCNx1ChvuzjeBMKNEv7ZX64SZf/ovsvAv/6cp/VR87N9Iz5//p411+QVxtdGT/QYa9sNH1P7067Na+rwW1DfffFPOnz9fyyJ1zbt//3559NFHK/rCHZam7Nxh5vdBM2jUXO11VMtrqpZ5vV5TjdoG6urQlC5MEDe447713TMNXsPW4v/3f3hgy5u8V5h5BXWY0Iv6RpDkIB7/u6NN7aeh/3yyYn1Bb/bOmf36rRH9GfQGHOb5WmDDhFAt5YWZ1/5QE9a1lgALW6bf686v/mFH77WEZdCHdBPtDtMfeZyHIG5wr8c5InZ/And/0rffRJ0Efsdyw74IgwLF63mv9bvr5qxXLfOH7d44R8ReYVatb/xswi4TZOncXel3MlC1E+u8trOw/ZCUEbGzDX57lmrdDt2u1ULWr2yvwK72mgraY+Ksk7vfvOpb6/xh+z3v8xHECdsCTJ41nbCmRapOtVFepAINLGTyrOko1Qn6sBOlzLQuY/KsaVy3bgVJfP2ldVutVm+COIu9mpE22Z++49hdmWTCaqOSJNc76XXDtbKHeP01b4sliJtnzZoQQAABBBDYIkAQs1EggAACCCAQowBBHCM+q0YAAQQQQIAgZhtAAAEEEEAgRgGCOEZ8Vo0AAggggABBzDaAAAIIIIBAjAIEcYz4rBoBBBBAAAGCmG0AAQQQQACBGAUI4hjxWTUCCCCAAAIEMdsAAggggAACMQoQxDHis2oEEEAAAQQIYrYBBBBAAAEEYhQgiGPEZ9UIIIAAAggQxGwDCCCAAAIIxChAEMeIz6oRQAABBBDYCOKRkZF/XltbewoSBBBAAAEEEGieQKFQePn/AzysEmJ3HkxXAAAAAElFTkSuQmCC"/>
+          <p:cNvSpPr>
+            <a:spLocks noChangeAspect="1" noChangeArrowheads="1"/>
+          </p:cNvSpPr>
+          <p:nvPr/>
+        </p:nvSpPr>
+        <p:spPr bwMode="auto">
+          <a:xfrm>
+            <a:off x="0" y="0"/>
+            <a:ext cx="304800" cy="304800"/>
+          </a:xfrm>
+          <a:prstGeom prst="rect">
+            <a:avLst/>
+          </a:prstGeom>
+          <a:noFill/>
+          <a:extLst>
+            <a:ext uri="{909E8E84-426E-40DD-AFC4-6F175D3DCCD1}">
+              <a14:hiddenFill xmlns:a14="http://schemas.microsoft.com/office/drawing/2010/main">
+                <a:solidFill>
+                  <a:srgbClr val="FFFFFF"/>
+                </a:solidFill>
+              </a14:hiddenFill>
+            </a:ext>
+          </a:extLst>
+        </p:spPr>
+        <p:txBody>
+          <a:bodyPr vert="horz" wrap="square" lIns="91440" tIns="45720" rIns="91440" bIns="45720" numCol="1" anchor="t" anchorCtr="0" compatLnSpc="1">
+            <a:prstTxWarp prst="textNoShape">
+              <a:avLst/>
+            </a:prstTxWarp>
+          </a:bodyPr>
+          <a:lstStyle/>
+          <a:p>
+            <a:endParaRPr lang="pt-BR"/>
+          </a:p>
+        </p:txBody>
+      </p:sp>
       <p:sp>
         <p:nvSpPr>
           <p:cNvPr id="3" name="AutoShape 2" descr="data:image/png;base64,iVBORw0KGgoAAAANSUhEUgAAAeIAAAEiCAYAAAAlAdEXAAAgAElEQVR4Xu3daYwc553f8X/P1XNxrqYoUpQoiRQPiVQsUwdlyyvL3pUlA7vCIovAAO3FJnGAvF3rXd7si7xJkBfaV1kggB3kRTywESCr0GtbPlfWYVsri5IlkiKHpERSBw/NxeHcZ/Cvnpqprqnqqq5+uuv6FjCYme6qp57n81T3r5+q6qqCMCGAAAIIIIBAbAIFXfNHH320Njs7G1slWDECCCCAAAJ5FCgUCi9bQXzu3Lm1AwcO5NGANiOAAAIIIBCbwMjIiBDEsfGzYgQQQACBvAsQxHnfAmg/AggggECsAgRxrPysHAEEEEAg7wIEcd63ANqPAAIIIBCrAEEcKz8rRwABBBDIuwBBnPctgPYjgAACCMQqQBDHys/KEUAAAQTyLlBzEB8/ftwyGx4errCzH3c/5/d43uFpPwIIIIAAAipQUxBrqGoA279tQr//g+ajCxBAAAEEEMi7QE1BHBS87ucJ4rxvXrQfAQQQQCBIgCAOEuJ5BBBAAAEEGihAEDcQl6IRQAABBBAIEiCIg4R4HgEEEEAAgQYKJD6I5xZW5KPr3J6xgdsARSOAAAII1ClQ6u+QUn8xUik1BbHzq0j22uyvMfH1pUj+LIQAAgggkHOBmoI451Y0HwEEEEAAAeMCBLFxUgpEAAEEEEAgvABBHN6KORFAAAEEEDAuQBAbJ6VABBBAAAEEwgsQxOGtmBMBBBBAAAHjAgSxcVIKRAABBBBAILwAQRzeijkRQAABBBAwLkAQGyelQAQQQAABBMILEMThrZgTAQQQQAAB4wIEsXFSCkQAAQQQQCC8AEEc3oo5EUAAAQQQMC5AEBsnpUAEEEAAgXoEXj43KSfeGZUbtxZlx7YOee6h7fLUwYF6ikz0sgRxoruHyiGAAAL5EtAQ/v4b12RucXWj4V0dLfLNYzszG8bGgpi7L+XrxUJrEUAAgUYIPP/DC9ZI2D3pyPiFb9zXiFXGXqaRINYQtm+HqC2y//d7PPZWUwEEEEAAgUQKfOu7Zzzr9a+P3ib6k8WJIM5ir9ImBBBAIKUCf/uD8zI6vcSIuNb+Y0RcqxjzI4AAAgi4BX59dkL+78nPZHJ2ueKp9taC/M0Xd3GMOGiTcR4j1nl1VzW7poPUeB4BBBBA4K3Lt+SlU+Py/tWZLRiD3W3yVw/vyGwIa4ON7Jp2y3GMmBcWAggggECQwIUbc/LSqTH5/QdTFbMeuL1bnj0yJI/d2xdURCaeNx7EzlGwqRHxyJVbmcCmEQgggAACIpNzy/LG5Wl5w/XePtTdJsf2bJNH9/SmjqnU3yGl/mKkehsJYr+vLmmNqj0XqcYshAACCCCQSoHF5VV56fS4tRt6am7zOHBne4s1An7mcEm2dbamsm31VNpIENdTAZZFAAEEEMi+wG9GJuVnp8blyvh8RWO/cmhQnjk8JHcORhtNZkGOIM5CL9IGBBBAIKEC73w0LT87NSbvfVJ5ItbRPdusUfADd/QktObNqxZB3Dxr1oQAAgjkRuDD0XkrgF+7cLOizftu67IC+Av7+nNjEdRQgjhIiOcRQAABBEILjM8sWbugf/zeWMUy23vby8eBj5SkELq0fMxIEOejn2klAggg0FCBldU1+dnpcfnJe2MVF+TQi3E8e6RkHQce6G5raB3SWjhBnNaeo94IIIBAQgRev3BTfnpqTC6NVp6I9eSBASuA7y51JqSmyawGQZzMfqFWCCCAQOIFTn0yY12QQ0/Ick6fu6tXnj08JA/emb7vA8eBThDHoc46EUAAgRQLfDQ+b30XWL+S5Jzu2d4pzx4uyZf2cyJWLd1LENeixbwIIIBAjgX0Ihx6QY4f/XFU1tY2IfR60NZx4CND0tbCqVi1biIEca1izI8AAgjkUEBPxPqnd0dlYmbzilgtBT0RS8+EHpJST3sOVcw0mSA240gpCCCAQCYF9IYMeib0B5/NVbTvifv6rQDeu70rk+1uZqMI4mZqsy4EEEAgJQJ6S8KfnhqXk5crb7pzZHePdRz4oRTemCGp9ARxUnuGeiGAAAIxCHw6uWCdiPXrsxMVa79rqGgF8JcPDsRQq2yvkiDOdv/SOgQQQCCUwMzCinUi1ol3RkUvzmFPfV1t1leRdDd0sa0lVFnMVJuAsSD2u90ht0GsrUOYGwEEEGi2wC/fn7DOhB6bXqpYtV6MQwN4x7aOZlcpV+szEsQatsPDwxtw9v9+j+dKmMYigAACCRV489It60zoizcqT8R6fG+fdU3o/Ts4EasZXUcQN0OZdSCAAAIJEhi5PmudCf2HS5UnYt2/q8f6OtLDd29LUG2zXxUjQaxMXrugGRFnfwOihQggkB6B61OL1jWhf3mm8kSsOwaKVgB/9dBgehqToZoaCWJ2TWdoi6ApCCCQOYH5pVXrRKwX3/5Mllc2T8TqKbaun4hVku4OTsSKq+NTEcQjVyp3n8SFxXoRQACBtAm8/cmMvPrBlEzObV4RS9vwyF29cuzubVLi1oRGurTU3yGl/mKkslIRxJFaxkIIIIBAjgXevnJLTvxxVM5frzwR69F79ESsITm0szvHOslqupEg9jtGXO3xZDFQGwQQQCAbAnopyh+9OyZvfjhV0aADt3dbx4Efu7cvGw3NUCuMBXGGTGgKAgggkDoB/Q7wj98bk5+fHq+o++19HVYAP/3AUOralJcKE8R56WnaiQACmRTQk69+cmpMXnx7VBaXVzfa2NneUr4z0uGSbOtszWTbs9IogjgrPUk7EEAgdwKvnp+Uf3x7VG5MLVa0/SuHBkWvinXnYLSTh3IHGXODCeKYO4DVI4AAArUKvPvxtPy/d0bl3LXZikWP7tlmjYIfuKOn1iKZP0YBgjhGfFaNAAII1CJweWzeOhP6jQ8qT8Tad1uXFcBf2NdfS3HMmxABgjghHUE1EEAAAT+Bydll+dG7o/KzU5UnYm3vbS8fBz5SkgJ8qRUgiFPbdVQcAQSyLrC2JvLj90atE7H06lj21N5akGePlKzjwANckCP1mwFBnPoupAEIIJBFgdcu3LQuSXntZuWJWE8eGLAC+O5SZxabncs2EcS57HYajQACSRU4/emM/OPbn8nZq5UnYn3url7rutAP3tmb1KpTr4gCBHFEOBZDAAEETAp8PLFgnQn9u4s3K4q9Z3unPHu4JF/az4lYJr2TVBZBnKTeoC4IIJA7gVvzK9aZ0D99b6yi7YPdbeXjwEeGpK2FU7GyvGEQxFnuXdqGAAKJFvjJe2PWbui5xc0TsVoKeiKWngk9JKWe9kTXn8qZESCIzThSCgIIIBBa4LcX9USsUfl0cqFimSfu67cCeO/2rtBlMWP6BYwE8fHjx7dIDA8PW485n7MfSz8bLUAAAQRqFzhzdcYK4DOfzlQsfGR3j3Uc+KE9nIhVu2r6lzASxG4GDV8NXfu3/bz7//Tz0QIEEEAgWODqzQXrmtC/vVB5ItZdQ0UrgL98cCC4EObIrIDxIHaGLUGc2e2m4Q17+dyknHhnVG7cWpQd2zrkuYe2y1O8WTXcnRWYFdBjvy++85n8+N3KE7H6utqsryLpbuhiW4vZlVJa6gQI4tR1WfYrrCH8/TeuVZzA0tXRIt88tpMwzn73Z6aFP12/NeHMwkpFm/RiHBrA+gGTCQEVMBrEQSNgdk2z0YUReP6HF6yRsHvq72qT//pX+7i3ahhE5mmagHvvjR7vPXd9Vj6ZqDwR6/G9fdY1offv4ESspnVOSlaUiiAeuXIrJZxUsx6BWwsr8uaVaXntw8o7y7jLvK2nXfYMFeXuwfLPtiI3Pa/HnWWjC7z9yYz8/NykLCxvfv3IXdo9Q0V5bM82OUQAR4dOwZKl/g4p9Ue7/7OxIPYa7QaNkFNgSxWbIKBnkP7izIS8eal6APtV5fa+Drl/V7cc2tkjh3Z1i96RhgmBRgt8ODov/+2ly6IX5PCa7hgoWt8H/uqhwUZXhfJTLtDQIFYbvr6U8i2kgdX/1fsT8vMz41t24Xmtsq21YB1T09vBzS56v/HZy2kQayBrMGtAa1AzIVCPwNT8sly8MS8XP5uzfj64MSczVbZD3e6+8/Qe6e7gRKx63POyrLEgzgsY7axP4NrUovzi9Lj8+uyELK2sbSls92BRHr+3TwoFkVdGbm45a/rG1KJ8ODYvl0b1Z04ujc37jkjswvVSgYd29cihnd1WQO8eiLb7qL6Ws3SaBD4a19Cdl4s3ysF7ZXy+purrh8YXvnFfTcswc34FCOL89n1TW/72lVvW7ud3P572XO9Dd/XKsb19cmxvv3S0hr+u7uj0khXKH66Hsv59c265atu2dbbK/Y5g3jPE7eSaujEkbGW6h8Ua6doj3huzMuWzu9lZdb0PcF9nm+h3hJ0fKjnDP2EdnILqEMQp6KS0VlHfnHTX86/OTHieBd1bbJXH9/XJ4/f2WyNVE9PE7LJ8+Fl5pKzH8C6NzcnETPVg7u5oXd+V3W3tyr6Xywua6IrElqGXlSzvYi6PePVDXJhJ74Kk28a91u/y3zrxnfcwesxTTYAgZvswLnB5bF5+cWZcfjMyKWtb9z5bb2D6VQ4dATf6xKrphRW5cGOuvCt7rPxbR9HVJr3AQvkYs+7K7uHrJsa3kOYVuLi8uj7aLQfv+Ruz1nkGQZNecGNvRfB2yWBPW9BiPI9AJAGCOBIbC3kJ/P6DKfn56XEZuV55Q3N73sfuLYfvsXv7YgPUr5mMXJt1HGee9xytOyvY2lJYPyu7HMwa0EzJFNDvn9vHdfUDmP6Eme4ubY5y7dGunqfAhEAzBAjiZihneB361Q0d/eruufGZrSNNPY72xX391gh4723Ju5DB6tqanL06a+3Gto8zX7u59WIi7i60R8v6W3dna1gzNVdgZXVt4yxmDd/zN+ZkLGBvh9awp9gq9+2wdzGXfw9xu8Hmdh5rqxAgiNkgIgnoqFdPvvrdxcqL2NuFaUCVT77qs05oSdN0/vpseXf2+nFm963qvNqiV0tynpnN9YPN97h+0CufVFUO3fPX50Q/SAVNdw4WZZ8VvJvHd/Wev0wIJEWAIE5KT6SkHr85N2l99UjfEL2mL+3vl2P39svnM3Q7Nz2urJcstI8zfzReeelCLwd90y9fZKT8lSk9IYypNoEP1r+zqx+KNHj1q2tBU2d7i+zf0S17b9s8sarEBV6C2Hg+ZgGCOOYOSMPq9eQm3f386vmbMuXx1SA94epP9g9Yo18dfWR9+nhiQc7qcWb9ytTovOjJaUGTfkXKPgFMvzqlX6Fi2hTQr5xVjnZnPb9n7jbb1d8h+2/XM903g5fDBGxZaRMgiNPWY02s73sfT8sv35+Qty57X+v7wd291teP9OQrHYnkdbo+tWgFc/mrMOWzs4P2mOpFRZxnZutFR/I06QUyNncxz8rVEMfl21sLVug6j+82+qz7PPUJbY1PgCCOzz6Ra9YA0e/+vjIy6TvS02vn6slXD9zRk8g2xF0pPZapwaxnZ9vHmfXEompTlq+XrbcB1NGutYv5uu5mnpX5Jf+bJNhOO/o6rK+OOY/vtnFSXNybN+tvgABB3ADUNBb5yeSCtfv5dxenxH3/VG2P7gJ88kB59zP3Ua2th/XM8rPXZjbOztYR8+Jy9WBO8/WydVtyjnZ1V37QpCdP7b+9ywpePbtej7Hfto2bdwS58Xw2BAjibPRj5Fb84dItefnchLzzkfelJz+/Z5t8Ua9+tbffuv4zU/0Cc0urcu7arJy9OiMX9Cpgo/OBI8SkXi9bv5dtf19XzzbXk6q8Psi51fQEKg1d5/Fd3fXMhEAeBYwGsdedlrj7UvI2Kw0CvfHCby/eFK/Rit7p6M/uH7J2P+vxOKbGCiyvlr/LrOGsXwvT48xBd5iK63rZejxcw/bCeuiGOVFN9XQ7ch7fZa9KY7cpSk+XgLEg5n7Eye94/TrIP5+dtALY60bmdw0V5amDg9bJV3ohDqb4BKwR87VyOOvZ2X73vLVr2IjrZesHBGu0ux66GsBeZ827lXTb0a8Q6a5m+/huLTfyiE+dNSMQj4CRIPYKYW2O+3G/+eJpen7W+tqFm/La+Uk59cmMZ6P10pNP3NcvD9+9LT8oKWupfojSYLbPzg66w5TX9bKDbk6gX1PTk6ku3CjvYtZ1hpn0eK7z+C73fw6jxjwIbAoYC2In6vDwsPUvQRzfpqYXtv/V2fKVr7wu2djV3iJPHy7vfuY2gPH1U9Q160VFrBPA1ndnB91hyrqSVEFk1XH2tob1Q3t6ra9a6fFdvXNV0NTX2Sr33d69cXxXb4zQ0Zbfr64FefE8AmEEjAWxHb7OACaIw3SB2Xnevzojr4zctAJYdy26Jx29fPXQgHXyld43lSkbAvphqzxiLp+dHXSHqbCt3lPqLIfu+q5mRrth5ZgPgfACqQjikSveF5QI38zsz/nWx9Ny6uqsXPb5qsiDu7rlc3f0yN5SZ/YxaKHcnF+xtoUrE/PW77GAezIrmV6U5c7+DrlroCh3DnTI7v6icGyXjQmBcAKl/g4p9Ue7smAqgjgcQ/7m0jNY9drPevKV1whIz6z92gND8oV9/bKzvyN/QLR4Q+Bvf3DecxvR8P3rL+y0Rr13DER7E4EZAQTqEzASxPbuaLsq7t3UXo/XV+18L/32lWkrfP3ufHTg9m750/vLV7/iurv53lbs1uuJWt9/45rMLW5e0UoPTXzz2E556uAASAggEKOAsSCOsQ25WPXSypp14Y3fXpyyTqzxmvTKV/qmqkHMhIBbIOisacQQQCAeAYI4HvfQa9WL4792vjz69TqrdbCnzdr9rF8/4ubmoVmZEQEEEEiMAEGcmK6orMibl25Z4fsvH0551lBvuKAB/Mg9fPc3oV1ItRBAAIFQAgRxKKbmzDS9sCKvjkxaN174YNT7Ygp67PcrhwblHs5+bk6nsBYEEECgwQIEcYOBwxSvlxHU0a+egOV1KUO9Lu/Thwflyf0D0lPkhvJhTJkHAQQQSIsAQRxjT/3+gykrfE9e9v6e9L+6s1e+dnhIHrqrN8ZasmoEEEAAgUYKEMSN1PUoe2x6af2rR1OiJ2K5J70SoR771V3QfK+zyZ3D6hBAAIEYBAjiJqHr5Qd197P+zDq+y2mvXkNXA/jLBweE+7I2qVNYDQIIIJAAAYK4gZ2gF9N/XcP3wk3548fTnmvSOx49/cCQHNnd08CaUDQCCCCAQFIFCOI6e8brIgn37+peP/lqSj6dXNiyho62ghW++rO9t73OGrA4AggggECaBQjiOnrP67KBbS0Fq0SvOx/pnWx09zOXFKwDnUURQACBjAkQxHV06PM/vCA3bi0GlnBsb58VwAd3cunJQCxmQAABBHImQBDX0eHf+u4Z36W7O1rla4cHrd3P/V1tdayFRRFAAAEEsixgJIiPHz++xci+A5PzOeddmbKA6jci7utsk3/41oEsNJE2IIAAAgg0WMBYEHuFrIaw+5aIWQpjbi3X4K2T4hFAAIEcCBDEdXYyt5arE5DFEUAAgZwLGAtip6Nzt3SWR8Q533ZoPgIIIICAAQEjQeyuh71LOuu7pg34UwQCCCCAQM4FCOKcbwA0HwEEEEAgXgEjQew38jU1Ih654n13onjpWDsCCCCAAAJlgVJ/h5T6i5E4jASxrtnva0pZ/vpSJHEWQgABBBBAwCFgLIhRRQABBBBAAIHaBQji2s1YAgEEEEAAAWMCBLExSgpCAAEEEECgdgGCuHYzlkAAAQQQQMCYAEFsjJKCEEAAAQQQqF2AIK7djCUQQAABBBAwJkAQG6OkIAQQQAABBGoXIIhrN2MJBBBAAAEEjAkQxMYoKQgBBBBAAIHaBQji2s1YAgEEEEAAAWMCBLExSgpCAAEEEECgdgGCuHYzlkAAAQQQQMCYAEFsjJKCEEAAAQQQqF3AaBDbd1oaHh7eqAl3X6q9U1gCAQQQQCA/Ag0NYlP3I85Pd9BSBBBAAIG8CRgLYjt0neFLEOdtc6K9CCCAAAK1ChDEtYoxPwIIIIAAAgYFjASx3yiYEbHBnqIoBBBAAIFMChgLYreOnrBFEGdym6FRCCCAAAIGBYwEsbM+jThGPHLllsEmUxQCCCCAAAJmBUr9HVLqL0YqtKFBrDXi60uR+oWFEEAAAQRyImA8iHPiRjMRQAABBBAwIkAQG2GkEAQQQAABBKIJEMTR3FgKAQQQQAABIwIEsRFGCkEAAQQQQCCaAEEczY2lEEAAAQQQMCJAEBthpBAEEEAAAQSiCRDE0dxYCgEEEEAAASMCBLERRgpBAAEEEEAgmgBBHM2NpRBAAAEEEDAiQBAbYaQQBBBAAAEEogkQxNHcWAoBBBBAAAEjAgSxEUYKQQABBBBAIJoAQRzNjaUQQAABBBAwIkAQG2GkEAQQQAABBKIJGAtiv9sdchvEaB3DUggggAAC+RAwEsQatsPDwxti9v9+j+eDllYigAACCCAQLGAkiN2rIYiD4ZkDAQQQQAABFTAWxF67oBkRs5EhgAACCCBQXcBYEDtXw4iYzQ4BBBBAAIFwAqkI4pErt8K1hrkQQAABBBCIQaDU3yGl/mKkNRsJYk7WimTPQggggAACCDT2GLH68vUltjIEEEAAAQT8BYyMiAFGAAEEEEAAgWgCBHE0N5ZCAAEEEEDAiABBbISRQhBAAAEEEIgmQBBHc2MpBBBAAAEEjAgQxEYYKQQBBBBAAIFoAgRxNDeWQgABBBBAwIgAQWyEkUIQQAABBBCIJkAQR3NjKQQQQAABBIwIEMRGGCkEAQQQQACBaAIEcTQ3lkIAAQQQQMCIAEFshJFCEEAAAQQQiCZAEEdzYykEEEAAAQSMCBDERhgpBAEEEEAAgWgCxoLY7y5L3H0pWsewFAIIIIBAPgSMBDH3I87HxkIrEUAAAQTMCxgJYne17GD2C2jzzaBEBBBAAAEE0ilAEKez36g1AggggEBGBIwHsXMUzIg4I1sJzUAAAQQQaJiA0SAOCl7382FbNXLlVthZmQ8BBBBAAIGmC5T6O6TUX4y0XmNB7BWyQcEcqcYshAACCCCAQIYEjASx8ytKts3w8LD1J19fytDWQlMQQAABBIwLGAli47WiQAQQQAABBHIiQBDnpKNpJgIIIIBAMgUI4mT2C7VCAAEEEMiJAEGck46mmQgggAACyRQgiJPZL9QKAQQQQCAnAgRxTjqaZiKAAAIIJFOAIE5mv1ArBBBAAIGcCBDEOelomokAAgggkEwBgjiZ/UKtEEAAAQRyIkAQ56SjaSYCCCCAQDIFCOJk9gu1QgABBBDIiQBBnJOOppkIIIAAAskUIIiT2S/UCgEEEEAgJwLGgti+y5J91yXbj7sv5WRLopkIIIAAApEEjASxfd/hoPsPe92zOFKtWQgBBBBAAIGMCBgJYufo1zkiDgrmLBhevHhRTp8+LdPT09Lb2yuHDx+Wffv2ZaFptAEBBBBAoAkCBHEdyBrCJ0+elKWlpY1S2tvb5ejRo4RxHa4sigACCORJgCCuo7dPnDhhjYTdU0tLi/T19YmGsv50dHQE/u2cr44qsSgCCCCAQMoEUhHEI1duJZL1D6/9qCH1am1rl9bWNvH73RbwvC7HhAACCCDQPIFSf4eU+ouRVpiKII7UsiYs5DcibsKqA1fhHomnbWTOsffALmYGBDIrkLfXv5Egdn5Fyd4y7JO2svz1Jb9jxHrC1q5du6xjx86fxcXFLY/ZzzufW1tbS8QLLK4w59h7IrqfSiAQi0AeX/9GgjiW3krISk1/ctMQ1nD2Cm2/IPd6PM1h/vrrr8vs7OyWHtaz0p977rmE9DzVQKAsYPo9IO+ufnsas/z6J4gzuNXbYe4V6O7QrjZKT0qY212kJ7319PRIW1tbxY+O3Gt9TE+oY0KgXoE0j95WV1fF/bOysrLlMa/59LGw84adzy7T60O49tODDz5o/WRxIoiz2KsG2uQM86BArzZ6N1CVhhShQWyHd5Qgdwa/c/mGVNZQoYzcDEE6ivEbvekHxmeeecYKtVqDyC/4nI+bKNO8RmNLZETcWF9Kz7BA0Ajc+bz998zMjMzNzUnSRuRhuqlauOtzUULfxOg9zSM33Q5qDaGgoAp6PkyAahnz8/NhNgvmqVOgtbVVHnnkkcxen4ERcZ0bCIs3RsA5etPRxcGDB2X37t2yvLy85UdH7O7Hgx7TN9q0TCZG737H3dX261//eqiRm6nwChrxudeTxg9kadi2dLty/2jgeT1ez7xRyrx8+bKcPXtW9EN5Hq5YSBCn4RVDHY0LaBjY4R0U2tXm0+ecyxuvKAWmUsDeM6IBFiWIgsLQRJmphM1opQnijHYszYpHoJbQDvtBIE2j90aoFwqFilFamBAKmifo+TABapeho7f333+f6803ovNzUiZBnJOOTlszF956UeZe+Z6sTnwiLYO7pevJb0vx4b9MWzOM1NfE6N3vuLu927uW4Kk2WgsKuKDnveqhQcyEQJYFCOIs925K26YhPPvSC7K2sHkd70KxV7qffT63YWyiKzlr2oQiZTRDIG8fxAniZmxVrKMmgcm//wtrJOyedGQ88J3GXN+7pgqmdOa8vbmltJtyX+08fhAniHO/2RsEWF2RtcVZWVucW/89K6J/L+hjlY/rPGI95njcmm9OVq6d865UW1FaOntFWtul0Npu/ZbWto2/y4+1VTxvP7Y5//qybZvLbZbnLitC+QY5TRaVxzc3k37VysrdB5yVJVlbWpC15QUR6/e89b8sL1T81sfLz68/vj5vxWPWc/OOshZk5bNLIqvLufogThDX+WpN64twbXlxPQg3Q9MOUFkPxHJIegRrxWN2oM5ZL6jcTxsfEgyEul2WgQ8NU9/7tqxOXs3Vm1sztsXYP+CsrlpBGBRum8/PbwTmZnhWBqHnvI7QlZi++tf1lf8o+pPFiSCuo1eb9SLcCEjHSNM56twcXdqhuvm7POqsfNwapWoQMyHQ0lLeo1BoFdHLfp6HyQkAAArtSURBVK7/LhRaRFpaRdZ/V/5fnq+g82/M43jMUZY1T1BZLa3iXp8uU152s15Vy3KsJ3xZdtnldlSub/0xz7pv1uvmf/+G92GU/p2y7d/9j42ADAw3HS1GGWWuLOVmG87yoamGB3GW777keyxzYJds+5t/sALQKwj9HrcC0is4V7bupknkq0/f1Du6HT9dIhv/d5UfL+rz5b/Lz60/bs9XLC+zdPY3Mv/GD2R14lPrrOnOJ/5aig8+K2v6xqO7xtZ/y8qy67HliufL823Os7HsssdjW8qqXNYuy7n+LeUnsmOoFALmBAptHSJtRSm0F0XaOq3f5b/Lvwttm39vPK+P2c+t/7bms/92LL947lWZf+V/Wu+F9pT1kzUbGsQawvbtEBXU/b+5TSOeksb/7mg8KzaxVt3t6QzCqgG5HpzWPO7wdISqvpjyPm18SHB/QIgQ6nZZBj40rM1Py9rijEhCbrGZ983EWPt1JG+HYntnOQQrwm09KCuC0PGYMzzdQWmHo7vMljZj1fcrKK2H/KLCEMRR5UTEb0RcR5Gei1qfNt0jS0cgik9AVizjmsc60YkpVwJb3tz+5N9L8fN/Lmt6zG9tRaxjf+u/19ZWRVZXRNZ/V/5fns9abmMex2OOssplB5SlJ/m55tFl3PWqWpZjPeHLsttcrl/l+tYf86y7w2tlUdbce6wKBSl09kpL14BrFFgOwI2Ro2NEuTma7KwM0o0R5tZAtcridZyJ1zBBXEc3eh0jFilIodgjLT2D5fAsuna9drh217oD0mN3rXXsjgkBBBIpkLfRWyI7IeWVIojr7EBehHUCsjgCCCCQcwGCOOcbAM1HAAEEEIhXIPFBPDY2JvrDhAACCCCAQFIFSqWS6E+UqaFBrBXK8teXooCzDAIIIIAAAk6Bhgcx3AgggAACCCDgL0AQs3UggAACCCAQowBBHCM+q0YAAQQQQIAgZhtAAAEEEEAgRgGCOEZ8Vo0AAggggABBzDaAAAIIIIBAjAIEcYz4rBoBBBBAAAGCmG0AAQQQQACBGAUIYsdFR5y3bIyxTzYugpKU+kS1sC/mkpR2ZOHiMphG3RqrL5c0V61tEutUi36S6u987dttSMr7ktYn90HsvEdyEu6XbNchCXWp5UXnnjeprnY90+iLaT1bpP+ySXN1bqP6d5ICI2wPJM006a93gvj4cd8N3W8E5QxLrxdKteW8Po15zZ/0DSfoBVmt/nG6ZiWIvT74+G1b+kbuNzoxsa2m2dQeefqFXVzbato/kCft9Z/0DzS5D2K/F6J7Q3J/wnN2bJhPf0Hlud8I0h7ESXXNYmgEbVuN3Fb9girog1rSnvd6vcXtan+ASuOIOGmvf/eu6aSZEsTr7wheLzr3m4XdebW8QP3e+IPCOwtB7PVidL8g/ELCvWy1EZ3zRRXkGjQCSlpAeNUnadtq2j/cVHuNxvEeEGYbTsN2mtTXfxLfAwhixxYd9gVQLYidL+paQiaLI2KvN7igXVZ+oYpr5VtvkrbVrASx14e/arusG7WtVvuwmpYAdtaTbTW413IfxH4bSb2BEfSiDto40z4iTqIrpuUzcb3Cpdr2GLYv0+obtn1+4VJthBXFtdp6gt/SkzFH0kzDDJ7ilMt9ENsvIufo1T36sv+vZdd0UHnVdqf67Q6Lc0OJsu5qu5Od5eEaXjdJps7Xjtf2Hr5V8c+ZNNcs7GVImqlzTwPHiON/zVEDBBBAAAEEEiPAiDgxXUFFEEAAAQTyKEAQ57HXaTMCCCCAQGIECOLEdAUVQQABBBDIowBBnMdep80IIIAAAokRIIgT0xVUBAEEEEAgjwIEcR57nTYjgAACCCRGgCBOTFdQEQQQQACBPAoQxHnsddqMAAIIIJAYAYI4MV1BRRBAAAEE8ihAEOex12kzAggggEBiBAjixHQFFUEAAQQQyKMAQZzHXqfNCCCAAAKJESCIE9MVVAQBBBBAII8CBHEee502I4AAAggkRoAgTkxXUBEEEEAAgTwKEMR57HXajAACCCCQGAGCODFdQUWCBI4fP27NMjw8LPq3/mZCoNkCed0O89ruZmxfBHEzlGNeh/0CskOskdVpZEDaZTvfEBrZlkaX7WfVSMMobUpafaK0weQySdgOna/pZryudR1JaLfJfkxSWQRxknqjAXVxv4nyptoA5IhFNjOIa+n3WuaN2HQWq1PA2Uf0V52YCVicIE5AJzir8PK5STnxzqjcuLUoO7Z1yHMPbZenDg5EqmWYF6jfaNn9uNenYa+RqV/w+83rbJh7V7NXHWqZPxJaiIUW3npR5l75nqxOfCItg7ul68lvS/Hhvwyx5NZZqn1QqrYnw29E5LWM17xhlndbB/WtPX8zDxlcvHhRTp8+LdPT09Lb2yuHDx+Wffv2ReoLe9Tn1W5n24JGo2H7zc+p2vLuOnodpqnlNV3L66medkfukJwsSBAnqKM1hL//xjWZW1zdqFVXR4t889jOSGEcFMRBIeB8o3AHqd8ncq8ytTF2WdXqVOun/GrzB7U9ardrCM++9IKsLUxvFFEo9kr3s89HCuNq4eb29zIMaxDkEaacatuL0zNoXVHt3ctpCJ88eVKWlpY2nmpvb5ejR49GCuOw27S7HmHs7AAN+pASxdjU+tPw+jO17SStHII4QT3y/A8vWCNh96Qj4xe+cV/NNXW/sNwjFvcn3GqBGTa0g95I/ILaq25eb1rVRnJ+wVUzXJUFJv/+L6yRsHvSkfHAd34UaVW2iV9/VbOJsoxdXhRLr7q6R2nO7SgSSMiFTpw4YY2E3ZOOjJ977rmQpWzOVksQR7ULsqn2mvT7sFNPEIdtRz3bTM0dkcMFCOIGd/r/ev2q/PL9iQavZbP4P7t/UP7tE7usB7xGJmE/9dYSqGHfCNx1ChvuzjeBMKNEv7ZX64SZf/ovsvAv/6cp/VR87N9Iz5//p411+QVxtdGT/QYa9sNH1P7067Na+rwW1DfffFPOnz9fyyJ1zbt//3559NFHK/rCHZam7Nxh5vdBM2jUXO11VMtrqpZ5vV5TjdoG6urQlC5MEDe447713TMNXsPW4v/3f3hgy5u8V5h5BXWY0Iv6RpDkIB7/u6NN7aeh/3yyYn1Bb/bOmf36rRH9GfQGHOb5WmDDhFAt5YWZ1/5QE9a1lgALW6bf686v/mFH77WEZdCHdBPtDtMfeZyHIG5wr8c5InZ/And/0rffRJ0Efsdyw74IgwLF63mv9bvr5qxXLfOH7d44R8ReYVatb/xswi4TZOncXel3MlC1E+u8trOw/ZCUEbGzDX57lmrdDt2u1ULWr2yvwK72mgraY+Ksk7vfvOpb6/xh+z3v8xHECdsCTJ41nbCmRapOtVFepAINLGTyrOko1Qn6sBOlzLQuY/KsaVy3bgVJfP2ldVutVm+COIu9mpE22Z++49hdmWTCaqOSJNc76XXDtbKHeP01b4sliJtnzZoQQAABBBDYIkAQs1EggAACCCAQowBBHCM+q0YAAQQQQIAgZhtAAAEEEEAgRgGCOEZ8Vo0AAggggABBzDaAAAIIIIBAjAIEcYz4rBoBBBBAAAGCmG0AAQQQQACBGAUI4hjxWTUCCCCAAAIEMdsAAggggAACMQoQxDHis2oEEEAAAQQIYrYBBBBAAAEEYhQgiGPEZ9UIIIAAAggQxGwDCCCAAAIIxChAEMeIz6oRQAABBBDYCOKRkZF/XltbewoSBBBAAAEEEGieQKFQePn/AzysEmJ3HkxXAAAAAElFTkSuQmCC"/>
@@ -14317,218 +14537,6 @@
       <p:bldP spid="521" grpId="0"/>
     </p:bldLst>
   </p:timing>
-</p:sld>
-</file>
-
-<file path=ppt/slides/slide17.xml><?xml version="1.0" encoding="utf-8"?>
-<p:sld xmlns:a="http://schemas.openxmlformats.org/drawingml/2006/main" xmlns:r="http://schemas.openxmlformats.org/officeDocument/2006/relationships" xmlns:p="http://schemas.openxmlformats.org/presentationml/2006/main">
-  <p:cSld>
-    <p:spTree>
-      <p:nvGrpSpPr>
-        <p:cNvPr id="1" name=""/>
-        <p:cNvGrpSpPr/>
-        <p:nvPr/>
-      </p:nvGrpSpPr>
-      <p:grpSpPr>
-        <a:xfrm>
-          <a:off x="0" y="0"/>
-          <a:ext cx="0" cy="0"/>
-          <a:chOff x="0" y="0"/>
-          <a:chExt cx="0" cy="0"/>
-        </a:xfrm>
-      </p:grpSpPr>
-      <p:pic>
-        <p:nvPicPr>
-          <p:cNvPr id="3" name="Picture 1562675041">
-            <a:extLst>
-              <a:ext uri="{FF2B5EF4-FFF2-40B4-BE49-F238E27FC236}">
-                <a16:creationId xmlns:a16="http://schemas.microsoft.com/office/drawing/2014/main" id="{18CE8369-97B8-47BC-8C74-599BB3DD9255}"/>
-              </a:ext>
-            </a:extLst>
-          </p:cNvPr>
-          <p:cNvPicPr/>
-          <p:nvPr/>
-        </p:nvPicPr>
-        <p:blipFill>
-          <a:blip r:embed="rId2"/>
-          <a:stretch>
-            <a:fillRect/>
-          </a:stretch>
-        </p:blipFill>
-        <p:spPr>
-          <a:xfrm>
-            <a:off x="897286" y="1457011"/>
-            <a:ext cx="6143625" cy="3314700"/>
-          </a:xfrm>
-          <a:prstGeom prst="rect">
-            <a:avLst/>
-          </a:prstGeom>
-          <a:noFill/>
-          <a:ln>
-            <a:noFill/>
-            <a:prstDash/>
-          </a:ln>
-        </p:spPr>
-      </p:pic>
-      <p:sp>
-        <p:nvSpPr>
-          <p:cNvPr id="5" name="CaixaDeTexto 4">
-            <a:extLst>
-              <a:ext uri="{FF2B5EF4-FFF2-40B4-BE49-F238E27FC236}">
-                <a16:creationId xmlns:a16="http://schemas.microsoft.com/office/drawing/2014/main" id="{FA7E217D-7B26-470E-99AB-860C541522D0}"/>
-              </a:ext>
-            </a:extLst>
-          </p:cNvPr>
-          <p:cNvSpPr txBox="1"/>
-          <p:nvPr/>
-        </p:nvSpPr>
-        <p:spPr>
-          <a:xfrm>
-            <a:off x="321547" y="915694"/>
-            <a:ext cx="8239648" cy="340734"/>
-          </a:xfrm>
-          <a:prstGeom prst="rect">
-            <a:avLst/>
-          </a:prstGeom>
-          <a:noFill/>
-        </p:spPr>
-        <p:txBody>
-          <a:bodyPr wrap="square">
-            <a:spAutoFit/>
-          </a:bodyPr>
-          <a:lstStyle/>
-          <a:p>
-            <a:pPr indent="457200">
-              <a:lnSpc>
-                <a:spcPct val="150000"/>
-              </a:lnSpc>
-              <a:spcAft>
-                <a:spcPts val="800"/>
-              </a:spcAft>
-            </a:pPr>
-            <a:r>
-              <a:rPr lang="pt-BR" sz="1200" dirty="0">
-                <a:solidFill>
-                  <a:srgbClr val="000000"/>
-                </a:solidFill>
-                <a:effectLst/>
-                <a:latin typeface="Playfair Display"/>
-                <a:ea typeface="Arial" panose="020B0604020202020204" pitchFamily="34" charset="0"/>
-                <a:cs typeface="Arial" panose="020B0604020202020204" pitchFamily="34" charset="0"/>
-              </a:rPr>
-              <a:t>Os teores ideais de umidade para cada fase de desenvolvimento podem ser observados abaixo:</a:t>
-            </a:r>
-            <a:endParaRPr lang="pt-BR" sz="1200" dirty="0">
-              <a:effectLst/>
-              <a:latin typeface="Playfair Display"/>
-              <a:ea typeface="Calibri" panose="020F0502020204030204" pitchFamily="34" charset="0"/>
-              <a:cs typeface="Arial" panose="020B0604020202020204" pitchFamily="34" charset="0"/>
-            </a:endParaRPr>
-          </a:p>
-        </p:txBody>
-      </p:sp>
-      <p:sp>
-        <p:nvSpPr>
-          <p:cNvPr id="7" name="Retângulo 6">
-            <a:extLst>
-              <a:ext uri="{FF2B5EF4-FFF2-40B4-BE49-F238E27FC236}">
-                <a16:creationId xmlns:a16="http://schemas.microsoft.com/office/drawing/2014/main" id="{F189BD6E-2543-4E50-995B-EA8408B57909}"/>
-              </a:ext>
-            </a:extLst>
-          </p:cNvPr>
-          <p:cNvSpPr/>
-          <p:nvPr/>
-        </p:nvSpPr>
-        <p:spPr>
-          <a:xfrm>
-            <a:off x="758581" y="142411"/>
-            <a:ext cx="2117195" cy="572700"/>
-          </a:xfrm>
-          <a:prstGeom prst="rect">
-            <a:avLst/>
-          </a:prstGeom>
-          <a:solidFill>
-            <a:srgbClr val="385819"/>
-          </a:solidFill>
-          <a:ln>
-            <a:noFill/>
-          </a:ln>
-        </p:spPr>
-        <p:style>
-          <a:lnRef idx="2">
-            <a:schemeClr val="accent1">
-              <a:shade val="50000"/>
-            </a:schemeClr>
-          </a:lnRef>
-          <a:fillRef idx="1">
-            <a:schemeClr val="accent1"/>
-          </a:fillRef>
-          <a:effectRef idx="0">
-            <a:schemeClr val="accent1"/>
-          </a:effectRef>
-          <a:fontRef idx="minor">
-            <a:schemeClr val="lt1"/>
-          </a:fontRef>
-        </p:style>
-        <p:txBody>
-          <a:bodyPr rtlCol="0" anchor="ctr"/>
-          <a:lstStyle/>
-          <a:p>
-            <a:pPr algn="ctr"/>
-            <a:endParaRPr lang="pt-BR"/>
-          </a:p>
-        </p:txBody>
-      </p:sp>
-      <p:sp>
-        <p:nvSpPr>
-          <p:cNvPr id="8" name="CaixaDeTexto 7">
-            <a:extLst>
-              <a:ext uri="{FF2B5EF4-FFF2-40B4-BE49-F238E27FC236}">
-                <a16:creationId xmlns:a16="http://schemas.microsoft.com/office/drawing/2014/main" id="{F2973D04-B16D-4607-96D1-534BA3A2A2F0}"/>
-              </a:ext>
-            </a:extLst>
-          </p:cNvPr>
-          <p:cNvSpPr txBox="1"/>
-          <p:nvPr/>
-        </p:nvSpPr>
-        <p:spPr>
-          <a:xfrm>
-            <a:off x="894134" y="197928"/>
-            <a:ext cx="2343385" cy="461665"/>
-          </a:xfrm>
-          <a:prstGeom prst="rect">
-            <a:avLst/>
-          </a:prstGeom>
-          <a:noFill/>
-        </p:spPr>
-        <p:txBody>
-          <a:bodyPr wrap="square" rtlCol="0">
-            <a:spAutoFit/>
-          </a:bodyPr>
-          <a:lstStyle/>
-          <a:p>
-            <a:r>
-              <a:rPr lang="pt-BR" sz="2400" b="1" dirty="0">
-                <a:solidFill>
-                  <a:schemeClr val="bg1"/>
-                </a:solidFill>
-                <a:latin typeface="Playfair Display"/>
-              </a:rPr>
-              <a:t>ANALYTICS</a:t>
-            </a:r>
-          </a:p>
-        </p:txBody>
-      </p:sp>
-    </p:spTree>
-    <p:extLst>
-      <p:ext uri="{BB962C8B-B14F-4D97-AF65-F5344CB8AC3E}">
-        <p14:creationId xmlns:p14="http://schemas.microsoft.com/office/powerpoint/2010/main" val="275403506"/>
-      </p:ext>
-    </p:extLst>
-  </p:cSld>
-  <p:clrMapOvr>
-    <a:masterClrMapping/>
-  </p:clrMapOvr>
 </p:sld>
 </file>
 
@@ -16035,6 +16043,13 @@
   <p:clrMapOvr>
     <a:masterClrMapping/>
   </p:clrMapOvr>
+  <p:timing>
+    <p:tnLst>
+      <p:par>
+        <p:cTn id="1" dur="indefinite" restart="never" nodeType="tmRoot"/>
+      </p:par>
+    </p:tnLst>
+  </p:timing>
 </p:sld>
 </file>
 
@@ -16155,6 +16170,317 @@
       </p:sp>
       <p:pic>
         <p:nvPicPr>
+          <p:cNvPr id="4" name="Imagem 3"/>
+          <p:cNvPicPr>
+            <a:picLocks noChangeAspect="1"/>
+          </p:cNvPicPr>
+          <p:nvPr/>
+        </p:nvPicPr>
+        <p:blipFill>
+          <a:blip r:embed="rId2"/>
+          <a:stretch>
+            <a:fillRect/>
+          </a:stretch>
+        </p:blipFill>
+        <p:spPr>
+          <a:xfrm>
+            <a:off x="422185" y="1232293"/>
+            <a:ext cx="7992067" cy="3588276"/>
+          </a:xfrm>
+          <a:prstGeom prst="rect">
+            <a:avLst/>
+          </a:prstGeom>
+        </p:spPr>
+      </p:pic>
+    </p:spTree>
+    <p:extLst>
+      <p:ext uri="{BB962C8B-B14F-4D97-AF65-F5344CB8AC3E}">
+        <p14:creationId xmlns:p14="http://schemas.microsoft.com/office/powerpoint/2010/main" val="1766077679"/>
+      </p:ext>
+    </p:extLst>
+  </p:cSld>
+  <p:clrMapOvr>
+    <a:masterClrMapping/>
+  </p:clrMapOvr>
+  <p:timing>
+    <p:tnLst>
+      <p:par>
+        <p:cTn id="1" dur="indefinite" restart="never" nodeType="tmRoot"/>
+      </p:par>
+    </p:tnLst>
+  </p:timing>
+</p:sld>
+</file>
+
+<file path=ppt/slides/slide22.xml><?xml version="1.0" encoding="utf-8"?>
+<p:sld xmlns:a="http://schemas.openxmlformats.org/drawingml/2006/main" xmlns:r="http://schemas.openxmlformats.org/officeDocument/2006/relationships" xmlns:p="http://schemas.openxmlformats.org/presentationml/2006/main">
+  <p:cSld>
+    <p:spTree>
+      <p:nvGrpSpPr>
+        <p:cNvPr id="1" name=""/>
+        <p:cNvGrpSpPr/>
+        <p:nvPr/>
+      </p:nvGrpSpPr>
+      <p:grpSpPr>
+        <a:xfrm>
+          <a:off x="0" y="0"/>
+          <a:ext cx="0" cy="0"/>
+          <a:chOff x="0" y="0"/>
+          <a:chExt cx="0" cy="0"/>
+        </a:xfrm>
+      </p:grpSpPr>
+      <p:sp>
+        <p:nvSpPr>
+          <p:cNvPr id="7" name="Retângulo 6">
+            <a:extLst>
+              <a:ext uri="{FF2B5EF4-FFF2-40B4-BE49-F238E27FC236}">
+                <a16:creationId xmlns:a16="http://schemas.microsoft.com/office/drawing/2014/main" id="{F189BD6E-2543-4E50-995B-EA8408B57909}"/>
+              </a:ext>
+            </a:extLst>
+          </p:cNvPr>
+          <p:cNvSpPr/>
+          <p:nvPr/>
+        </p:nvSpPr>
+        <p:spPr>
+          <a:xfrm>
+            <a:off x="758581" y="142411"/>
+            <a:ext cx="2117195" cy="572700"/>
+          </a:xfrm>
+          <a:prstGeom prst="rect">
+            <a:avLst/>
+          </a:prstGeom>
+          <a:solidFill>
+            <a:srgbClr val="385819"/>
+          </a:solidFill>
+          <a:ln>
+            <a:noFill/>
+          </a:ln>
+        </p:spPr>
+        <p:style>
+          <a:lnRef idx="2">
+            <a:schemeClr val="accent1">
+              <a:shade val="50000"/>
+            </a:schemeClr>
+          </a:lnRef>
+          <a:fillRef idx="1">
+            <a:schemeClr val="accent1"/>
+          </a:fillRef>
+          <a:effectRef idx="0">
+            <a:schemeClr val="accent1"/>
+          </a:effectRef>
+          <a:fontRef idx="minor">
+            <a:schemeClr val="lt1"/>
+          </a:fontRef>
+        </p:style>
+        <p:txBody>
+          <a:bodyPr rtlCol="0" anchor="ctr"/>
+          <a:lstStyle/>
+          <a:p>
+            <a:pPr algn="ctr"/>
+            <a:endParaRPr lang="pt-BR"/>
+          </a:p>
+        </p:txBody>
+      </p:sp>
+      <p:sp>
+        <p:nvSpPr>
+          <p:cNvPr id="8" name="CaixaDeTexto 7">
+            <a:extLst>
+              <a:ext uri="{FF2B5EF4-FFF2-40B4-BE49-F238E27FC236}">
+                <a16:creationId xmlns:a16="http://schemas.microsoft.com/office/drawing/2014/main" id="{F2973D04-B16D-4607-96D1-534BA3A2A2F0}"/>
+              </a:ext>
+            </a:extLst>
+          </p:cNvPr>
+          <p:cNvSpPr txBox="1"/>
+          <p:nvPr/>
+        </p:nvSpPr>
+        <p:spPr>
+          <a:xfrm>
+            <a:off x="997213" y="202817"/>
+            <a:ext cx="1878563" cy="461665"/>
+          </a:xfrm>
+          <a:prstGeom prst="rect">
+            <a:avLst/>
+          </a:prstGeom>
+          <a:noFill/>
+        </p:spPr>
+        <p:txBody>
+          <a:bodyPr wrap="square" rtlCol="0">
+            <a:spAutoFit/>
+          </a:bodyPr>
+          <a:lstStyle/>
+          <a:p>
+            <a:r>
+              <a:rPr lang="pt-BR" sz="2400" b="1" dirty="0" smtClean="0">
+                <a:solidFill>
+                  <a:schemeClr val="bg1"/>
+                </a:solidFill>
+                <a:latin typeface="Playfair Display"/>
+              </a:rPr>
+              <a:t>EXEMPLO</a:t>
+            </a:r>
+            <a:endParaRPr lang="pt-BR" sz="2400" b="1" dirty="0">
+              <a:solidFill>
+                <a:schemeClr val="bg1"/>
+              </a:solidFill>
+              <a:latin typeface="Playfair Display"/>
+            </a:endParaRPr>
+          </a:p>
+        </p:txBody>
+      </p:sp>
+      <p:pic>
+        <p:nvPicPr>
+          <p:cNvPr id="4" name="Imagem 3"/>
+          <p:cNvPicPr>
+            <a:picLocks noChangeAspect="1"/>
+          </p:cNvPicPr>
+          <p:nvPr/>
+        </p:nvPicPr>
+        <p:blipFill>
+          <a:blip r:embed="rId2"/>
+          <a:stretch>
+            <a:fillRect/>
+          </a:stretch>
+        </p:blipFill>
+        <p:spPr>
+          <a:xfrm>
+            <a:off x="422185" y="1232293"/>
+            <a:ext cx="7992067" cy="3588276"/>
+          </a:xfrm>
+          <a:prstGeom prst="rect">
+            <a:avLst/>
+          </a:prstGeom>
+        </p:spPr>
+      </p:pic>
+    </p:spTree>
+    <p:extLst>
+      <p:ext uri="{BB962C8B-B14F-4D97-AF65-F5344CB8AC3E}">
+        <p14:creationId xmlns:p14="http://schemas.microsoft.com/office/powerpoint/2010/main" val="765690201"/>
+      </p:ext>
+    </p:extLst>
+  </p:cSld>
+  <p:clrMapOvr>
+    <a:masterClrMapping/>
+  </p:clrMapOvr>
+</p:sld>
+</file>
+
+<file path=ppt/slides/slide23.xml><?xml version="1.0" encoding="utf-8"?>
+<p:sld xmlns:a="http://schemas.openxmlformats.org/drawingml/2006/main" xmlns:r="http://schemas.openxmlformats.org/officeDocument/2006/relationships" xmlns:p="http://schemas.openxmlformats.org/presentationml/2006/main">
+  <p:cSld>
+    <p:spTree>
+      <p:nvGrpSpPr>
+        <p:cNvPr id="1" name=""/>
+        <p:cNvGrpSpPr/>
+        <p:nvPr/>
+      </p:nvGrpSpPr>
+      <p:grpSpPr>
+        <a:xfrm>
+          <a:off x="0" y="0"/>
+          <a:ext cx="0" cy="0"/>
+          <a:chOff x="0" y="0"/>
+          <a:chExt cx="0" cy="0"/>
+        </a:xfrm>
+      </p:grpSpPr>
+      <p:sp>
+        <p:nvSpPr>
+          <p:cNvPr id="7" name="Retângulo 6">
+            <a:extLst>
+              <a:ext uri="{FF2B5EF4-FFF2-40B4-BE49-F238E27FC236}">
+                <a16:creationId xmlns:a16="http://schemas.microsoft.com/office/drawing/2014/main" id="{F189BD6E-2543-4E50-995B-EA8408B57909}"/>
+              </a:ext>
+            </a:extLst>
+          </p:cNvPr>
+          <p:cNvSpPr/>
+          <p:nvPr/>
+        </p:nvSpPr>
+        <p:spPr>
+          <a:xfrm>
+            <a:off x="758581" y="142411"/>
+            <a:ext cx="2771200" cy="572700"/>
+          </a:xfrm>
+          <a:prstGeom prst="rect">
+            <a:avLst/>
+          </a:prstGeom>
+          <a:solidFill>
+            <a:srgbClr val="385819"/>
+          </a:solidFill>
+          <a:ln>
+            <a:noFill/>
+          </a:ln>
+        </p:spPr>
+        <p:style>
+          <a:lnRef idx="2">
+            <a:schemeClr val="accent1">
+              <a:shade val="50000"/>
+            </a:schemeClr>
+          </a:lnRef>
+          <a:fillRef idx="1">
+            <a:schemeClr val="accent1"/>
+          </a:fillRef>
+          <a:effectRef idx="0">
+            <a:schemeClr val="accent1"/>
+          </a:effectRef>
+          <a:fontRef idx="minor">
+            <a:schemeClr val="lt1"/>
+          </a:fontRef>
+        </p:style>
+        <p:txBody>
+          <a:bodyPr rtlCol="0" anchor="ctr"/>
+          <a:lstStyle/>
+          <a:p>
+            <a:pPr algn="ctr"/>
+            <a:endParaRPr lang="pt-BR"/>
+          </a:p>
+        </p:txBody>
+      </p:sp>
+      <p:sp>
+        <p:nvSpPr>
+          <p:cNvPr id="8" name="CaixaDeTexto 7">
+            <a:extLst>
+              <a:ext uri="{FF2B5EF4-FFF2-40B4-BE49-F238E27FC236}">
+                <a16:creationId xmlns:a16="http://schemas.microsoft.com/office/drawing/2014/main" id="{F2973D04-B16D-4607-96D1-534BA3A2A2F0}"/>
+              </a:ext>
+            </a:extLst>
+          </p:cNvPr>
+          <p:cNvSpPr txBox="1"/>
+          <p:nvPr/>
+        </p:nvSpPr>
+        <p:spPr>
+          <a:xfrm>
+            <a:off x="894134" y="197928"/>
+            <a:ext cx="2724137" cy="461665"/>
+          </a:xfrm>
+          <a:prstGeom prst="rect">
+            <a:avLst/>
+          </a:prstGeom>
+          <a:noFill/>
+        </p:spPr>
+        <p:txBody>
+          <a:bodyPr wrap="square" rtlCol="0">
+            <a:spAutoFit/>
+          </a:bodyPr>
+          <a:lstStyle/>
+          <a:p>
+            <a:r>
+              <a:rPr lang="pt-BR" sz="2400" b="1" dirty="0" smtClean="0">
+                <a:solidFill>
+                  <a:schemeClr val="bg1"/>
+                </a:solidFill>
+                <a:latin typeface="Playfair Display"/>
+              </a:rPr>
+              <a:t>TESTE AO VIVO</a:t>
+            </a:r>
+            <a:endParaRPr lang="pt-BR" sz="2400" b="1" dirty="0">
+              <a:solidFill>
+                <a:schemeClr val="bg1"/>
+              </a:solidFill>
+              <a:latin typeface="Playfair Display"/>
+            </a:endParaRPr>
+          </a:p>
+        </p:txBody>
+      </p:sp>
+      <p:pic>
+        <p:nvPicPr>
           <p:cNvPr id="3" name="Imagem 2"/>
           <p:cNvPicPr>
             <a:picLocks noChangeAspect="1"/>
@@ -16175,32 +16501,8 @@
         </p:blipFill>
         <p:spPr>
           <a:xfrm>
-            <a:off x="6765878" y="1531188"/>
-            <a:ext cx="1738928" cy="2254231"/>
-          </a:xfrm>
-          <a:prstGeom prst="rect">
-            <a:avLst/>
-          </a:prstGeom>
-        </p:spPr>
-      </p:pic>
-      <p:pic>
-        <p:nvPicPr>
-          <p:cNvPr id="4" name="Imagem 3"/>
-          <p:cNvPicPr>
-            <a:picLocks noChangeAspect="1"/>
-          </p:cNvPicPr>
-          <p:nvPr/>
-        </p:nvPicPr>
-        <p:blipFill>
-          <a:blip r:embed="rId3"/>
-          <a:stretch>
-            <a:fillRect/>
-          </a:stretch>
-        </p:blipFill>
-        <p:spPr>
-          <a:xfrm>
-            <a:off x="203715" y="1246053"/>
-            <a:ext cx="6290936" cy="2824502"/>
+            <a:off x="2959510" y="1141373"/>
+            <a:ext cx="2745007" cy="3558446"/>
           </a:xfrm>
           <a:prstGeom prst="rect">
             <a:avLst/>
@@ -16210,17 +16512,24 @@
     </p:spTree>
     <p:extLst>
       <p:ext uri="{BB962C8B-B14F-4D97-AF65-F5344CB8AC3E}">
-        <p14:creationId xmlns:p14="http://schemas.microsoft.com/office/powerpoint/2010/main" val="1766077679"/>
+        <p14:creationId xmlns:p14="http://schemas.microsoft.com/office/powerpoint/2010/main" val="945202300"/>
       </p:ext>
     </p:extLst>
   </p:cSld>
   <p:clrMapOvr>
     <a:masterClrMapping/>
   </p:clrMapOvr>
+  <p:timing>
+    <p:tnLst>
+      <p:par>
+        <p:cTn id="1" dur="indefinite" restart="never" nodeType="tmRoot"/>
+      </p:par>
+    </p:tnLst>
+  </p:timing>
 </p:sld>
 </file>
 
-<file path=ppt/slides/slide22.xml><?xml version="1.0" encoding="utf-8"?>
+<file path=ppt/slides/slide24.xml><?xml version="1.0" encoding="utf-8"?>
 <p:sld xmlns:a="http://schemas.openxmlformats.org/drawingml/2006/main" xmlns:r="http://schemas.openxmlformats.org/officeDocument/2006/relationships" xmlns:p="http://schemas.openxmlformats.org/presentationml/2006/main">
   <p:cSld>
     <p:bg>
@@ -16331,7 +16640,17 @@
                 <a:latin typeface="Verdana"/>
                 <a:ea typeface="Verdana"/>
               </a:rPr>
-              <a:t>(Aprendizagem/Grupo/Relevância/)</a:t>
+              <a:t>(</a:t>
+            </a:r>
+            <a:r>
+              <a:rPr lang="pt-BR" b="1" dirty="0" smtClean="0">
+                <a:solidFill>
+                  <a:schemeClr val="bg1"/>
+                </a:solidFill>
+                <a:latin typeface="Verdana"/>
+                <a:ea typeface="Verdana"/>
+              </a:rPr>
+              <a:t>Aprendizagem/Grupo/Relevância)</a:t>
             </a:r>
             <a:endParaRPr lang="pt-BR" b="1" dirty="0">
               <a:solidFill>
@@ -16490,7 +16809,7 @@
 </p:sld>
 </file>
 
-<file path=ppt/slides/slide23.xml><?xml version="1.0" encoding="utf-8"?>
+<file path=ppt/slides/slide25.xml><?xml version="1.0" encoding="utf-8"?>
 <p:sld xmlns:a="http://schemas.openxmlformats.org/drawingml/2006/main" xmlns:r="http://schemas.openxmlformats.org/officeDocument/2006/relationships" xmlns:p="http://schemas.openxmlformats.org/presentationml/2006/main">
   <p:cSld>
     <p:bg>
@@ -19588,19 +19907,19 @@
                     <a:p>
                       <a:pPr algn="l" rtl="0" fontAlgn="ctr"/>
                       <a:r>
-                        <a:rPr lang="pt-BR" sz="900" u="none" strike="noStrike" dirty="0">
+                        <a:rPr lang="pt-BR" sz="900" u="none" strike="noStrike" dirty="0" smtClean="0">
                           <a:effectLst/>
                         </a:rPr>
                         <a:t>Simular o </a:t>
                       </a:r>
                       <a:r>
-                        <a:rPr lang="pt-BR" sz="900" u="none" strike="noStrike" dirty="0" err="1">
+                        <a:rPr lang="pt-BR" sz="900" u="none" strike="noStrike" dirty="0" err="1" smtClean="0">
                           <a:effectLst/>
                         </a:rPr>
                         <a:t>Arduino</a:t>
                       </a:r>
                       <a:r>
-                        <a:rPr lang="pt-BR" sz="900" u="none" strike="noStrike" dirty="0">
+                        <a:rPr lang="pt-BR" sz="900" u="none" strike="noStrike" dirty="0" smtClean="0">
                           <a:effectLst/>
                         </a:rPr>
                         <a:t> na aplicação web; </a:t>
@@ -19806,13 +20125,13 @@
                     <a:p>
                       <a:pPr algn="l" rtl="0" fontAlgn="ctr"/>
                       <a:r>
-                        <a:rPr lang="pt-BR" sz="900" u="none" strike="noStrike" dirty="0" err="1">
+                        <a:rPr lang="pt-BR" sz="900" u="none" strike="noStrike" dirty="0" err="1" smtClean="0">
                           <a:effectLst/>
                         </a:rPr>
                         <a:t>Arduino</a:t>
                       </a:r>
                       <a:r>
-                        <a:rPr lang="pt-BR" sz="900" u="none" strike="noStrike" dirty="0">
+                        <a:rPr lang="pt-BR" sz="900" u="none" strike="noStrike" dirty="0" smtClean="0">
                           <a:effectLst/>
                         </a:rPr>
                         <a:t> funcionando e recebendo os dados dentro da aplicação web; </a:t>
@@ -19915,12 +20234,12 @@
                     <a:p>
                       <a:pPr algn="l" rtl="0" fontAlgn="ctr"/>
                       <a:r>
-                        <a:rPr lang="pt-BR" sz="900" u="none" strike="noStrike">
+                        <a:rPr lang="pt-BR" sz="900" u="none" strike="noStrike" dirty="0" smtClean="0">
                           <a:effectLst/>
                         </a:rPr>
                         <a:t>Utilizar os sensores;</a:t>
                       </a:r>
-                      <a:endParaRPr lang="pt-BR" sz="900" b="0" i="0" u="none" strike="noStrike">
+                      <a:endParaRPr lang="pt-BR" sz="900" b="0" i="0" u="none" strike="noStrike" dirty="0">
                         <a:solidFill>
                           <a:srgbClr val="000000"/>
                         </a:solidFill>
@@ -20018,12 +20337,12 @@
                     <a:p>
                       <a:pPr algn="l" rtl="0" fontAlgn="ctr"/>
                       <a:r>
-                        <a:rPr lang="pt-BR" sz="900" u="none" strike="noStrike">
+                        <a:rPr lang="pt-BR" sz="900" u="none" strike="noStrike" dirty="0" smtClean="0">
                           <a:effectLst/>
                         </a:rPr>
                         <a:t>Realizar uma aplicação web que gere os valores e gráficos relativo à umidade do solo e utilização de água;</a:t>
                       </a:r>
-                      <a:endParaRPr lang="pt-BR" sz="900" b="0" i="0" u="none" strike="noStrike">
+                      <a:endParaRPr lang="pt-BR" sz="900" b="0" i="0" u="none" strike="noStrike" dirty="0">
                         <a:solidFill>
                           <a:srgbClr val="000000"/>
                         </a:solidFill>
@@ -20121,12 +20440,24 @@
                     <a:p>
                       <a:pPr algn="l" rtl="0" fontAlgn="ctr"/>
                       <a:r>
-                        <a:rPr lang="pt-BR" sz="900" u="none" strike="noStrike">
+                        <a:rPr lang="pt-BR" sz="900" u="none" strike="noStrike" dirty="0">
                           <a:effectLst/>
                         </a:rPr>
-                        <a:t>Sistema de login e cadastro de usuário,</a:t>
+                        <a:t>Sistema de </a:t>
                       </a:r>
-                      <a:endParaRPr lang="pt-BR" sz="900" b="0" i="0" u="none" strike="noStrike">
+                      <a:r>
+                        <a:rPr lang="pt-BR" sz="900" u="none" strike="noStrike" dirty="0" err="1">
+                          <a:effectLst/>
+                        </a:rPr>
+                        <a:t>login</a:t>
+                      </a:r>
+                      <a:r>
+                        <a:rPr lang="pt-BR" sz="900" u="none" strike="noStrike" dirty="0">
+                          <a:effectLst/>
+                        </a:rPr>
+                        <a:t> e cadastro de usuário,</a:t>
+                      </a:r>
+                      <a:endParaRPr lang="pt-BR" sz="900" b="0" i="0" u="none" strike="noStrike" dirty="0">
                         <a:solidFill>
                           <a:srgbClr val="000000"/>
                         </a:solidFill>
@@ -20689,13 +21020,13 @@
           <p:nvPr>
             <p:extLst>
               <p:ext uri="{D42A27DB-BD31-4B8C-83A1-F6EECF244321}">
-                <p14:modId xmlns:p14="http://schemas.microsoft.com/office/powerpoint/2010/main" val="810266585"/>
+                <p14:modId xmlns:p14="http://schemas.microsoft.com/office/powerpoint/2010/main" val="1502898737"/>
               </p:ext>
             </p:extLst>
           </p:nvPr>
         </p:nvGraphicFramePr>
         <p:xfrm>
-          <a:off x="180807" y="991101"/>
+          <a:off x="180807" y="1079591"/>
           <a:ext cx="8028696" cy="3508542"/>
         </p:xfrm>
         <a:graphic>

--- a/Documentos/Power Point/Sprint 3 - FINAL.pptx
+++ b/Documentos/Power Point/Sprint 3 - FINAL.pptx
@@ -13214,6 +13214,13 @@
   <p:clrMapOvr>
     <a:masterClrMapping/>
   </p:clrMapOvr>
+  <p:timing>
+    <p:tnLst>
+      <p:par>
+        <p:cTn id="1" dur="indefinite" restart="never" nodeType="tmRoot"/>
+      </p:par>
+    </p:tnLst>
+  </p:timing>
 </p:sld>
 </file>
 
@@ -13300,8 +13307,8 @@
         </p:nvSpPr>
         <p:spPr>
           <a:xfrm>
-            <a:off x="756469" y="150208"/>
-            <a:ext cx="4341629" cy="461665"/>
+            <a:off x="1113512" y="150208"/>
+            <a:ext cx="3245260" cy="461665"/>
           </a:xfrm>
           <a:prstGeom prst="rect">
             <a:avLst/>
@@ -13321,7 +13328,7 @@
                 </a:solidFill>
                 <a:latin typeface="Playfair Display"/>
               </a:rPr>
-              <a:t>MODELO LÓGICO + SCRIPT</a:t>
+              <a:t>MODELO LÓGICO </a:t>
             </a:r>
           </a:p>
         </p:txBody>
@@ -13360,6 +13367,13 @@
   <p:clrMapOvr>
     <a:masterClrMapping/>
   </p:clrMapOvr>
+  <p:timing>
+    <p:tnLst>
+      <p:par>
+        <p:cTn id="1" dur="indefinite" restart="never" nodeType="tmRoot"/>
+      </p:par>
+    </p:tnLst>
+  </p:timing>
 </p:sld>
 </file>
 
@@ -13394,8 +13408,8 @@
         </p:nvSpPr>
         <p:spPr>
           <a:xfrm>
-            <a:off x="290661" y="1154356"/>
-            <a:ext cx="6858000" cy="2893100"/>
+            <a:off x="290661" y="1111627"/>
+            <a:ext cx="6858000" cy="4031873"/>
           </a:xfrm>
           <a:prstGeom prst="rect">
             <a:avLst/>
@@ -13413,8 +13427,24 @@
               <a:buChar char="•"/>
             </a:pPr>
             <a:r>
-              <a:rPr lang="pt-BR" dirty="0"/>
-              <a:t>Um cliente pode ter mais de uma fazenda, porém uma fazenda só pode ter um cliente como dono;</a:t>
+              <a:rPr lang="pt-BR" sz="1800" dirty="0" smtClean="0"/>
+              <a:t>Uma empresa pode </a:t>
+            </a:r>
+            <a:r>
+              <a:rPr lang="pt-BR" sz="1800" dirty="0"/>
+              <a:t>ter mais de uma fazenda, porém uma fazenda só pode ter </a:t>
+            </a:r>
+            <a:r>
+              <a:rPr lang="pt-BR" sz="1800" dirty="0" smtClean="0"/>
+              <a:t>uma empresa </a:t>
+            </a:r>
+            <a:r>
+              <a:rPr lang="pt-BR" sz="1800" dirty="0"/>
+              <a:t>como </a:t>
+            </a:r>
+            <a:r>
+              <a:rPr lang="pt-BR" sz="1800" dirty="0" smtClean="0"/>
+              <a:t>dona;</a:t>
             </a:r>
           </a:p>
           <a:p>
@@ -13422,9 +13452,32 @@
               <a:buFont typeface="Arial" panose="020B0604020202020204" pitchFamily="34" charset="0"/>
               <a:buChar char="•"/>
             </a:pPr>
+            <a:endParaRPr lang="pt-BR" sz="1800" dirty="0"/>
+          </a:p>
+          <a:p>
+            <a:pPr marL="285750" indent="-285750">
+              <a:buFont typeface="Arial" panose="020B0604020202020204" pitchFamily="34" charset="0"/>
+              <a:buChar char="•"/>
+            </a:pPr>
             <a:r>
-              <a:rPr lang="pt-BR" dirty="0"/>
-              <a:t>Um cliente pode ter mais de um usuário, porém um usuário só poderá ter um cliente;</a:t>
+              <a:rPr lang="pt-BR" sz="1800" dirty="0" smtClean="0"/>
+              <a:t>Uma empresa </a:t>
+            </a:r>
+            <a:r>
+              <a:rPr lang="pt-BR" sz="1800" dirty="0"/>
+              <a:t>pode ter mais de um </a:t>
+            </a:r>
+            <a:r>
+              <a:rPr lang="pt-BR" sz="1800" dirty="0" smtClean="0"/>
+              <a:t>funcionário, </a:t>
+            </a:r>
+            <a:r>
+              <a:rPr lang="pt-BR" sz="1800" dirty="0"/>
+              <a:t>porém um </a:t>
+            </a:r>
+            <a:r>
+              <a:rPr lang="pt-BR" sz="1800" dirty="0" smtClean="0"/>
+              <a:t>funcionário pode pertencer somente a uma empresa;</a:t>
             </a:r>
           </a:p>
           <a:p>
@@ -13432,9 +13485,24 @@
               <a:buFont typeface="Arial" panose="020B0604020202020204" pitchFamily="34" charset="0"/>
               <a:buChar char="•"/>
             </a:pPr>
+            <a:endParaRPr lang="pt-BR" sz="1800" dirty="0"/>
+          </a:p>
+          <a:p>
+            <a:pPr marL="285750" indent="-285750">
+              <a:buFont typeface="Arial" panose="020B0604020202020204" pitchFamily="34" charset="0"/>
+              <a:buChar char="•"/>
+            </a:pPr>
             <a:r>
-              <a:rPr lang="pt-BR" dirty="0"/>
-              <a:t>Um cliente pode ter sido ou não um lead, porém um lead só pode ter um cliente;</a:t>
+              <a:rPr lang="pt-BR" sz="1800" dirty="0" smtClean="0"/>
+              <a:t>Uma empresa pode </a:t>
+            </a:r>
+            <a:r>
+              <a:rPr lang="pt-BR" sz="1800" dirty="0"/>
+              <a:t>ter sido ou não um lead, porém um lead só pode </a:t>
+            </a:r>
+            <a:r>
+              <a:rPr lang="pt-BR" sz="1800" dirty="0" smtClean="0"/>
+              <a:t>ter uma empresa;</a:t>
             </a:r>
           </a:p>
           <a:p>
@@ -13442,9 +13510,40 @@
               <a:buFont typeface="Arial" panose="020B0604020202020204" pitchFamily="34" charset="0"/>
               <a:buChar char="•"/>
             </a:pPr>
+            <a:endParaRPr lang="pt-BR" sz="1800" dirty="0"/>
+          </a:p>
+          <a:p>
+            <a:pPr marL="285750" indent="-285750">
+              <a:buFont typeface="Arial" panose="020B0604020202020204" pitchFamily="34" charset="0"/>
+              <a:buChar char="•"/>
+            </a:pPr>
             <a:r>
-              <a:rPr lang="pt-BR" dirty="0"/>
-              <a:t>Um cliente pode ter várias ocorrência , porém uma ocorrência pode vir apenas de um cliente;</a:t>
+              <a:rPr lang="pt-BR" sz="1800" dirty="0" smtClean="0"/>
+              <a:t>Uma </a:t>
+            </a:r>
+            <a:r>
+              <a:rPr lang="pt-BR" sz="1800" dirty="0"/>
+              <a:t>fazenda pode ter vários sensores, porém um sensor </a:t>
+            </a:r>
+            <a:r>
+              <a:rPr lang="pt-BR" sz="1800" dirty="0" smtClean="0"/>
+              <a:t>pertence </a:t>
+            </a:r>
+            <a:r>
+              <a:rPr lang="pt-BR" sz="1800" dirty="0" smtClean="0"/>
+              <a:t>à </a:t>
+            </a:r>
+            <a:r>
+              <a:rPr lang="pt-BR" sz="1800" dirty="0" smtClean="0"/>
+              <a:t>apenas </a:t>
+            </a:r>
+            <a:r>
+              <a:rPr lang="pt-BR" sz="1800" dirty="0"/>
+              <a:t>uma fazenda</a:t>
+            </a:r>
+            <a:r>
+              <a:rPr lang="pt-BR" sz="1800" dirty="0" smtClean="0"/>
+              <a:t>;</a:t>
             </a:r>
           </a:p>
           <a:p>
@@ -13452,10 +13551,7 @@
               <a:buFont typeface="Arial" panose="020B0604020202020204" pitchFamily="34" charset="0"/>
               <a:buChar char="•"/>
             </a:pPr>
-            <a:r>
-              <a:rPr lang="pt-BR" dirty="0"/>
-              <a:t>Um colaborador poderá tomar conta de várias ocorrências, porém uma ocorrência terá apenas um colaborador;</a:t>
-            </a:r>
+            <a:endParaRPr lang="pt-BR" sz="1600" dirty="0"/>
           </a:p>
           <a:p>
             <a:pPr marL="285750" indent="-285750">
@@ -13463,19 +13559,22 @@
               <a:buChar char="•"/>
             </a:pPr>
             <a:r>
-              <a:rPr lang="pt-BR" dirty="0"/>
-              <a:t>Uma fazenda pode ter vários sensores, porém um sensor tem apenas uma fazenda;</a:t>
+              <a:rPr lang="pt-BR" sz="1800" dirty="0"/>
+              <a:t>Um sensor tem vários </a:t>
             </a:r>
-          </a:p>
-          <a:p>
-            <a:pPr marL="285750" indent="-285750">
-              <a:buFont typeface="Arial" panose="020B0604020202020204" pitchFamily="34" charset="0"/>
-              <a:buChar char="•"/>
-            </a:pPr>
             <a:r>
-              <a:rPr lang="pt-BR" dirty="0"/>
-              <a:t>Um sensor tem vários históricos de sensores , porém um histórico de sensor tem apenas um sensor;</a:t>
+              <a:rPr lang="pt-BR" sz="1800" dirty="0" smtClean="0"/>
+              <a:t>históricos, </a:t>
             </a:r>
+            <a:r>
+              <a:rPr lang="pt-BR" sz="1800" dirty="0"/>
+              <a:t>porém um </a:t>
+            </a:r>
+            <a:r>
+              <a:rPr lang="pt-BR" sz="1800" dirty="0" smtClean="0"/>
+              <a:t>histórico pertence somente a um sensor.</a:t>
+            </a:r>
+            <a:endParaRPr lang="pt-BR" sz="1800" dirty="0"/>
           </a:p>
         </p:txBody>
       </p:sp>
@@ -13581,6 +13680,13 @@
   <p:clrMapOvr>
     <a:masterClrMapping/>
   </p:clrMapOvr>
+  <p:timing>
+    <p:tnLst>
+      <p:par>
+        <p:cTn id="1" dur="indefinite" restart="never" nodeType="tmRoot"/>
+      </p:par>
+    </p:tnLst>
+  </p:timing>
 </p:sld>
 </file>
 
@@ -13621,7 +13727,7 @@
         </p:blipFill>
         <p:spPr>
           <a:xfrm>
-            <a:off x="897286" y="1457011"/>
+            <a:off x="1359726" y="1758231"/>
             <a:ext cx="6143625" cy="3314700"/>
           </a:xfrm>
           <a:prstGeom prst="rect">
@@ -13648,8 +13754,8 @@
         </p:nvSpPr>
         <p:spPr>
           <a:xfrm>
-            <a:off x="321547" y="915694"/>
-            <a:ext cx="8239648" cy="340734"/>
+            <a:off x="0" y="919916"/>
+            <a:ext cx="8603227" cy="456535"/>
           </a:xfrm>
           <a:prstGeom prst="rect">
             <a:avLst/>
@@ -13671,7 +13777,7 @@
               </a:spcAft>
             </a:pPr>
             <a:r>
-              <a:rPr lang="pt-BR" sz="1200" dirty="0">
+              <a:rPr lang="pt-BR" sz="1800" b="1" dirty="0" smtClean="0">
                 <a:solidFill>
                   <a:srgbClr val="000000"/>
                 </a:solidFill>
@@ -13680,9 +13786,25 @@
                 <a:ea typeface="Arial" panose="020B0604020202020204" pitchFamily="34" charset="0"/>
                 <a:cs typeface="Arial" panose="020B0604020202020204" pitchFamily="34" charset="0"/>
               </a:rPr>
-              <a:t>Os teores ideais de umidade para cada fase de desenvolvimento podem ser observados abaixo:</a:t>
+              <a:t>Os teores ideais de umidade para cada fase de </a:t>
             </a:r>
-            <a:endParaRPr lang="pt-BR" sz="1200" dirty="0">
+            <a:r>
+              <a:rPr lang="pt-BR" sz="1800" b="1" dirty="0">
+                <a:latin typeface="Playfair Display"/>
+                <a:ea typeface="Arial" panose="020B0604020202020204" pitchFamily="34" charset="0"/>
+                <a:cs typeface="Arial" panose="020B0604020202020204" pitchFamily="34" charset="0"/>
+              </a:rPr>
+              <a:t>desenvolvimento </a:t>
+            </a:r>
+            <a:r>
+              <a:rPr lang="pt-BR" sz="1800" b="1" dirty="0" smtClean="0">
+                <a:latin typeface="Playfair Display"/>
+                <a:ea typeface="Arial" panose="020B0604020202020204" pitchFamily="34" charset="0"/>
+                <a:cs typeface="Arial" panose="020B0604020202020204" pitchFamily="34" charset="0"/>
+              </a:rPr>
+              <a:t>podem</a:t>
+            </a:r>
+            <a:endParaRPr lang="pt-BR" sz="1800" b="1" dirty="0">
               <a:effectLst/>
               <a:latin typeface="Playfair Display"/>
               <a:ea typeface="Calibri" panose="020F0502020204030204" pitchFamily="34" charset="0"/>
@@ -13783,6 +13905,59 @@
           </a:p>
         </p:txBody>
       </p:sp>
+      <p:sp>
+        <p:nvSpPr>
+          <p:cNvPr id="6" name="CaixaDeTexto 5">
+            <a:extLst>
+              <a:ext uri="{FF2B5EF4-FFF2-40B4-BE49-F238E27FC236}">
+                <a16:creationId xmlns:a16="http://schemas.microsoft.com/office/drawing/2014/main" id="{FA7E217D-7B26-470E-99AB-860C541522D0}"/>
+              </a:ext>
+            </a:extLst>
+          </p:cNvPr>
+          <p:cNvSpPr txBox="1"/>
+          <p:nvPr/>
+        </p:nvSpPr>
+        <p:spPr>
+          <a:xfrm>
+            <a:off x="-1" y="1227663"/>
+            <a:ext cx="8603227" cy="456535"/>
+          </a:xfrm>
+          <a:prstGeom prst="rect">
+            <a:avLst/>
+          </a:prstGeom>
+          <a:noFill/>
+        </p:spPr>
+        <p:txBody>
+          <a:bodyPr wrap="square">
+            <a:spAutoFit/>
+          </a:bodyPr>
+          <a:lstStyle/>
+          <a:p>
+            <a:pPr indent="457200">
+              <a:lnSpc>
+                <a:spcPct val="150000"/>
+              </a:lnSpc>
+              <a:spcAft>
+                <a:spcPts val="800"/>
+              </a:spcAft>
+            </a:pPr>
+            <a:r>
+              <a:rPr lang="pt-BR" sz="1800" b="1" dirty="0" smtClean="0">
+                <a:latin typeface="Playfair Display"/>
+                <a:ea typeface="Calibri" panose="020F0502020204030204" pitchFamily="34" charset="0"/>
+                <a:cs typeface="Arial" panose="020B0604020202020204" pitchFamily="34" charset="0"/>
+              </a:rPr>
+              <a:t>ser observados abaixo:</a:t>
+            </a:r>
+            <a:endParaRPr lang="pt-BR" sz="1800" b="1" dirty="0">
+              <a:effectLst/>
+              <a:latin typeface="Playfair Display"/>
+              <a:ea typeface="Calibri" panose="020F0502020204030204" pitchFamily="34" charset="0"/>
+              <a:cs typeface="Arial" panose="020B0604020202020204" pitchFamily="34" charset="0"/>
+            </a:endParaRPr>
+          </a:p>
+        </p:txBody>
+      </p:sp>
     </p:spTree>
     <p:extLst>
       <p:ext uri="{BB962C8B-B14F-4D97-AF65-F5344CB8AC3E}">
@@ -13793,6 +13968,13 @@
   <p:clrMapOvr>
     <a:masterClrMapping/>
   </p:clrMapOvr>
+  <p:timing>
+    <p:tnLst>
+      <p:par>
+        <p:cTn id="1" dur="indefinite" restart="never" nodeType="tmRoot"/>
+      </p:par>
+    </p:tnLst>
+  </p:timing>
 </p:sld>
 </file>
 
@@ -16640,17 +16822,7 @@
                 <a:latin typeface="Verdana"/>
                 <a:ea typeface="Verdana"/>
               </a:rPr>
-              <a:t>(</a:t>
-            </a:r>
-            <a:r>
-              <a:rPr lang="pt-BR" b="1" dirty="0" smtClean="0">
-                <a:solidFill>
-                  <a:schemeClr val="bg1"/>
-                </a:solidFill>
-                <a:latin typeface="Verdana"/>
-                <a:ea typeface="Verdana"/>
-              </a:rPr>
-              <a:t>Aprendizagem/Grupo/Relevância)</a:t>
+              <a:t>(Aprendizagem/Grupo/Relevância)</a:t>
             </a:r>
             <a:endParaRPr lang="pt-BR" b="1" dirty="0">
               <a:solidFill>

--- a/Documentos/Power Point/Sprint 3 - FINAL.pptx
+++ b/Documentos/Power Point/Sprint 3 - FINAL.pptx
@@ -351,7 +351,6 @@
           </a:p>
         </c:rich>
       </c:tx>
-      <c:layout/>
       <c:overlay val="0"/>
       <c:spPr>
         <a:noFill/>
@@ -916,7 +915,6 @@
     </c:plotArea>
     <c:legend>
       <c:legendPos val="b"/>
-      <c:layout/>
       <c:overlay val="0"/>
       <c:spPr>
         <a:noFill/>
@@ -1018,7 +1016,6 @@
           </a:p>
         </c:rich>
       </c:tx>
-      <c:layout/>
       <c:overlay val="0"/>
       <c:spPr>
         <a:noFill/>
@@ -1583,7 +1580,6 @@
     </c:plotArea>
     <c:legend>
       <c:legendPos val="b"/>
-      <c:layout/>
       <c:overlay val="0"/>
       <c:spPr>
         <a:noFill/>
@@ -1685,7 +1681,6 @@
           </a:p>
         </c:rich>
       </c:tx>
-      <c:layout/>
       <c:overlay val="0"/>
       <c:spPr>
         <a:noFill/>
@@ -2250,7 +2245,6 @@
     </c:plotArea>
     <c:legend>
       <c:legendPos val="b"/>
-      <c:layout/>
       <c:overlay val="0"/>
       <c:spPr>
         <a:noFill/>
@@ -12922,7 +12916,7 @@
           <a:lstStyle/>
           <a:p>
             <a:r>
-              <a:rPr lang="pt-BR" sz="6000" dirty="0" smtClean="0">
+              <a:rPr lang="pt-BR" sz="6000" dirty="0">
                 <a:solidFill>
                   <a:schemeClr val="bg1"/>
                 </a:solidFill>
@@ -12931,13 +12925,6 @@
               </a:rPr>
               <a:t>Desenvolvimento do projeto</a:t>
             </a:r>
-            <a:endParaRPr lang="pt-BR" sz="6000" dirty="0">
-              <a:solidFill>
-                <a:schemeClr val="bg1"/>
-              </a:solidFill>
-              <a:latin typeface="Verdana" panose="020B0604030504040204" pitchFamily="34" charset="0"/>
-              <a:ea typeface="Verdana" panose="020B0604030504040204" pitchFamily="34" charset="0"/>
-            </a:endParaRPr>
           </a:p>
         </p:txBody>
       </p:sp>
@@ -12971,7 +12958,7 @@
           <a:p>
             <a:pPr algn="ctr"/>
             <a:r>
-              <a:rPr lang="pt-BR" dirty="0" smtClean="0">
+              <a:rPr lang="pt-BR" dirty="0">
                 <a:solidFill>
                   <a:schemeClr val="bg1"/>
                 </a:solidFill>
@@ -12981,7 +12968,7 @@
               <a:t>(LLD/Modelagem/</a:t>
             </a:r>
             <a:r>
-              <a:rPr lang="pt-BR" dirty="0" err="1" smtClean="0">
+              <a:rPr lang="pt-BR" dirty="0" err="1">
                 <a:solidFill>
                   <a:schemeClr val="bg1"/>
                 </a:solidFill>
@@ -12991,7 +12978,7 @@
               <a:t>Analytics</a:t>
             </a:r>
             <a:r>
-              <a:rPr lang="pt-BR" dirty="0" smtClean="0">
+              <a:rPr lang="pt-BR" dirty="0">
                 <a:solidFill>
                   <a:schemeClr val="bg1"/>
                 </a:solidFill>
@@ -14602,17 +14589,10 @@
                 <a:latin typeface="Verdana"/>
                 <a:ea typeface="Verdana"/>
               </a:rPr>
-              <a:t>Demonstração do Site </a:t>
+              <a:t>Demonstração do Site Institucional/</a:t>
             </a:r>
             <a:r>
-              <a:rPr lang="pt-BR" sz="4000" dirty="0" smtClean="0">
-                <a:latin typeface="Verdana"/>
-                <a:ea typeface="Verdana"/>
-              </a:rPr>
-              <a:t>Institucional/</a:t>
-            </a:r>
-            <a:r>
-              <a:rPr lang="pt-BR" sz="4000" dirty="0" err="1" smtClean="0">
+              <a:rPr lang="pt-BR" sz="4000" dirty="0" err="1">
                 <a:latin typeface="Verdana"/>
                 <a:ea typeface="Verdana"/>
               </a:rPr>
@@ -14665,20 +14645,10 @@
                 <a:latin typeface="Verdana"/>
                 <a:ea typeface="Verdana"/>
               </a:rPr>
-              <a:t>(</a:t>
+              <a:t>(Site/Cadastro/</a:t>
             </a:r>
             <a:r>
-              <a:rPr lang="pt-BR" b="1" dirty="0" smtClean="0">
-                <a:solidFill>
-                  <a:schemeClr val="bg1"/>
-                </a:solidFill>
-                <a:latin typeface="Verdana"/>
-                <a:ea typeface="Verdana"/>
-              </a:rPr>
-              <a:t>Site/Cadastro/</a:t>
-            </a:r>
-            <a:r>
-              <a:rPr lang="pt-BR" b="1" dirty="0" err="1" smtClean="0">
+              <a:rPr lang="pt-BR" b="1" dirty="0" err="1">
                 <a:solidFill>
                   <a:schemeClr val="bg1"/>
                 </a:solidFill>
@@ -14688,7 +14658,7 @@
               <a:t>Login</a:t>
             </a:r>
             <a:r>
-              <a:rPr lang="pt-BR" b="1" dirty="0" smtClean="0">
+              <a:rPr lang="pt-BR" b="1" dirty="0">
                 <a:solidFill>
                   <a:schemeClr val="bg1"/>
                 </a:solidFill>
@@ -14698,7 +14668,7 @@
               <a:t>/</a:t>
             </a:r>
             <a:r>
-              <a:rPr lang="pt-BR" b="1" dirty="0" err="1" smtClean="0">
+              <a:rPr lang="pt-BR" b="1" dirty="0" err="1">
                 <a:solidFill>
                   <a:schemeClr val="bg1"/>
                 </a:solidFill>
@@ -14708,7 +14678,7 @@
               <a:t>Dashboard</a:t>
             </a:r>
             <a:r>
-              <a:rPr lang="pt-BR" b="1" dirty="0" smtClean="0">
+              <a:rPr lang="pt-BR" b="1" dirty="0">
                 <a:solidFill>
                   <a:schemeClr val="bg1"/>
                 </a:solidFill>
@@ -14717,13 +14687,6 @@
               </a:rPr>
               <a:t>)</a:t>
             </a:r>
-            <a:endParaRPr lang="pt-BR" b="1" dirty="0">
-              <a:solidFill>
-                <a:schemeClr val="bg1"/>
-              </a:solidFill>
-              <a:latin typeface="Verdana"/>
-              <a:ea typeface="Verdana"/>
-            </a:endParaRPr>
           </a:p>
         </p:txBody>
       </p:sp>
@@ -14932,7 +14895,7 @@
           <a:lstStyle/>
           <a:p>
             <a:r>
-              <a:rPr lang="pt-BR" sz="4000" dirty="0" smtClean="0">
+              <a:rPr lang="pt-BR" sz="4000" dirty="0">
                 <a:latin typeface="Verdana"/>
                 <a:ea typeface="Verdana"/>
               </a:rPr>
@@ -14978,7 +14941,7 @@
           <a:p>
             <a:pPr algn="ctr"/>
             <a:r>
-              <a:rPr lang="pt-BR" b="1" dirty="0" smtClean="0">
+              <a:rPr lang="pt-BR" b="1" dirty="0">
                 <a:solidFill>
                   <a:schemeClr val="bg1"/>
                 </a:solidFill>
@@ -14988,7 +14951,7 @@
               <a:t>(Manual/Atendimento/</a:t>
             </a:r>
             <a:r>
-              <a:rPr lang="pt-BR" b="1" dirty="0" err="1" smtClean="0">
+              <a:rPr lang="pt-BR" b="1" dirty="0" err="1">
                 <a:solidFill>
                   <a:schemeClr val="bg1"/>
                 </a:solidFill>
@@ -14998,7 +14961,7 @@
               <a:t>HelpDesk</a:t>
             </a:r>
             <a:r>
-              <a:rPr lang="pt-BR" b="1" dirty="0" smtClean="0">
+              <a:rPr lang="pt-BR" b="1" dirty="0">
                 <a:solidFill>
                   <a:schemeClr val="bg1"/>
                 </a:solidFill>
@@ -15007,13 +14970,6 @@
               </a:rPr>
               <a:t>)</a:t>
             </a:r>
-            <a:endParaRPr lang="pt-BR" b="1" dirty="0">
-              <a:solidFill>
-                <a:schemeClr val="bg1"/>
-              </a:solidFill>
-              <a:latin typeface="Verdana"/>
-              <a:ea typeface="Verdana"/>
-            </a:endParaRPr>
           </a:p>
         </p:txBody>
       </p:sp>
@@ -15912,7 +15868,7 @@
           <a:lstStyle/>
           <a:p>
             <a:r>
-              <a:rPr lang="pt-BR" sz="2400" b="1" dirty="0" smtClean="0">
+              <a:rPr lang="pt-BR" sz="2400" b="1" dirty="0">
                 <a:solidFill>
                   <a:schemeClr val="bg1"/>
                 </a:solidFill>
@@ -15920,12 +15876,6 @@
               </a:rPr>
               <a:t>MANUAL DE INSTALAÇÃO</a:t>
             </a:r>
-            <a:endParaRPr lang="pt-BR" sz="2400" b="1" dirty="0">
-              <a:solidFill>
-                <a:schemeClr val="bg1"/>
-              </a:solidFill>
-              <a:latin typeface="Playfair Display"/>
-            </a:endParaRPr>
           </a:p>
         </p:txBody>
       </p:sp>
@@ -16043,13 +15993,6 @@
   <p:clrMapOvr>
     <a:masterClrMapping/>
   </p:clrMapOvr>
-  <p:timing>
-    <p:tnLst>
-      <p:par>
-        <p:cTn id="1" dur="indefinite" restart="never" nodeType="tmRoot"/>
-      </p:par>
-    </p:tnLst>
-  </p:timing>
 </p:sld>
 </file>
 
@@ -16151,7 +16094,7 @@
           <a:lstStyle/>
           <a:p>
             <a:r>
-              <a:rPr lang="pt-BR" sz="2400" b="1" dirty="0" smtClean="0">
+              <a:rPr lang="pt-BR" sz="2400" b="1" dirty="0">
                 <a:solidFill>
                   <a:schemeClr val="bg1"/>
                 </a:solidFill>
@@ -16159,12 +16102,6 @@
               </a:rPr>
               <a:t>HELPDESK</a:t>
             </a:r>
-            <a:endParaRPr lang="pt-BR" sz="2400" b="1" dirty="0">
-              <a:solidFill>
-                <a:schemeClr val="bg1"/>
-              </a:solidFill>
-              <a:latin typeface="Playfair Display"/>
-            </a:endParaRPr>
           </a:p>
         </p:txBody>
       </p:sp>
@@ -16202,13 +16139,6 @@
   <p:clrMapOvr>
     <a:masterClrMapping/>
   </p:clrMapOvr>
-  <p:timing>
-    <p:tnLst>
-      <p:par>
-        <p:cTn id="1" dur="indefinite" restart="never" nodeType="tmRoot"/>
-      </p:par>
-    </p:tnLst>
-  </p:timing>
 </p:sld>
 </file>
 
@@ -16310,7 +16240,7 @@
           <a:lstStyle/>
           <a:p>
             <a:r>
-              <a:rPr lang="pt-BR" sz="2400" b="1" dirty="0" smtClean="0">
+              <a:rPr lang="pt-BR" sz="2400" b="1" dirty="0">
                 <a:solidFill>
                   <a:schemeClr val="bg1"/>
                 </a:solidFill>
@@ -16318,18 +16248,18 @@
               </a:rPr>
               <a:t>EXEMPLO</a:t>
             </a:r>
-            <a:endParaRPr lang="pt-BR" sz="2400" b="1" dirty="0">
-              <a:solidFill>
-                <a:schemeClr val="bg1"/>
-              </a:solidFill>
-              <a:latin typeface="Playfair Display"/>
-            </a:endParaRPr>
           </a:p>
         </p:txBody>
       </p:sp>
       <p:pic>
         <p:nvPicPr>
-          <p:cNvPr id="4" name="Imagem 3"/>
+          <p:cNvPr id="3" name="Imagem 2">
+            <a:extLst>
+              <a:ext uri="{FF2B5EF4-FFF2-40B4-BE49-F238E27FC236}">
+                <a16:creationId xmlns:a16="http://schemas.microsoft.com/office/drawing/2014/main" id="{73674F46-27A7-4877-A33D-B270354E4118}"/>
+              </a:ext>
+            </a:extLst>
+          </p:cNvPr>
           <p:cNvPicPr>
             <a:picLocks noChangeAspect="1"/>
           </p:cNvPicPr>
@@ -16343,8 +16273,8 @@
         </p:blipFill>
         <p:spPr>
           <a:xfrm>
-            <a:off x="422185" y="1232293"/>
-            <a:ext cx="7992067" cy="3588276"/>
+            <a:off x="2076450" y="867991"/>
+            <a:ext cx="4629150" cy="4008809"/>
           </a:xfrm>
           <a:prstGeom prst="rect">
             <a:avLst/>
@@ -16462,7 +16392,7 @@
           <a:lstStyle/>
           <a:p>
             <a:r>
-              <a:rPr lang="pt-BR" sz="2400" b="1" dirty="0" smtClean="0">
+              <a:rPr lang="pt-BR" sz="2400" b="1" dirty="0">
                 <a:solidFill>
                   <a:schemeClr val="bg1"/>
                 </a:solidFill>
@@ -16470,12 +16400,6 @@
               </a:rPr>
               <a:t>TESTE AO VIVO</a:t>
             </a:r>
-            <a:endParaRPr lang="pt-BR" sz="2400" b="1" dirty="0">
-              <a:solidFill>
-                <a:schemeClr val="bg1"/>
-              </a:solidFill>
-              <a:latin typeface="Playfair Display"/>
-            </a:endParaRPr>
           </a:p>
         </p:txBody>
       </p:sp>
@@ -16519,13 +16443,6 @@
   <p:clrMapOvr>
     <a:masterClrMapping/>
   </p:clrMapOvr>
-  <p:timing>
-    <p:tnLst>
-      <p:par>
-        <p:cTn id="1" dur="indefinite" restart="never" nodeType="tmRoot"/>
-      </p:par>
-    </p:tnLst>
-  </p:timing>
 </p:sld>
 </file>
 
@@ -16587,7 +16504,7 @@
           <a:lstStyle/>
           <a:p>
             <a:r>
-              <a:rPr lang="pt-BR" sz="8000" dirty="0" smtClean="0">
+              <a:rPr lang="pt-BR" sz="8000" dirty="0">
                 <a:latin typeface="Verdana"/>
                 <a:ea typeface="Verdana"/>
               </a:rPr>
@@ -16633,32 +16550,15 @@
           <a:p>
             <a:pPr algn="ctr"/>
             <a:r>
-              <a:rPr lang="pt-BR" b="1" dirty="0" smtClean="0">
+              <a:rPr lang="pt-BR" b="1" dirty="0">
                 <a:solidFill>
                   <a:schemeClr val="bg1"/>
                 </a:solidFill>
                 <a:latin typeface="Verdana"/>
                 <a:ea typeface="Verdana"/>
               </a:rPr>
-              <a:t>(</a:t>
+              <a:t>(Aprendizagem/Grupo/Relevância)</a:t>
             </a:r>
-            <a:r>
-              <a:rPr lang="pt-BR" b="1" dirty="0" smtClean="0">
-                <a:solidFill>
-                  <a:schemeClr val="bg1"/>
-                </a:solidFill>
-                <a:latin typeface="Verdana"/>
-                <a:ea typeface="Verdana"/>
-              </a:rPr>
-              <a:t>Aprendizagem/Grupo/Relevância)</a:t>
-            </a:r>
-            <a:endParaRPr lang="pt-BR" b="1" dirty="0">
-              <a:solidFill>
-                <a:schemeClr val="bg1"/>
-              </a:solidFill>
-              <a:latin typeface="Verdana"/>
-              <a:ea typeface="Verdana"/>
-            </a:endParaRPr>
           </a:p>
         </p:txBody>
       </p:sp>
@@ -16871,14 +16771,7 @@
                 <a:latin typeface="Verdana" panose="020B0604030504040204" pitchFamily="34" charset="0"/>
                 <a:ea typeface="Verdana" panose="020B0604030504040204" pitchFamily="34" charset="0"/>
               </a:rPr>
-              <a:t>Solução inteligente para seu plantio</a:t>
-            </a:r>
-            <a:r>
-              <a:rPr lang="pt-BR" sz="3200" b="0" dirty="0" smtClean="0">
-                <a:latin typeface="Verdana" panose="020B0604030504040204" pitchFamily="34" charset="0"/>
-                <a:ea typeface="Verdana" panose="020B0604030504040204" pitchFamily="34" charset="0"/>
-              </a:rPr>
-              <a:t>.</a:t>
+              <a:t>Solução inteligente para seu plantio.</a:t>
             </a:r>
             <a:endParaRPr lang="pt-BR" dirty="0">
               <a:solidFill>
@@ -17278,7 +17171,7 @@
           <a:lstStyle/>
           <a:p>
             <a:r>
-              <a:rPr lang="pt-BR" sz="6000" dirty="0" smtClean="0">
+              <a:rPr lang="pt-BR" sz="6000" dirty="0">
                 <a:solidFill>
                   <a:schemeClr val="bg1"/>
                 </a:solidFill>
@@ -17287,13 +17180,6 @@
               </a:rPr>
               <a:t>Visão do projeto </a:t>
             </a:r>
-            <a:endParaRPr lang="pt-BR" sz="6000" dirty="0">
-              <a:solidFill>
-                <a:schemeClr val="bg1"/>
-              </a:solidFill>
-              <a:latin typeface="Verdana" panose="020B0604030504040204" pitchFamily="34" charset="0"/>
-              <a:ea typeface="Verdana" panose="020B0604030504040204" pitchFamily="34" charset="0"/>
-            </a:endParaRPr>
           </a:p>
         </p:txBody>
       </p:sp>
@@ -17334,20 +17220,10 @@
                 <a:latin typeface="Verdana" panose="020B0604030504040204" pitchFamily="34" charset="0"/>
                 <a:ea typeface="Verdana" panose="020B0604030504040204" pitchFamily="34" charset="0"/>
               </a:rPr>
-              <a:t>(</a:t>
+              <a:t>(Equipe/Metodologia/</a:t>
             </a:r>
             <a:r>
-              <a:rPr lang="pt-BR" dirty="0" smtClean="0">
-                <a:solidFill>
-                  <a:schemeClr val="bg1"/>
-                </a:solidFill>
-                <a:latin typeface="Verdana" panose="020B0604030504040204" pitchFamily="34" charset="0"/>
-                <a:ea typeface="Verdana" panose="020B0604030504040204" pitchFamily="34" charset="0"/>
-              </a:rPr>
-              <a:t>Equipe/Metodologia/</a:t>
-            </a:r>
-            <a:r>
-              <a:rPr lang="pt-BR" dirty="0" err="1" smtClean="0">
+              <a:rPr lang="pt-BR" dirty="0" err="1">
                 <a:solidFill>
                   <a:schemeClr val="bg1"/>
                 </a:solidFill>
@@ -17357,24 +17233,14 @@
               <a:t>Backlog</a:t>
             </a:r>
             <a:r>
-              <a:rPr lang="pt-BR" dirty="0" smtClean="0">
+              <a:rPr lang="pt-BR" dirty="0">
                 <a:solidFill>
                   <a:schemeClr val="bg1"/>
                 </a:solidFill>
                 <a:latin typeface="Verdana" panose="020B0604030504040204" pitchFamily="34" charset="0"/>
                 <a:ea typeface="Verdana" panose="020B0604030504040204" pitchFamily="34" charset="0"/>
               </a:rPr>
-              <a:t>/Gestão </a:t>
-            </a:r>
-            <a:r>
-              <a:rPr lang="pt-BR" dirty="0">
-                <a:solidFill>
-                  <a:schemeClr val="bg1"/>
-                </a:solidFill>
-                <a:latin typeface="Verdana" panose="020B0604030504040204" pitchFamily="34" charset="0"/>
-                <a:ea typeface="Verdana" panose="020B0604030504040204" pitchFamily="34" charset="0"/>
-              </a:rPr>
-              <a:t>de risco)</a:t>
+              <a:t>/Gestão de risco)</a:t>
             </a:r>
             <a:endParaRPr lang="pt-BR" b="1" dirty="0">
               <a:solidFill>
@@ -17921,7 +17787,7 @@
           <a:p>
             <a:pPr algn="just"/>
             <a:r>
-              <a:rPr lang="pt-BR" sz="1200" dirty="0" smtClean="0">
+              <a:rPr lang="pt-BR" sz="1200" dirty="0">
                 <a:solidFill>
                   <a:srgbClr val="385819"/>
                 </a:solidFill>
@@ -18742,19 +18608,10 @@
                 </a:solidFill>
                 <a:latin typeface="Playfair Display"/>
               </a:rPr>
-              <a:t>etc</a:t>
+              <a:t>etc.</a:t>
             </a:r>
             <a:r>
-              <a:rPr lang="pt-BR" sz="1200" b="1" dirty="0" smtClean="0">
-                <a:solidFill>
-                  <a:schemeClr val="bg1"/>
-                </a:solidFill>
-                <a:latin typeface="Playfair Display"/>
-              </a:rPr>
-              <a:t>.</a:t>
-            </a:r>
-            <a:r>
-              <a:rPr lang="pt-BR" sz="1200" b="1" i="1" dirty="0" smtClean="0">
+              <a:rPr lang="pt-BR" sz="1200" b="1" i="1" dirty="0">
                 <a:solidFill>
                   <a:schemeClr val="bg1"/>
                 </a:solidFill>
@@ -18762,12 +18619,6 @@
               </a:rPr>
               <a:t>);</a:t>
             </a:r>
-            <a:endParaRPr lang="pt-BR" sz="1200" b="1" i="1" dirty="0">
-              <a:solidFill>
-                <a:schemeClr val="bg1"/>
-              </a:solidFill>
-              <a:latin typeface="Playfair Display"/>
-            </a:endParaRPr>
           </a:p>
           <a:p>
             <a:pPr marL="342900" indent="-342900" algn="just">
@@ -18784,16 +18635,7 @@
                 </a:solidFill>
                 <a:latin typeface="Playfair Display"/>
               </a:rPr>
-              <a:t>Grande demanda </a:t>
-            </a:r>
-            <a:r>
-              <a:rPr lang="pt-BR" sz="1200" b="1" dirty="0" smtClean="0">
-                <a:solidFill>
-                  <a:schemeClr val="bg1"/>
-                </a:solidFill>
-                <a:latin typeface="Playfair Display"/>
-              </a:rPr>
-              <a:t>populacional. </a:t>
+              <a:t>Grande demanda populacional. </a:t>
             </a:r>
             <a:endParaRPr lang="en-US" sz="1200" b="1" dirty="0">
               <a:solidFill>
@@ -18945,23 +18787,8 @@
                 </a:solidFill>
                 <a:latin typeface="Playfair Display"/>
               </a:rPr>
-              <a:t>Irrigação em excesso e tempo gasto para cobertura da área total de </a:t>
+              <a:t>Irrigação em excesso e tempo gasto para cobertura da área total de produção;</a:t>
             </a:r>
-            <a:r>
-              <a:rPr lang="pt-BR" sz="1200" b="1" dirty="0" smtClean="0">
-                <a:solidFill>
-                  <a:srgbClr val="F4F7DA"/>
-                </a:solidFill>
-                <a:latin typeface="Playfair Display"/>
-              </a:rPr>
-              <a:t>produção;</a:t>
-            </a:r>
-            <a:endParaRPr lang="pt-BR" sz="1200" b="1" dirty="0">
-              <a:solidFill>
-                <a:srgbClr val="F4F7DA"/>
-              </a:solidFill>
-              <a:latin typeface="Playfair Display"/>
-            </a:endParaRPr>
           </a:p>
           <a:p>
             <a:pPr marL="342900" indent="-342900" algn="just">
@@ -19552,23 +19379,8 @@
                 </a:solidFill>
                 <a:latin typeface="Playfair Display"/>
               </a:rPr>
-              <a:t>FERRAMENTAS </a:t>
+              <a:t>FERRAMENTAS UTILIZADAS</a:t>
             </a:r>
-            <a:r>
-              <a:rPr lang="pt-BR" sz="2400" b="1" dirty="0" smtClean="0">
-                <a:solidFill>
-                  <a:schemeClr val="bg1"/>
-                </a:solidFill>
-                <a:latin typeface="Playfair Display"/>
-              </a:rPr>
-              <a:t>UTILIZADAS</a:t>
-            </a:r>
-            <a:endParaRPr lang="pt-BR" sz="2400" b="1" dirty="0">
-              <a:solidFill>
-                <a:schemeClr val="bg1"/>
-              </a:solidFill>
-              <a:latin typeface="Playfair Display"/>
-            </a:endParaRPr>
           </a:p>
         </p:txBody>
       </p:sp>
@@ -19907,19 +19719,19 @@
                     <a:p>
                       <a:pPr algn="l" rtl="0" fontAlgn="ctr"/>
                       <a:r>
-                        <a:rPr lang="pt-BR" sz="900" u="none" strike="noStrike" dirty="0" smtClean="0">
+                        <a:rPr lang="pt-BR" sz="900" u="none" strike="noStrike" dirty="0">
                           <a:effectLst/>
                         </a:rPr>
                         <a:t>Simular o </a:t>
                       </a:r>
                       <a:r>
-                        <a:rPr lang="pt-BR" sz="900" u="none" strike="noStrike" dirty="0" err="1" smtClean="0">
+                        <a:rPr lang="pt-BR" sz="900" u="none" strike="noStrike" dirty="0" err="1">
                           <a:effectLst/>
                         </a:rPr>
                         <a:t>Arduino</a:t>
                       </a:r>
                       <a:r>
-                        <a:rPr lang="pt-BR" sz="900" u="none" strike="noStrike" dirty="0" smtClean="0">
+                        <a:rPr lang="pt-BR" sz="900" u="none" strike="noStrike" dirty="0">
                           <a:effectLst/>
                         </a:rPr>
                         <a:t> na aplicação web; </a:t>
@@ -20125,13 +19937,13 @@
                     <a:p>
                       <a:pPr algn="l" rtl="0" fontAlgn="ctr"/>
                       <a:r>
-                        <a:rPr lang="pt-BR" sz="900" u="none" strike="noStrike" dirty="0" err="1" smtClean="0">
+                        <a:rPr lang="pt-BR" sz="900" u="none" strike="noStrike" dirty="0" err="1">
                           <a:effectLst/>
                         </a:rPr>
                         <a:t>Arduino</a:t>
                       </a:r>
                       <a:r>
-                        <a:rPr lang="pt-BR" sz="900" u="none" strike="noStrike" dirty="0" smtClean="0">
+                        <a:rPr lang="pt-BR" sz="900" u="none" strike="noStrike" dirty="0">
                           <a:effectLst/>
                         </a:rPr>
                         <a:t> funcionando e recebendo os dados dentro da aplicação web; </a:t>
@@ -20234,7 +20046,7 @@
                     <a:p>
                       <a:pPr algn="l" rtl="0" fontAlgn="ctr"/>
                       <a:r>
-                        <a:rPr lang="pt-BR" sz="900" u="none" strike="noStrike" dirty="0" smtClean="0">
+                        <a:rPr lang="pt-BR" sz="900" u="none" strike="noStrike" dirty="0">
                           <a:effectLst/>
                         </a:rPr>
                         <a:t>Utilizar os sensores;</a:t>
@@ -20337,7 +20149,7 @@
                     <a:p>
                       <a:pPr algn="l" rtl="0" fontAlgn="ctr"/>
                       <a:r>
-                        <a:rPr lang="pt-BR" sz="900" u="none" strike="noStrike" dirty="0" smtClean="0">
+                        <a:rPr lang="pt-BR" sz="900" u="none" strike="noStrike" dirty="0">
                           <a:effectLst/>
                         </a:rPr>
                         <a:t>Realizar uma aplicação web que gere os valores e gráficos relativo à umidade do solo e utilização de água;</a:t>
@@ -21162,15 +20974,6 @@
                         </a:rPr>
                         <a:t>Probabilidade</a:t>
                       </a:r>
-                      <a:r>
-                        <a:rPr lang="pt-BR" sz="1000" b="1" noProof="0" dirty="0">
-                          <a:solidFill>
-                            <a:srgbClr val="FFFFFF"/>
-                          </a:solidFill>
-                          <a:effectLst/>
-                        </a:rPr>
-                        <a:t/>
-                      </a:r>
                       <a:br>
                         <a:rPr lang="pt-BR" sz="1000" b="1" noProof="0" dirty="0">
                           <a:solidFill>
@@ -21188,15 +20991,6 @@
                         </a:rPr>
                         <a:t>- Baixa</a:t>
                       </a:r>
-                      <a:r>
-                        <a:rPr lang="pt-BR" sz="1000" b="1" noProof="0" dirty="0">
-                          <a:solidFill>
-                            <a:srgbClr val="FFFFFF"/>
-                          </a:solidFill>
-                          <a:effectLst/>
-                        </a:rPr>
-                        <a:t/>
-                      </a:r>
                       <a:br>
                         <a:rPr lang="pt-BR" sz="1000" b="1" noProof="0" dirty="0">
                           <a:solidFill>
@@ -21213,15 +21007,6 @@
                           <a:effectLst/>
                         </a:rPr>
                         <a:t>-Média</a:t>
-                      </a:r>
-                      <a:r>
-                        <a:rPr lang="pt-BR" sz="1000" b="1" noProof="0" dirty="0">
-                          <a:solidFill>
-                            <a:srgbClr val="FFFFFF"/>
-                          </a:solidFill>
-                          <a:effectLst/>
-                        </a:rPr>
-                        <a:t/>
                       </a:r>
                       <a:br>
                         <a:rPr lang="pt-BR" sz="1000" b="1" noProof="0" dirty="0">
@@ -21270,15 +21055,6 @@
                         </a:rPr>
                         <a:t>Impacto</a:t>
                       </a:r>
-                      <a:r>
-                        <a:rPr lang="pt-BR" sz="1000" b="1" noProof="0" dirty="0">
-                          <a:solidFill>
-                            <a:srgbClr val="FFFFFF"/>
-                          </a:solidFill>
-                          <a:effectLst/>
-                        </a:rPr>
-                        <a:t/>
-                      </a:r>
                       <a:br>
                         <a:rPr lang="pt-BR" sz="1000" b="1" noProof="0" dirty="0">
                           <a:solidFill>
@@ -21296,15 +21072,6 @@
                         </a:rPr>
                         <a:t>- Baixo</a:t>
                       </a:r>
-                      <a:r>
-                        <a:rPr lang="pt-BR" sz="1000" b="1" noProof="0" dirty="0">
-                          <a:solidFill>
-                            <a:srgbClr val="FFFFFF"/>
-                          </a:solidFill>
-                          <a:effectLst/>
-                        </a:rPr>
-                        <a:t/>
-                      </a:r>
                       <a:br>
                         <a:rPr lang="pt-BR" sz="1000" b="1" noProof="0" dirty="0">
                           <a:solidFill>
@@ -21321,15 +21088,6 @@
                           <a:effectLst/>
                         </a:rPr>
                         <a:t>-Médio</a:t>
-                      </a:r>
-                      <a:r>
-                        <a:rPr lang="pt-BR" sz="1000" b="1" noProof="0" dirty="0">
-                          <a:solidFill>
-                            <a:srgbClr val="FFFFFF"/>
-                          </a:solidFill>
-                          <a:effectLst/>
-                        </a:rPr>
-                        <a:t/>
                       </a:r>
                       <a:br>
                         <a:rPr lang="pt-BR" sz="1000" b="1" noProof="0" dirty="0">
@@ -21408,15 +21166,6 @@
                         </a:rPr>
                         <a:t>Ação</a:t>
                       </a:r>
-                      <a:r>
-                        <a:rPr lang="pt-BR" sz="1000" b="1" noProof="0" dirty="0">
-                          <a:solidFill>
-                            <a:srgbClr val="FFFFFF"/>
-                          </a:solidFill>
-                          <a:effectLst/>
-                        </a:rPr>
-                        <a:t/>
-                      </a:r>
                       <a:br>
                         <a:rPr lang="pt-BR" sz="1000" b="1" noProof="0" dirty="0">
                           <a:solidFill>
@@ -21434,15 +21183,6 @@
                         </a:rPr>
                         <a:t>-Evitar</a:t>
                       </a:r>
-                      <a:r>
-                        <a:rPr lang="pt-BR" sz="1000" b="1" noProof="0" dirty="0">
-                          <a:solidFill>
-                            <a:srgbClr val="FFFFFF"/>
-                          </a:solidFill>
-                          <a:effectLst/>
-                        </a:rPr>
-                        <a:t/>
-                      </a:r>
                       <a:br>
                         <a:rPr lang="pt-BR" sz="1000" b="1" noProof="0" dirty="0">
                           <a:solidFill>
@@ -21459,15 +21199,6 @@
                           <a:effectLst/>
                         </a:rPr>
                         <a:t>-Mitigar</a:t>
-                      </a:r>
-                      <a:r>
-                        <a:rPr lang="pt-BR" sz="1000" b="1" noProof="0" dirty="0">
-                          <a:solidFill>
-                            <a:srgbClr val="FFFFFF"/>
-                          </a:solidFill>
-                          <a:effectLst/>
-                        </a:rPr>
-                        <a:t/>
                       </a:r>
                       <a:br>
                         <a:rPr lang="pt-BR" sz="1000" b="1" noProof="0" dirty="0">

--- a/Documentos/Power Point/Sprint 3 - FINAL.pptx
+++ b/Documentos/Power Point/Sprint 3 - FINAL.pptx
@@ -13381,8 +13381,8 @@
         </p:nvSpPr>
         <p:spPr>
           <a:xfrm>
-            <a:off x="290661" y="1154356"/>
-            <a:ext cx="6858000" cy="2893100"/>
+            <a:off x="290661" y="957739"/>
+            <a:ext cx="7316639" cy="3970318"/>
           </a:xfrm>
           <a:prstGeom prst="rect">
             <a:avLst/>
@@ -13400,8 +13400,8 @@
               <a:buChar char="•"/>
             </a:pPr>
             <a:r>
-              <a:rPr lang="pt-BR" dirty="0"/>
-              <a:t>Um cliente pode ter mais de uma fazenda, porém uma fazenda só pode ter um cliente como dono;</a:t>
+              <a:rPr lang="pt-BR" sz="1800" dirty="0"/>
+              <a:t>Uma empresa pode ter mais de uma fazenda, porém uma fazenda só pode ter uma empresa como dona;</a:t>
             </a:r>
           </a:p>
           <a:p>
@@ -13409,9 +13409,16 @@
               <a:buFont typeface="Arial" panose="020B0604020202020204" pitchFamily="34" charset="0"/>
               <a:buChar char="•"/>
             </a:pPr>
+            <a:endParaRPr lang="pt-BR" sz="1800" dirty="0"/>
+          </a:p>
+          <a:p>
+            <a:pPr marL="285750" indent="-285750">
+              <a:buFont typeface="Arial" panose="020B0604020202020204" pitchFamily="34" charset="0"/>
+              <a:buChar char="•"/>
+            </a:pPr>
             <a:r>
-              <a:rPr lang="pt-BR" dirty="0"/>
-              <a:t>Um cliente pode ter mais de um usuário, porém um usuário só poderá ter um cliente;</a:t>
+              <a:rPr lang="pt-BR" sz="1800" dirty="0"/>
+              <a:t>Uma empresa pode ter mais de um funcionário, porém um funcionário pode pertencer somente à uma empresa;</a:t>
             </a:r>
           </a:p>
           <a:p>
@@ -13419,9 +13426,16 @@
               <a:buFont typeface="Arial" panose="020B0604020202020204" pitchFamily="34" charset="0"/>
               <a:buChar char="•"/>
             </a:pPr>
+            <a:endParaRPr lang="pt-BR" sz="1800" dirty="0"/>
+          </a:p>
+          <a:p>
+            <a:pPr marL="285750" indent="-285750">
+              <a:buFont typeface="Arial" panose="020B0604020202020204" pitchFamily="34" charset="0"/>
+              <a:buChar char="•"/>
+            </a:pPr>
             <a:r>
-              <a:rPr lang="pt-BR" dirty="0"/>
-              <a:t>Um cliente pode ter sido ou não um lead, porém um lead só pode ter um cliente;</a:t>
+              <a:rPr lang="pt-BR" sz="1800" dirty="0"/>
+              <a:t>Um empresa pode ter sido ou não um lead, porém um lead só pode ter uma empresa;</a:t>
             </a:r>
           </a:p>
           <a:p>
@@ -13429,9 +13443,16 @@
               <a:buFont typeface="Arial" panose="020B0604020202020204" pitchFamily="34" charset="0"/>
               <a:buChar char="•"/>
             </a:pPr>
+            <a:endParaRPr lang="pt-BR" sz="1800" dirty="0"/>
+          </a:p>
+          <a:p>
+            <a:pPr marL="285750" indent="-285750">
+              <a:buFont typeface="Arial" panose="020B0604020202020204" pitchFamily="34" charset="0"/>
+              <a:buChar char="•"/>
+            </a:pPr>
             <a:r>
-              <a:rPr lang="pt-BR" dirty="0"/>
-              <a:t>Um cliente pode ter várias ocorrência , porém uma ocorrência pode vir apenas de um cliente;</a:t>
+              <a:rPr lang="pt-BR" sz="1800" dirty="0"/>
+              <a:t>Uma fazenda pode ter vários sensores, porém um sensor pertence à apenas uma fazenda;</a:t>
             </a:r>
           </a:p>
           <a:p>
@@ -13439,10 +13460,7 @@
               <a:buFont typeface="Arial" panose="020B0604020202020204" pitchFamily="34" charset="0"/>
               <a:buChar char="•"/>
             </a:pPr>
-            <a:r>
-              <a:rPr lang="pt-BR" dirty="0"/>
-              <a:t>Um colaborador poderá tomar conta de várias ocorrências, porém uma ocorrência terá apenas um colaborador;</a:t>
-            </a:r>
+            <a:endParaRPr lang="pt-BR" sz="1800" dirty="0"/>
           </a:p>
           <a:p>
             <a:pPr marL="285750" indent="-285750">
@@ -13450,18 +13468,8 @@
               <a:buChar char="•"/>
             </a:pPr>
             <a:r>
-              <a:rPr lang="pt-BR" dirty="0"/>
-              <a:t>Uma fazenda pode ter vários sensores, porém um sensor tem apenas uma fazenda;</a:t>
-            </a:r>
-          </a:p>
-          <a:p>
-            <a:pPr marL="285750" indent="-285750">
-              <a:buFont typeface="Arial" panose="020B0604020202020204" pitchFamily="34" charset="0"/>
-              <a:buChar char="•"/>
-            </a:pPr>
-            <a:r>
-              <a:rPr lang="pt-BR" dirty="0"/>
-              <a:t>Um sensor tem vários históricos de sensores , porém um histórico de sensor tem apenas um sensor;</a:t>
+              <a:rPr lang="pt-BR" sz="1800" dirty="0"/>
+              <a:t>Um sensor tem vários históricos, porém um histórico pertence somente à um sensor.</a:t>
             </a:r>
           </a:p>
         </p:txBody>
@@ -16392,14 +16400,20 @@
           <a:lstStyle/>
           <a:p>
             <a:r>
-              <a:rPr lang="pt-BR" sz="2400" b="1" dirty="0">
+              <a:rPr lang="pt-BR" sz="2400" b="1">
                 <a:solidFill>
                   <a:schemeClr val="bg1"/>
                 </a:solidFill>
                 <a:latin typeface="Playfair Display"/>
               </a:rPr>
-              <a:t>TESTE AO VIVO</a:t>
+              <a:t>TESTE PRÁTICO</a:t>
             </a:r>
+            <a:endParaRPr lang="pt-BR" sz="2400" b="1" dirty="0">
+              <a:solidFill>
+                <a:schemeClr val="bg1"/>
+              </a:solidFill>
+              <a:latin typeface="Playfair Display"/>
+            </a:endParaRPr>
           </a:p>
         </p:txBody>
       </p:sp>
@@ -17792,7 +17806,7 @@
                   <a:srgbClr val="385819"/>
                 </a:solidFill>
               </a:rPr>
-              <a:t>CONTEXTOO</a:t>
+              <a:t>CONTEXTO</a:t>
             </a:r>
             <a:endParaRPr lang="pt-BR" sz="1200" b="0" dirty="0">
               <a:solidFill>
